--- a/ATTRIBUTE_CONSTRAINTS/Constraints.pptx
+++ b/ATTRIBUTE_CONSTRAINTS/Constraints.pptx
@@ -117,7 +117,60 @@
       </a:defRPr>
     </a:lvl9pPr>
   </p:defaultTextStyle>
+  <p:extLst>
+    <p:ext uri="{EFAFB233-063F-42B5-8137-9DF3F51BA10A}">
+      <p15:sldGuideLst xmlns:p15="http://schemas.microsoft.com/office/powerpoint/2012/main">
+        <p15:guide id="1" orient="horz" pos="1620">
+          <p15:clr>
+            <a:srgbClr val="A4A3A4"/>
+          </p15:clr>
+        </p15:guide>
+        <p15:guide id="2" pos="2880">
+          <p15:clr>
+            <a:srgbClr val="A4A3A4"/>
+          </p15:clr>
+        </p15:guide>
+      </p15:sldGuideLst>
+    </p:ext>
+  </p:extLst>
 </p:presentation>
+</file>
+
+<file path=ppt/revisionInfo.xml><?xml version="1.0" encoding="utf-8"?>
+<p1510:revInfo xmlns:a="http://schemas.openxmlformats.org/drawingml/2006/main" xmlns:r="http://schemas.openxmlformats.org/officeDocument/2006/relationships" xmlns:p1510="http://schemas.microsoft.com/office/powerpoint/2015/10/main">
+  <p1510:revLst>
+    <p1510:client id="{1FE85DBE-4671-484F-B346-2CEBE498E571}" v="1" dt="2024-11-22T04:44:16.965"/>
+  </p1510:revLst>
+</p1510:revInfo>
+</file>
+
+<file path=ppt/changesInfos/changesInfo1.xml><?xml version="1.0" encoding="utf-8"?>
+<pc:chgInfo xmlns:a="http://schemas.openxmlformats.org/drawingml/2006/main" xmlns:r="http://schemas.openxmlformats.org/officeDocument/2006/relationships" xmlns:ac="http://schemas.microsoft.com/office/drawing/2013/main/command" xmlns:pc="http://schemas.microsoft.com/office/powerpoint/2013/main/command">
+  <pc:docChgLst>
+    <pc:chgData name="Tooba Ahmed Alvi" userId="0a47ae71-bcb7-4104-9179-bfab0525bb6d" providerId="ADAL" clId="{1FE85DBE-4671-484F-B346-2CEBE498E571}"/>
+    <pc:docChg chg="modSld">
+      <pc:chgData name="Tooba Ahmed Alvi" userId="0a47ae71-bcb7-4104-9179-bfab0525bb6d" providerId="ADAL" clId="{1FE85DBE-4671-484F-B346-2CEBE498E571}" dt="2024-11-22T04:44:16.965" v="0" actId="20577"/>
+      <pc:docMkLst>
+        <pc:docMk/>
+      </pc:docMkLst>
+      <pc:sldChg chg="modSp">
+        <pc:chgData name="Tooba Ahmed Alvi" userId="0a47ae71-bcb7-4104-9179-bfab0525bb6d" providerId="ADAL" clId="{1FE85DBE-4671-484F-B346-2CEBE498E571}" dt="2024-11-22T04:44:16.965" v="0" actId="20577"/>
+        <pc:sldMkLst>
+          <pc:docMk/>
+          <pc:sldMk cId="282538741" sldId="284"/>
+        </pc:sldMkLst>
+        <pc:spChg chg="mod">
+          <ac:chgData name="Tooba Ahmed Alvi" userId="0a47ae71-bcb7-4104-9179-bfab0525bb6d" providerId="ADAL" clId="{1FE85DBE-4671-484F-B346-2CEBE498E571}" dt="2024-11-22T04:44:16.965" v="0" actId="20577"/>
+          <ac:spMkLst>
+            <pc:docMk/>
+            <pc:sldMk cId="282538741" sldId="284"/>
+            <ac:spMk id="3" creationId="{00000000-0000-0000-0000-000000000000}"/>
+          </ac:spMkLst>
+        </pc:spChg>
+      </pc:sldChg>
+    </pc:docChg>
+  </pc:docChgLst>
+</pc:chgInfo>
 </file>
 
 <file path=ppt/notesMasters/notesMaster1.xml><?xml version="1.0" encoding="utf-8"?>
@@ -203,7 +256,7 @@
             <a:fld id="{9608008F-8C0F-4F63-86DC-E7B67385E4BD}" type="datetimeFigureOut">
               <a:rPr lang="en-US" smtClean="0"/>
               <a:pPr/>
-              <a:t>4/6/2011</a:t>
+              <a:t>11/22/2024</a:t>
             </a:fld>
             <a:endParaRPr lang="en-US" dirty="0"/>
           </a:p>
@@ -267,38 +320,37 @@
           <a:p>
             <a:pPr lvl="0"/>
             <a:r>
-              <a:rPr lang="en-US" smtClean="0"/>
+              <a:rPr lang="en-US"/>
               <a:t>Click to edit Master text styles</a:t>
             </a:r>
           </a:p>
           <a:p>
             <a:pPr lvl="1"/>
             <a:r>
-              <a:rPr lang="en-US" smtClean="0"/>
+              <a:rPr lang="en-US"/>
               <a:t>Second level</a:t>
             </a:r>
           </a:p>
           <a:p>
             <a:pPr lvl="2"/>
             <a:r>
-              <a:rPr lang="en-US" smtClean="0"/>
+              <a:rPr lang="en-US"/>
               <a:t>Third level</a:t>
             </a:r>
           </a:p>
           <a:p>
             <a:pPr lvl="3"/>
             <a:r>
-              <a:rPr lang="en-US" smtClean="0"/>
+              <a:rPr lang="en-US"/>
               <a:t>Fourth level</a:t>
             </a:r>
           </a:p>
           <a:p>
             <a:pPr lvl="4"/>
             <a:r>
-              <a:rPr lang="en-US" smtClean="0"/>
+              <a:rPr lang="en-US"/>
               <a:t>Fifth level</a:t>
             </a:r>
-            <a:endParaRPr lang="en-US"/>
           </a:p>
         </p:txBody>
       </p:sp>
@@ -372,7 +424,7 @@
     </p:spTree>
     <p:extLst>
       <p:ext uri="{BB962C8B-B14F-4D97-AF65-F5344CB8AC3E}">
-        <p14:creationId xmlns="" xmlns:p14="http://schemas.microsoft.com/office/powerpoint/2010/main" val="2403612965"/>
+        <p14:creationId xmlns:p14="http://schemas.microsoft.com/office/powerpoint/2010/main" val="2403612965"/>
       </p:ext>
     </p:extLst>
   </p:cSld>
@@ -640,10 +692,9 @@
           <a:lstStyle/>
           <a:p>
             <a:r>
-              <a:rPr lang="en-US" smtClean="0"/>
+              <a:rPr lang="en-US"/>
               <a:t>Click to edit Master title style</a:t>
             </a:r>
-            <a:endParaRPr lang="en-US"/>
           </a:p>
         </p:txBody>
       </p:sp>
@@ -759,10 +810,9 @@
           </a:lstStyle>
           <a:p>
             <a:r>
-              <a:rPr lang="en-US" smtClean="0"/>
+              <a:rPr lang="en-US"/>
               <a:t>Click to edit Master subtitle style</a:t>
             </a:r>
-            <a:endParaRPr lang="en-US"/>
           </a:p>
         </p:txBody>
       </p:sp>
@@ -790,7 +840,7 @@
                 </a:solidFill>
               </a:rPr>
               <a:pPr/>
-              <a:t>4/6/2011</a:t>
+              <a:t>11/22/2024</a:t>
             </a:fld>
             <a:endParaRPr lang="en-US" dirty="0">
               <a:solidFill>
@@ -871,20 +921,13 @@
     </p:spTree>
     <p:extLst>
       <p:ext uri="{BB962C8B-B14F-4D97-AF65-F5344CB8AC3E}">
-        <p14:creationId xmlns="" xmlns:p14="http://schemas.microsoft.com/office/powerpoint/2010/main" val="816242766"/>
+        <p14:creationId xmlns:p14="http://schemas.microsoft.com/office/powerpoint/2010/main" val="816242766"/>
       </p:ext>
     </p:extLst>
   </p:cSld>
   <p:clrMapOvr>
     <a:masterClrMapping/>
   </p:clrMapOvr>
-  <p:timing>
-    <p:tnLst>
-      <p:par>
-        <p:cTn id="1" dur="indefinite" restart="never" nodeType="tmRoot"/>
-      </p:par>
-    </p:tnLst>
-  </p:timing>
 </p:sldLayout>
 </file>
 
@@ -921,10 +964,9 @@
           <a:lstStyle/>
           <a:p>
             <a:r>
-              <a:rPr lang="en-US" smtClean="0"/>
+              <a:rPr lang="en-US"/>
               <a:t>Click to edit Master title style</a:t>
             </a:r>
-            <a:endParaRPr lang="en-US"/>
           </a:p>
         </p:txBody>
       </p:sp>
@@ -945,38 +987,37 @@
           <a:p>
             <a:pPr lvl="0"/>
             <a:r>
-              <a:rPr lang="en-US" smtClean="0"/>
+              <a:rPr lang="en-US"/>
               <a:t>Click to edit Master text styles</a:t>
             </a:r>
           </a:p>
           <a:p>
             <a:pPr lvl="1"/>
             <a:r>
-              <a:rPr lang="en-US" smtClean="0"/>
+              <a:rPr lang="en-US"/>
               <a:t>Second level</a:t>
             </a:r>
           </a:p>
           <a:p>
             <a:pPr lvl="2"/>
             <a:r>
-              <a:rPr lang="en-US" smtClean="0"/>
+              <a:rPr lang="en-US"/>
               <a:t>Third level</a:t>
             </a:r>
           </a:p>
           <a:p>
             <a:pPr lvl="3"/>
             <a:r>
-              <a:rPr lang="en-US" smtClean="0"/>
+              <a:rPr lang="en-US"/>
               <a:t>Fourth level</a:t>
             </a:r>
           </a:p>
           <a:p>
             <a:pPr lvl="4"/>
             <a:r>
-              <a:rPr lang="en-US" smtClean="0"/>
+              <a:rPr lang="en-US"/>
               <a:t>Fifth level</a:t>
             </a:r>
-            <a:endParaRPr lang="en-US"/>
           </a:p>
         </p:txBody>
       </p:sp>
@@ -1004,7 +1045,7 @@
                 </a:solidFill>
               </a:rPr>
               <a:pPr/>
-              <a:t>4/6/2011</a:t>
+              <a:t>11/22/2024</a:t>
             </a:fld>
             <a:endParaRPr lang="en-US" dirty="0">
               <a:solidFill>
@@ -1080,7 +1121,7 @@
     </p:spTree>
     <p:extLst>
       <p:ext uri="{BB962C8B-B14F-4D97-AF65-F5344CB8AC3E}">
-        <p14:creationId xmlns="" xmlns:p14="http://schemas.microsoft.com/office/powerpoint/2010/main" val="836906315"/>
+        <p14:creationId xmlns:p14="http://schemas.microsoft.com/office/powerpoint/2010/main" val="836906315"/>
       </p:ext>
     </p:extLst>
   </p:cSld>
@@ -1128,10 +1169,9 @@
           <a:lstStyle/>
           <a:p>
             <a:r>
-              <a:rPr lang="en-US" smtClean="0"/>
+              <a:rPr lang="en-US"/>
               <a:t>Click to edit Master title style</a:t>
             </a:r>
-            <a:endParaRPr lang="en-US"/>
           </a:p>
         </p:txBody>
       </p:sp>
@@ -1157,38 +1197,37 @@
           <a:p>
             <a:pPr lvl="0"/>
             <a:r>
-              <a:rPr lang="en-US" smtClean="0"/>
+              <a:rPr lang="en-US"/>
               <a:t>Click to edit Master text styles</a:t>
             </a:r>
           </a:p>
           <a:p>
             <a:pPr lvl="1"/>
             <a:r>
-              <a:rPr lang="en-US" smtClean="0"/>
+              <a:rPr lang="en-US"/>
               <a:t>Second level</a:t>
             </a:r>
           </a:p>
           <a:p>
             <a:pPr lvl="2"/>
             <a:r>
-              <a:rPr lang="en-US" smtClean="0"/>
+              <a:rPr lang="en-US"/>
               <a:t>Third level</a:t>
             </a:r>
           </a:p>
           <a:p>
             <a:pPr lvl="3"/>
             <a:r>
-              <a:rPr lang="en-US" smtClean="0"/>
+              <a:rPr lang="en-US"/>
               <a:t>Fourth level</a:t>
             </a:r>
           </a:p>
           <a:p>
             <a:pPr lvl="4"/>
             <a:r>
-              <a:rPr lang="en-US" smtClean="0"/>
+              <a:rPr lang="en-US"/>
               <a:t>Fifth level</a:t>
             </a:r>
-            <a:endParaRPr lang="en-US"/>
           </a:p>
         </p:txBody>
       </p:sp>
@@ -1216,7 +1255,7 @@
                 </a:solidFill>
               </a:rPr>
               <a:pPr/>
-              <a:t>4/6/2011</a:t>
+              <a:t>11/22/2024</a:t>
             </a:fld>
             <a:endParaRPr lang="en-US" dirty="0">
               <a:solidFill>
@@ -1292,7 +1331,7 @@
     </p:spTree>
     <p:extLst>
       <p:ext uri="{BB962C8B-B14F-4D97-AF65-F5344CB8AC3E}">
-        <p14:creationId xmlns="" xmlns:p14="http://schemas.microsoft.com/office/powerpoint/2010/main" val="3714386303"/>
+        <p14:creationId xmlns:p14="http://schemas.microsoft.com/office/powerpoint/2010/main" val="3714386303"/>
       </p:ext>
     </p:extLst>
   </p:cSld>
@@ -1322,20 +1361,13 @@
     </p:spTree>
     <p:extLst>
       <p:ext uri="{BB962C8B-B14F-4D97-AF65-F5344CB8AC3E}">
-        <p14:creationId xmlns="" xmlns:p14="http://schemas.microsoft.com/office/powerpoint/2010/main" val="1979141028"/>
+        <p14:creationId xmlns:p14="http://schemas.microsoft.com/office/powerpoint/2010/main" val="1979141028"/>
       </p:ext>
     </p:extLst>
   </p:cSld>
   <p:clrMapOvr>
     <a:masterClrMapping/>
   </p:clrMapOvr>
-  <p:timing>
-    <p:tnLst>
-      <p:par>
-        <p:cTn id="1" dur="indefinite" restart="never" nodeType="tmRoot"/>
-      </p:par>
-    </p:tnLst>
-  </p:timing>
 </p:sldLayout>
 </file>
 
@@ -1425,10 +1457,9 @@
           <a:lstStyle/>
           <a:p>
             <a:r>
-              <a:rPr lang="en-US" smtClean="0"/>
+              <a:rPr lang="en-US"/>
               <a:t>Click to edit Master title style</a:t>
             </a:r>
-            <a:endParaRPr lang="en-US"/>
           </a:p>
         </p:txBody>
       </p:sp>
@@ -1544,10 +1575,9 @@
           </a:lstStyle>
           <a:p>
             <a:r>
-              <a:rPr lang="en-US" smtClean="0"/>
+              <a:rPr lang="en-US"/>
               <a:t>Click to edit Master subtitle style</a:t>
             </a:r>
-            <a:endParaRPr lang="en-US"/>
           </a:p>
         </p:txBody>
       </p:sp>
@@ -1575,7 +1605,7 @@
                 </a:solidFill>
               </a:rPr>
               <a:pPr/>
-              <a:t>4/6/2011</a:t>
+              <a:t>11/22/2024</a:t>
             </a:fld>
             <a:endParaRPr lang="en-US" dirty="0">
               <a:solidFill>
@@ -1651,20 +1681,13 @@
     </p:spTree>
     <p:extLst>
       <p:ext uri="{BB962C8B-B14F-4D97-AF65-F5344CB8AC3E}">
-        <p14:creationId xmlns="" xmlns:p14="http://schemas.microsoft.com/office/powerpoint/2010/main" val="607742924"/>
+        <p14:creationId xmlns:p14="http://schemas.microsoft.com/office/powerpoint/2010/main" val="607742924"/>
       </p:ext>
     </p:extLst>
   </p:cSld>
   <p:clrMapOvr>
     <a:masterClrMapping/>
   </p:clrMapOvr>
-  <p:timing>
-    <p:tnLst>
-      <p:par>
-        <p:cTn id="1" dur="indefinite" restart="never" nodeType="tmRoot"/>
-      </p:par>
-    </p:tnLst>
-  </p:timing>
 </p:sldLayout>
 </file>
 
@@ -1701,10 +1724,9 @@
           <a:lstStyle/>
           <a:p>
             <a:r>
-              <a:rPr lang="en-US" smtClean="0"/>
+              <a:rPr lang="en-US"/>
               <a:t>Click to edit Master title style</a:t>
             </a:r>
-            <a:endParaRPr lang="en-US"/>
           </a:p>
         </p:txBody>
       </p:sp>
@@ -1725,38 +1747,37 @@
           <a:p>
             <a:pPr lvl="0"/>
             <a:r>
-              <a:rPr lang="en-US" smtClean="0"/>
+              <a:rPr lang="en-US"/>
               <a:t>Click to edit Master text styles</a:t>
             </a:r>
           </a:p>
           <a:p>
             <a:pPr lvl="1"/>
             <a:r>
-              <a:rPr lang="en-US" smtClean="0"/>
+              <a:rPr lang="en-US"/>
               <a:t>Second level</a:t>
             </a:r>
           </a:p>
           <a:p>
             <a:pPr lvl="2"/>
             <a:r>
-              <a:rPr lang="en-US" smtClean="0"/>
+              <a:rPr lang="en-US"/>
               <a:t>Third level</a:t>
             </a:r>
           </a:p>
           <a:p>
             <a:pPr lvl="3"/>
             <a:r>
-              <a:rPr lang="en-US" smtClean="0"/>
+              <a:rPr lang="en-US"/>
               <a:t>Fourth level</a:t>
             </a:r>
           </a:p>
           <a:p>
             <a:pPr lvl="4"/>
             <a:r>
-              <a:rPr lang="en-US" smtClean="0"/>
+              <a:rPr lang="en-US"/>
               <a:t>Fifth level</a:t>
             </a:r>
-            <a:endParaRPr lang="en-US"/>
           </a:p>
         </p:txBody>
       </p:sp>
@@ -1784,7 +1805,7 @@
                 </a:solidFill>
               </a:rPr>
               <a:pPr/>
-              <a:t>4/6/2011</a:t>
+              <a:t>11/22/2024</a:t>
             </a:fld>
             <a:endParaRPr lang="en-US" dirty="0">
               <a:solidFill>
@@ -1860,20 +1881,13 @@
     </p:spTree>
     <p:extLst>
       <p:ext uri="{BB962C8B-B14F-4D97-AF65-F5344CB8AC3E}">
-        <p14:creationId xmlns="" xmlns:p14="http://schemas.microsoft.com/office/powerpoint/2010/main" val="1191603912"/>
+        <p14:creationId xmlns:p14="http://schemas.microsoft.com/office/powerpoint/2010/main" val="1191603912"/>
       </p:ext>
     </p:extLst>
   </p:cSld>
   <p:clrMapOvr>
     <a:masterClrMapping/>
   </p:clrMapOvr>
-  <p:timing>
-    <p:tnLst>
-      <p:par>
-        <p:cTn id="1" dur="indefinite" restart="never" nodeType="tmRoot"/>
-      </p:par>
-    </p:tnLst>
-  </p:timing>
 </p:sldLayout>
 </file>
 
@@ -1919,10 +1933,9 @@
           </a:lstStyle>
           <a:p>
             <a:r>
-              <a:rPr lang="en-US" smtClean="0"/>
+              <a:rPr lang="en-US"/>
               <a:t>Click to edit Master title style</a:t>
             </a:r>
-            <a:endParaRPr lang="en-US"/>
           </a:p>
         </p:txBody>
       </p:sp>
@@ -2039,7 +2052,7 @@
           <a:p>
             <a:pPr lvl="0"/>
             <a:r>
-              <a:rPr lang="en-US" smtClean="0"/>
+              <a:rPr lang="en-US"/>
               <a:t>Click to edit Master text styles</a:t>
             </a:r>
           </a:p>
@@ -2069,7 +2082,7 @@
                 </a:solidFill>
               </a:rPr>
               <a:pPr/>
-              <a:t>4/6/2011</a:t>
+              <a:t>11/22/2024</a:t>
             </a:fld>
             <a:endParaRPr lang="en-US" dirty="0">
               <a:solidFill>
@@ -2145,20 +2158,13 @@
     </p:spTree>
     <p:extLst>
       <p:ext uri="{BB962C8B-B14F-4D97-AF65-F5344CB8AC3E}">
-        <p14:creationId xmlns="" xmlns:p14="http://schemas.microsoft.com/office/powerpoint/2010/main" val="424856739"/>
+        <p14:creationId xmlns:p14="http://schemas.microsoft.com/office/powerpoint/2010/main" val="424856739"/>
       </p:ext>
     </p:extLst>
   </p:cSld>
   <p:clrMapOvr>
     <a:masterClrMapping/>
   </p:clrMapOvr>
-  <p:timing>
-    <p:tnLst>
-      <p:par>
-        <p:cTn id="1" dur="indefinite" restart="never" nodeType="tmRoot"/>
-      </p:par>
-    </p:tnLst>
-  </p:timing>
 </p:sldLayout>
 </file>
 
@@ -2195,10 +2201,9 @@
           <a:lstStyle/>
           <a:p>
             <a:r>
-              <a:rPr lang="en-US" smtClean="0"/>
+              <a:rPr lang="en-US"/>
               <a:t>Click to edit Master title style</a:t>
             </a:r>
-            <a:endParaRPr lang="en-US"/>
           </a:p>
         </p:txBody>
       </p:sp>
@@ -2252,38 +2257,37 @@
           <a:p>
             <a:pPr lvl="0"/>
             <a:r>
-              <a:rPr lang="en-US" smtClean="0"/>
+              <a:rPr lang="en-US"/>
               <a:t>Click to edit Master text styles</a:t>
             </a:r>
           </a:p>
           <a:p>
             <a:pPr lvl="1"/>
             <a:r>
-              <a:rPr lang="en-US" smtClean="0"/>
+              <a:rPr lang="en-US"/>
               <a:t>Second level</a:t>
             </a:r>
           </a:p>
           <a:p>
             <a:pPr lvl="2"/>
             <a:r>
-              <a:rPr lang="en-US" smtClean="0"/>
+              <a:rPr lang="en-US"/>
               <a:t>Third level</a:t>
             </a:r>
           </a:p>
           <a:p>
             <a:pPr lvl="3"/>
             <a:r>
-              <a:rPr lang="en-US" smtClean="0"/>
+              <a:rPr lang="en-US"/>
               <a:t>Fourth level</a:t>
             </a:r>
           </a:p>
           <a:p>
             <a:pPr lvl="4"/>
             <a:r>
-              <a:rPr lang="en-US" smtClean="0"/>
+              <a:rPr lang="en-US"/>
               <a:t>Fifth level</a:t>
             </a:r>
-            <a:endParaRPr lang="en-US"/>
           </a:p>
         </p:txBody>
       </p:sp>
@@ -2337,38 +2341,37 @@
           <a:p>
             <a:pPr lvl="0"/>
             <a:r>
-              <a:rPr lang="en-US" smtClean="0"/>
+              <a:rPr lang="en-US"/>
               <a:t>Click to edit Master text styles</a:t>
             </a:r>
           </a:p>
           <a:p>
             <a:pPr lvl="1"/>
             <a:r>
-              <a:rPr lang="en-US" smtClean="0"/>
+              <a:rPr lang="en-US"/>
               <a:t>Second level</a:t>
             </a:r>
           </a:p>
           <a:p>
             <a:pPr lvl="2"/>
             <a:r>
-              <a:rPr lang="en-US" smtClean="0"/>
+              <a:rPr lang="en-US"/>
               <a:t>Third level</a:t>
             </a:r>
           </a:p>
           <a:p>
             <a:pPr lvl="3"/>
             <a:r>
-              <a:rPr lang="en-US" smtClean="0"/>
+              <a:rPr lang="en-US"/>
               <a:t>Fourth level</a:t>
             </a:r>
           </a:p>
           <a:p>
             <a:pPr lvl="4"/>
             <a:r>
-              <a:rPr lang="en-US" smtClean="0"/>
+              <a:rPr lang="en-US"/>
               <a:t>Fifth level</a:t>
             </a:r>
-            <a:endParaRPr lang="en-US"/>
           </a:p>
         </p:txBody>
       </p:sp>
@@ -2396,7 +2399,7 @@
                 </a:solidFill>
               </a:rPr>
               <a:pPr/>
-              <a:t>4/6/2011</a:t>
+              <a:t>11/22/2024</a:t>
             </a:fld>
             <a:endParaRPr lang="en-US" dirty="0">
               <a:solidFill>
@@ -2472,7 +2475,7 @@
     </p:spTree>
     <p:extLst>
       <p:ext uri="{BB962C8B-B14F-4D97-AF65-F5344CB8AC3E}">
-        <p14:creationId xmlns="" xmlns:p14="http://schemas.microsoft.com/office/powerpoint/2010/main" val="911750749"/>
+        <p14:creationId xmlns:p14="http://schemas.microsoft.com/office/powerpoint/2010/main" val="911750749"/>
       </p:ext>
     </p:extLst>
   </p:cSld>
@@ -2519,10 +2522,9 @@
           </a:lstStyle>
           <a:p>
             <a:r>
-              <a:rPr lang="en-US" smtClean="0"/>
+              <a:rPr lang="en-US"/>
               <a:t>Click to edit Master title style</a:t>
             </a:r>
-            <a:endParaRPr lang="en-US"/>
           </a:p>
         </p:txBody>
       </p:sp>
@@ -2585,7 +2587,7 @@
           <a:p>
             <a:pPr lvl="0"/>
             <a:r>
-              <a:rPr lang="en-US" smtClean="0"/>
+              <a:rPr lang="en-US"/>
               <a:t>Click to edit Master text styles</a:t>
             </a:r>
           </a:p>
@@ -2641,38 +2643,37 @@
           <a:p>
             <a:pPr lvl="0"/>
             <a:r>
-              <a:rPr lang="en-US" smtClean="0"/>
+              <a:rPr lang="en-US"/>
               <a:t>Click to edit Master text styles</a:t>
             </a:r>
           </a:p>
           <a:p>
             <a:pPr lvl="1"/>
             <a:r>
-              <a:rPr lang="en-US" smtClean="0"/>
+              <a:rPr lang="en-US"/>
               <a:t>Second level</a:t>
             </a:r>
           </a:p>
           <a:p>
             <a:pPr lvl="2"/>
             <a:r>
-              <a:rPr lang="en-US" smtClean="0"/>
+              <a:rPr lang="en-US"/>
               <a:t>Third level</a:t>
             </a:r>
           </a:p>
           <a:p>
             <a:pPr lvl="3"/>
             <a:r>
-              <a:rPr lang="en-US" smtClean="0"/>
+              <a:rPr lang="en-US"/>
               <a:t>Fourth level</a:t>
             </a:r>
           </a:p>
           <a:p>
             <a:pPr lvl="4"/>
             <a:r>
-              <a:rPr lang="en-US" smtClean="0"/>
+              <a:rPr lang="en-US"/>
               <a:t>Fifth level</a:t>
             </a:r>
-            <a:endParaRPr lang="en-US"/>
           </a:p>
         </p:txBody>
       </p:sp>
@@ -2735,7 +2736,7 @@
           <a:p>
             <a:pPr lvl="0"/>
             <a:r>
-              <a:rPr lang="en-US" smtClean="0"/>
+              <a:rPr lang="en-US"/>
               <a:t>Click to edit Master text styles</a:t>
             </a:r>
           </a:p>
@@ -2791,38 +2792,37 @@
           <a:p>
             <a:pPr lvl="0"/>
             <a:r>
-              <a:rPr lang="en-US" smtClean="0"/>
+              <a:rPr lang="en-US"/>
               <a:t>Click to edit Master text styles</a:t>
             </a:r>
           </a:p>
           <a:p>
             <a:pPr lvl="1"/>
             <a:r>
-              <a:rPr lang="en-US" smtClean="0"/>
+              <a:rPr lang="en-US"/>
               <a:t>Second level</a:t>
             </a:r>
           </a:p>
           <a:p>
             <a:pPr lvl="2"/>
             <a:r>
-              <a:rPr lang="en-US" smtClean="0"/>
+              <a:rPr lang="en-US"/>
               <a:t>Third level</a:t>
             </a:r>
           </a:p>
           <a:p>
             <a:pPr lvl="3"/>
             <a:r>
-              <a:rPr lang="en-US" smtClean="0"/>
+              <a:rPr lang="en-US"/>
               <a:t>Fourth level</a:t>
             </a:r>
           </a:p>
           <a:p>
             <a:pPr lvl="4"/>
             <a:r>
-              <a:rPr lang="en-US" smtClean="0"/>
+              <a:rPr lang="en-US"/>
               <a:t>Fifth level</a:t>
             </a:r>
-            <a:endParaRPr lang="en-US"/>
           </a:p>
         </p:txBody>
       </p:sp>
@@ -2850,7 +2850,7 @@
                 </a:solidFill>
               </a:rPr>
               <a:pPr/>
-              <a:t>4/6/2011</a:t>
+              <a:t>11/22/2024</a:t>
             </a:fld>
             <a:endParaRPr lang="en-US" dirty="0">
               <a:solidFill>
@@ -2926,7 +2926,7 @@
     </p:spTree>
     <p:extLst>
       <p:ext uri="{BB962C8B-B14F-4D97-AF65-F5344CB8AC3E}">
-        <p14:creationId xmlns="" xmlns:p14="http://schemas.microsoft.com/office/powerpoint/2010/main" val="2764199103"/>
+        <p14:creationId xmlns:p14="http://schemas.microsoft.com/office/powerpoint/2010/main" val="2764199103"/>
       </p:ext>
     </p:extLst>
   </p:cSld>
@@ -2969,10 +2969,9 @@
           <a:lstStyle/>
           <a:p>
             <a:r>
-              <a:rPr lang="en-US" smtClean="0"/>
+              <a:rPr lang="en-US"/>
               <a:t>Click to edit Master title style</a:t>
             </a:r>
-            <a:endParaRPr lang="en-US"/>
           </a:p>
         </p:txBody>
       </p:sp>
@@ -3000,7 +2999,7 @@
                 </a:solidFill>
               </a:rPr>
               <a:pPr/>
-              <a:t>4/6/2011</a:t>
+              <a:t>11/22/2024</a:t>
             </a:fld>
             <a:endParaRPr lang="en-US" dirty="0">
               <a:solidFill>
@@ -3076,7 +3075,7 @@
     </p:spTree>
     <p:extLst>
       <p:ext uri="{BB962C8B-B14F-4D97-AF65-F5344CB8AC3E}">
-        <p14:creationId xmlns="" xmlns:p14="http://schemas.microsoft.com/office/powerpoint/2010/main" val="3709329828"/>
+        <p14:creationId xmlns:p14="http://schemas.microsoft.com/office/powerpoint/2010/main" val="3709329828"/>
       </p:ext>
     </p:extLst>
   </p:cSld>
@@ -3127,7 +3126,7 @@
                 </a:solidFill>
               </a:rPr>
               <a:pPr/>
-              <a:t>4/6/2011</a:t>
+              <a:t>11/22/2024</a:t>
             </a:fld>
             <a:endParaRPr lang="en-US" dirty="0">
               <a:solidFill>
@@ -3203,7 +3202,7 @@
     </p:spTree>
     <p:extLst>
       <p:ext uri="{BB962C8B-B14F-4D97-AF65-F5344CB8AC3E}">
-        <p14:creationId xmlns="" xmlns:p14="http://schemas.microsoft.com/office/powerpoint/2010/main" val="1389333609"/>
+        <p14:creationId xmlns:p14="http://schemas.microsoft.com/office/powerpoint/2010/main" val="1389333609"/>
       </p:ext>
     </p:extLst>
   </p:cSld>
@@ -3246,10 +3245,9 @@
           <a:lstStyle/>
           <a:p>
             <a:r>
-              <a:rPr lang="en-US" smtClean="0"/>
+              <a:rPr lang="en-US"/>
               <a:t>Click to edit Master title style</a:t>
             </a:r>
-            <a:endParaRPr lang="en-US"/>
           </a:p>
         </p:txBody>
       </p:sp>
@@ -3270,38 +3268,37 @@
           <a:p>
             <a:pPr lvl="0"/>
             <a:r>
-              <a:rPr lang="en-US" smtClean="0"/>
+              <a:rPr lang="en-US"/>
               <a:t>Click to edit Master text styles</a:t>
             </a:r>
           </a:p>
           <a:p>
             <a:pPr lvl="1"/>
             <a:r>
-              <a:rPr lang="en-US" smtClean="0"/>
+              <a:rPr lang="en-US"/>
               <a:t>Second level</a:t>
             </a:r>
           </a:p>
           <a:p>
             <a:pPr lvl="2"/>
             <a:r>
-              <a:rPr lang="en-US" smtClean="0"/>
+              <a:rPr lang="en-US"/>
               <a:t>Third level</a:t>
             </a:r>
           </a:p>
           <a:p>
             <a:pPr lvl="3"/>
             <a:r>
-              <a:rPr lang="en-US" smtClean="0"/>
+              <a:rPr lang="en-US"/>
               <a:t>Fourth level</a:t>
             </a:r>
           </a:p>
           <a:p>
             <a:pPr lvl="4"/>
             <a:r>
-              <a:rPr lang="en-US" smtClean="0"/>
+              <a:rPr lang="en-US"/>
               <a:t>Fifth level</a:t>
             </a:r>
-            <a:endParaRPr lang="en-US"/>
           </a:p>
         </p:txBody>
       </p:sp>
@@ -3329,7 +3326,7 @@
                 </a:solidFill>
               </a:rPr>
               <a:pPr/>
-              <a:t>4/6/2011</a:t>
+              <a:t>11/22/2024</a:t>
             </a:fld>
             <a:endParaRPr lang="en-US" dirty="0">
               <a:solidFill>
@@ -3405,20 +3402,13 @@
     </p:spTree>
     <p:extLst>
       <p:ext uri="{BB962C8B-B14F-4D97-AF65-F5344CB8AC3E}">
-        <p14:creationId xmlns="" xmlns:p14="http://schemas.microsoft.com/office/powerpoint/2010/main" val="3823402279"/>
+        <p14:creationId xmlns:p14="http://schemas.microsoft.com/office/powerpoint/2010/main" val="3823402279"/>
       </p:ext>
     </p:extLst>
   </p:cSld>
   <p:clrMapOvr>
     <a:masterClrMapping/>
   </p:clrMapOvr>
-  <p:timing>
-    <p:tnLst>
-      <p:par>
-        <p:cTn id="1" dur="indefinite" restart="never" nodeType="tmRoot"/>
-      </p:par>
-    </p:tnLst>
-  </p:timing>
 </p:sldLayout>
 </file>
 
@@ -3464,10 +3454,9 @@
           </a:lstStyle>
           <a:p>
             <a:r>
-              <a:rPr lang="en-US" smtClean="0"/>
+              <a:rPr lang="en-US"/>
               <a:t>Click to edit Master title style</a:t>
             </a:r>
-            <a:endParaRPr lang="en-US"/>
           </a:p>
         </p:txBody>
       </p:sp>
@@ -3521,38 +3510,37 @@
           <a:p>
             <a:pPr lvl="0"/>
             <a:r>
-              <a:rPr lang="en-US" smtClean="0"/>
+              <a:rPr lang="en-US"/>
               <a:t>Click to edit Master text styles</a:t>
             </a:r>
           </a:p>
           <a:p>
             <a:pPr lvl="1"/>
             <a:r>
-              <a:rPr lang="en-US" smtClean="0"/>
+              <a:rPr lang="en-US"/>
               <a:t>Second level</a:t>
             </a:r>
           </a:p>
           <a:p>
             <a:pPr lvl="2"/>
             <a:r>
-              <a:rPr lang="en-US" smtClean="0"/>
+              <a:rPr lang="en-US"/>
               <a:t>Third level</a:t>
             </a:r>
           </a:p>
           <a:p>
             <a:pPr lvl="3"/>
             <a:r>
-              <a:rPr lang="en-US" smtClean="0"/>
+              <a:rPr lang="en-US"/>
               <a:t>Fourth level</a:t>
             </a:r>
           </a:p>
           <a:p>
             <a:pPr lvl="4"/>
             <a:r>
-              <a:rPr lang="en-US" smtClean="0"/>
+              <a:rPr lang="en-US"/>
               <a:t>Fifth level</a:t>
             </a:r>
-            <a:endParaRPr lang="en-US"/>
           </a:p>
         </p:txBody>
       </p:sp>
@@ -3615,7 +3603,7 @@
           <a:p>
             <a:pPr lvl="0"/>
             <a:r>
-              <a:rPr lang="en-US" smtClean="0"/>
+              <a:rPr lang="en-US"/>
               <a:t>Click to edit Master text styles</a:t>
             </a:r>
           </a:p>
@@ -3645,7 +3633,7 @@
                 </a:solidFill>
               </a:rPr>
               <a:pPr/>
-              <a:t>4/6/2011</a:t>
+              <a:t>11/22/2024</a:t>
             </a:fld>
             <a:endParaRPr lang="en-US" dirty="0">
               <a:solidFill>
@@ -3721,7 +3709,7 @@
     </p:spTree>
     <p:extLst>
       <p:ext uri="{BB962C8B-B14F-4D97-AF65-F5344CB8AC3E}">
-        <p14:creationId xmlns="" xmlns:p14="http://schemas.microsoft.com/office/powerpoint/2010/main" val="1136583469"/>
+        <p14:creationId xmlns:p14="http://schemas.microsoft.com/office/powerpoint/2010/main" val="1136583469"/>
       </p:ext>
     </p:extLst>
   </p:cSld>
@@ -3773,10 +3761,9 @@
           </a:lstStyle>
           <a:p>
             <a:r>
-              <a:rPr lang="en-US" smtClean="0"/>
+              <a:rPr lang="en-US"/>
               <a:t>Click to edit Master title style</a:t>
             </a:r>
-            <a:endParaRPr lang="en-US"/>
           </a:p>
         </p:txBody>
       </p:sp>
@@ -3838,10 +3825,9 @@
           </a:lstStyle>
           <a:p>
             <a:r>
-              <a:rPr lang="en-US" dirty="0" smtClean="0"/>
+              <a:rPr lang="en-US" dirty="0"/>
               <a:t>Click icon to add picture</a:t>
             </a:r>
-            <a:endParaRPr lang="en-US" dirty="0"/>
           </a:p>
         </p:txBody>
       </p:sp>
@@ -3904,7 +3890,7 @@
           <a:p>
             <a:pPr lvl="0"/>
             <a:r>
-              <a:rPr lang="en-US" smtClean="0"/>
+              <a:rPr lang="en-US"/>
               <a:t>Click to edit Master text styles</a:t>
             </a:r>
           </a:p>
@@ -3934,7 +3920,7 @@
                 </a:solidFill>
               </a:rPr>
               <a:pPr/>
-              <a:t>4/6/2011</a:t>
+              <a:t>11/22/2024</a:t>
             </a:fld>
             <a:endParaRPr lang="en-US" dirty="0">
               <a:solidFill>
@@ -4010,7 +3996,7 @@
     </p:spTree>
     <p:extLst>
       <p:ext uri="{BB962C8B-B14F-4D97-AF65-F5344CB8AC3E}">
-        <p14:creationId xmlns="" xmlns:p14="http://schemas.microsoft.com/office/powerpoint/2010/main" val="3054415035"/>
+        <p14:creationId xmlns:p14="http://schemas.microsoft.com/office/powerpoint/2010/main" val="3054415035"/>
       </p:ext>
     </p:extLst>
   </p:cSld>
@@ -4053,10 +4039,9 @@
           <a:lstStyle/>
           <a:p>
             <a:r>
-              <a:rPr lang="en-US" smtClean="0"/>
+              <a:rPr lang="en-US"/>
               <a:t>Click to edit Master title style</a:t>
             </a:r>
-            <a:endParaRPr lang="en-US"/>
           </a:p>
         </p:txBody>
       </p:sp>
@@ -4077,38 +4062,37 @@
           <a:p>
             <a:pPr lvl="0"/>
             <a:r>
-              <a:rPr lang="en-US" smtClean="0"/>
+              <a:rPr lang="en-US"/>
               <a:t>Click to edit Master text styles</a:t>
             </a:r>
           </a:p>
           <a:p>
             <a:pPr lvl="1"/>
             <a:r>
-              <a:rPr lang="en-US" smtClean="0"/>
+              <a:rPr lang="en-US"/>
               <a:t>Second level</a:t>
             </a:r>
           </a:p>
           <a:p>
             <a:pPr lvl="2"/>
             <a:r>
-              <a:rPr lang="en-US" smtClean="0"/>
+              <a:rPr lang="en-US"/>
               <a:t>Third level</a:t>
             </a:r>
           </a:p>
           <a:p>
             <a:pPr lvl="3"/>
             <a:r>
-              <a:rPr lang="en-US" smtClean="0"/>
+              <a:rPr lang="en-US"/>
               <a:t>Fourth level</a:t>
             </a:r>
           </a:p>
           <a:p>
             <a:pPr lvl="4"/>
             <a:r>
-              <a:rPr lang="en-US" smtClean="0"/>
+              <a:rPr lang="en-US"/>
               <a:t>Fifth level</a:t>
             </a:r>
-            <a:endParaRPr lang="en-US"/>
           </a:p>
         </p:txBody>
       </p:sp>
@@ -4136,7 +4120,7 @@
                 </a:solidFill>
               </a:rPr>
               <a:pPr/>
-              <a:t>4/6/2011</a:t>
+              <a:t>11/22/2024</a:t>
             </a:fld>
             <a:endParaRPr lang="en-US" dirty="0">
               <a:solidFill>
@@ -4212,7 +4196,7 @@
     </p:spTree>
     <p:extLst>
       <p:ext uri="{BB962C8B-B14F-4D97-AF65-F5344CB8AC3E}">
-        <p14:creationId xmlns="" xmlns:p14="http://schemas.microsoft.com/office/powerpoint/2010/main" val="4146306734"/>
+        <p14:creationId xmlns:p14="http://schemas.microsoft.com/office/powerpoint/2010/main" val="4146306734"/>
       </p:ext>
     </p:extLst>
   </p:cSld>
@@ -4260,10 +4244,9 @@
           <a:lstStyle/>
           <a:p>
             <a:r>
-              <a:rPr lang="en-US" smtClean="0"/>
+              <a:rPr lang="en-US"/>
               <a:t>Click to edit Master title style</a:t>
             </a:r>
-            <a:endParaRPr lang="en-US"/>
           </a:p>
         </p:txBody>
       </p:sp>
@@ -4289,38 +4272,37 @@
           <a:p>
             <a:pPr lvl="0"/>
             <a:r>
-              <a:rPr lang="en-US" smtClean="0"/>
+              <a:rPr lang="en-US"/>
               <a:t>Click to edit Master text styles</a:t>
             </a:r>
           </a:p>
           <a:p>
             <a:pPr lvl="1"/>
             <a:r>
-              <a:rPr lang="en-US" smtClean="0"/>
+              <a:rPr lang="en-US"/>
               <a:t>Second level</a:t>
             </a:r>
           </a:p>
           <a:p>
             <a:pPr lvl="2"/>
             <a:r>
-              <a:rPr lang="en-US" smtClean="0"/>
+              <a:rPr lang="en-US"/>
               <a:t>Third level</a:t>
             </a:r>
           </a:p>
           <a:p>
             <a:pPr lvl="3"/>
             <a:r>
-              <a:rPr lang="en-US" smtClean="0"/>
+              <a:rPr lang="en-US"/>
               <a:t>Fourth level</a:t>
             </a:r>
           </a:p>
           <a:p>
             <a:pPr lvl="4"/>
             <a:r>
-              <a:rPr lang="en-US" smtClean="0"/>
+              <a:rPr lang="en-US"/>
               <a:t>Fifth level</a:t>
             </a:r>
-            <a:endParaRPr lang="en-US"/>
           </a:p>
         </p:txBody>
       </p:sp>
@@ -4348,7 +4330,7 @@
                 </a:solidFill>
               </a:rPr>
               <a:pPr/>
-              <a:t>4/6/2011</a:t>
+              <a:t>11/22/2024</a:t>
             </a:fld>
             <a:endParaRPr lang="en-US" dirty="0">
               <a:solidFill>
@@ -4424,7 +4406,7 @@
     </p:spTree>
     <p:extLst>
       <p:ext uri="{BB962C8B-B14F-4D97-AF65-F5344CB8AC3E}">
-        <p14:creationId xmlns="" xmlns:p14="http://schemas.microsoft.com/office/powerpoint/2010/main" val="1309306950"/>
+        <p14:creationId xmlns:p14="http://schemas.microsoft.com/office/powerpoint/2010/main" val="1309306950"/>
       </p:ext>
     </p:extLst>
   </p:cSld>
@@ -4454,20 +4436,13 @@
     </p:spTree>
     <p:extLst>
       <p:ext uri="{BB962C8B-B14F-4D97-AF65-F5344CB8AC3E}">
-        <p14:creationId xmlns="" xmlns:p14="http://schemas.microsoft.com/office/powerpoint/2010/main" val="282916869"/>
+        <p14:creationId xmlns:p14="http://schemas.microsoft.com/office/powerpoint/2010/main" val="282916869"/>
       </p:ext>
     </p:extLst>
   </p:cSld>
   <p:clrMapOvr>
     <a:masterClrMapping/>
   </p:clrMapOvr>
-  <p:timing>
-    <p:tnLst>
-      <p:par>
-        <p:cTn id="1" dur="indefinite" restart="never" nodeType="tmRoot"/>
-      </p:par>
-    </p:tnLst>
-  </p:timing>
 </p:sldLayout>
 </file>
 
@@ -4557,10 +4532,9 @@
           <a:lstStyle/>
           <a:p>
             <a:r>
-              <a:rPr lang="en-US" smtClean="0"/>
+              <a:rPr lang="en-US"/>
               <a:t>Click to edit Master title style</a:t>
             </a:r>
-            <a:endParaRPr lang="en-US"/>
           </a:p>
         </p:txBody>
       </p:sp>
@@ -4676,10 +4650,9 @@
           </a:lstStyle>
           <a:p>
             <a:r>
-              <a:rPr lang="en-US" smtClean="0"/>
+              <a:rPr lang="en-US"/>
               <a:t>Click to edit Master subtitle style</a:t>
             </a:r>
-            <a:endParaRPr lang="en-US"/>
           </a:p>
         </p:txBody>
       </p:sp>
@@ -4707,7 +4680,7 @@
                 </a:solidFill>
               </a:rPr>
               <a:pPr/>
-              <a:t>4/6/2011</a:t>
+              <a:t>11/22/2024</a:t>
             </a:fld>
             <a:endParaRPr lang="en-US" dirty="0">
               <a:solidFill>
@@ -4783,20 +4756,13 @@
     </p:spTree>
     <p:extLst>
       <p:ext uri="{BB962C8B-B14F-4D97-AF65-F5344CB8AC3E}">
-        <p14:creationId xmlns="" xmlns:p14="http://schemas.microsoft.com/office/powerpoint/2010/main" val="3544807856"/>
+        <p14:creationId xmlns:p14="http://schemas.microsoft.com/office/powerpoint/2010/main" val="3544807856"/>
       </p:ext>
     </p:extLst>
   </p:cSld>
   <p:clrMapOvr>
     <a:masterClrMapping/>
   </p:clrMapOvr>
-  <p:timing>
-    <p:tnLst>
-      <p:par>
-        <p:cTn id="1" dur="indefinite" restart="never" nodeType="tmRoot"/>
-      </p:par>
-    </p:tnLst>
-  </p:timing>
 </p:sldLayout>
 </file>
 
@@ -4833,10 +4799,9 @@
           <a:lstStyle/>
           <a:p>
             <a:r>
-              <a:rPr lang="en-US" smtClean="0"/>
+              <a:rPr lang="en-US"/>
               <a:t>Click to edit Master title style</a:t>
             </a:r>
-            <a:endParaRPr lang="en-US"/>
           </a:p>
         </p:txBody>
       </p:sp>
@@ -4857,38 +4822,37 @@
           <a:p>
             <a:pPr lvl="0"/>
             <a:r>
-              <a:rPr lang="en-US" smtClean="0"/>
+              <a:rPr lang="en-US"/>
               <a:t>Click to edit Master text styles</a:t>
             </a:r>
           </a:p>
           <a:p>
             <a:pPr lvl="1"/>
             <a:r>
-              <a:rPr lang="en-US" smtClean="0"/>
+              <a:rPr lang="en-US"/>
               <a:t>Second level</a:t>
             </a:r>
           </a:p>
           <a:p>
             <a:pPr lvl="2"/>
             <a:r>
-              <a:rPr lang="en-US" smtClean="0"/>
+              <a:rPr lang="en-US"/>
               <a:t>Third level</a:t>
             </a:r>
           </a:p>
           <a:p>
             <a:pPr lvl="3"/>
             <a:r>
-              <a:rPr lang="en-US" smtClean="0"/>
+              <a:rPr lang="en-US"/>
               <a:t>Fourth level</a:t>
             </a:r>
           </a:p>
           <a:p>
             <a:pPr lvl="4"/>
             <a:r>
-              <a:rPr lang="en-US" smtClean="0"/>
+              <a:rPr lang="en-US"/>
               <a:t>Fifth level</a:t>
             </a:r>
-            <a:endParaRPr lang="en-US"/>
           </a:p>
         </p:txBody>
       </p:sp>
@@ -4916,7 +4880,7 @@
                 </a:solidFill>
               </a:rPr>
               <a:pPr/>
-              <a:t>4/6/2011</a:t>
+              <a:t>11/22/2024</a:t>
             </a:fld>
             <a:endParaRPr lang="en-US" dirty="0">
               <a:solidFill>
@@ -4992,20 +4956,13 @@
     </p:spTree>
     <p:extLst>
       <p:ext uri="{BB962C8B-B14F-4D97-AF65-F5344CB8AC3E}">
-        <p14:creationId xmlns="" xmlns:p14="http://schemas.microsoft.com/office/powerpoint/2010/main" val="3020708805"/>
+        <p14:creationId xmlns:p14="http://schemas.microsoft.com/office/powerpoint/2010/main" val="3020708805"/>
       </p:ext>
     </p:extLst>
   </p:cSld>
   <p:clrMapOvr>
     <a:masterClrMapping/>
   </p:clrMapOvr>
-  <p:timing>
-    <p:tnLst>
-      <p:par>
-        <p:cTn id="1" dur="indefinite" restart="never" nodeType="tmRoot"/>
-      </p:par>
-    </p:tnLst>
-  </p:timing>
 </p:sldLayout>
 </file>
 
@@ -5051,10 +5008,9 @@
           </a:lstStyle>
           <a:p>
             <a:r>
-              <a:rPr lang="en-US" smtClean="0"/>
+              <a:rPr lang="en-US"/>
               <a:t>Click to edit Master title style</a:t>
             </a:r>
-            <a:endParaRPr lang="en-US"/>
           </a:p>
         </p:txBody>
       </p:sp>
@@ -5171,7 +5127,7 @@
           <a:p>
             <a:pPr lvl="0"/>
             <a:r>
-              <a:rPr lang="en-US" smtClean="0"/>
+              <a:rPr lang="en-US"/>
               <a:t>Click to edit Master text styles</a:t>
             </a:r>
           </a:p>
@@ -5201,7 +5157,7 @@
                 </a:solidFill>
               </a:rPr>
               <a:pPr/>
-              <a:t>4/6/2011</a:t>
+              <a:t>11/22/2024</a:t>
             </a:fld>
             <a:endParaRPr lang="en-US" dirty="0">
               <a:solidFill>
@@ -5277,20 +5233,13 @@
     </p:spTree>
     <p:extLst>
       <p:ext uri="{BB962C8B-B14F-4D97-AF65-F5344CB8AC3E}">
-        <p14:creationId xmlns="" xmlns:p14="http://schemas.microsoft.com/office/powerpoint/2010/main" val="1022371076"/>
+        <p14:creationId xmlns:p14="http://schemas.microsoft.com/office/powerpoint/2010/main" val="1022371076"/>
       </p:ext>
     </p:extLst>
   </p:cSld>
   <p:clrMapOvr>
     <a:masterClrMapping/>
   </p:clrMapOvr>
-  <p:timing>
-    <p:tnLst>
-      <p:par>
-        <p:cTn id="1" dur="indefinite" restart="never" nodeType="tmRoot"/>
-      </p:par>
-    </p:tnLst>
-  </p:timing>
 </p:sldLayout>
 </file>
 
@@ -5327,10 +5276,9 @@
           <a:lstStyle/>
           <a:p>
             <a:r>
-              <a:rPr lang="en-US" smtClean="0"/>
+              <a:rPr lang="en-US"/>
               <a:t>Click to edit Master title style</a:t>
             </a:r>
-            <a:endParaRPr lang="en-US"/>
           </a:p>
         </p:txBody>
       </p:sp>
@@ -5384,38 +5332,37 @@
           <a:p>
             <a:pPr lvl="0"/>
             <a:r>
-              <a:rPr lang="en-US" smtClean="0"/>
+              <a:rPr lang="en-US"/>
               <a:t>Click to edit Master text styles</a:t>
             </a:r>
           </a:p>
           <a:p>
             <a:pPr lvl="1"/>
             <a:r>
-              <a:rPr lang="en-US" smtClean="0"/>
+              <a:rPr lang="en-US"/>
               <a:t>Second level</a:t>
             </a:r>
           </a:p>
           <a:p>
             <a:pPr lvl="2"/>
             <a:r>
-              <a:rPr lang="en-US" smtClean="0"/>
+              <a:rPr lang="en-US"/>
               <a:t>Third level</a:t>
             </a:r>
           </a:p>
           <a:p>
             <a:pPr lvl="3"/>
             <a:r>
-              <a:rPr lang="en-US" smtClean="0"/>
+              <a:rPr lang="en-US"/>
               <a:t>Fourth level</a:t>
             </a:r>
           </a:p>
           <a:p>
             <a:pPr lvl="4"/>
             <a:r>
-              <a:rPr lang="en-US" smtClean="0"/>
+              <a:rPr lang="en-US"/>
               <a:t>Fifth level</a:t>
             </a:r>
-            <a:endParaRPr lang="en-US"/>
           </a:p>
         </p:txBody>
       </p:sp>
@@ -5469,38 +5416,37 @@
           <a:p>
             <a:pPr lvl="0"/>
             <a:r>
-              <a:rPr lang="en-US" smtClean="0"/>
+              <a:rPr lang="en-US"/>
               <a:t>Click to edit Master text styles</a:t>
             </a:r>
           </a:p>
           <a:p>
             <a:pPr lvl="1"/>
             <a:r>
-              <a:rPr lang="en-US" smtClean="0"/>
+              <a:rPr lang="en-US"/>
               <a:t>Second level</a:t>
             </a:r>
           </a:p>
           <a:p>
             <a:pPr lvl="2"/>
             <a:r>
-              <a:rPr lang="en-US" smtClean="0"/>
+              <a:rPr lang="en-US"/>
               <a:t>Third level</a:t>
             </a:r>
           </a:p>
           <a:p>
             <a:pPr lvl="3"/>
             <a:r>
-              <a:rPr lang="en-US" smtClean="0"/>
+              <a:rPr lang="en-US"/>
               <a:t>Fourth level</a:t>
             </a:r>
           </a:p>
           <a:p>
             <a:pPr lvl="4"/>
             <a:r>
-              <a:rPr lang="en-US" smtClean="0"/>
+              <a:rPr lang="en-US"/>
               <a:t>Fifth level</a:t>
             </a:r>
-            <a:endParaRPr lang="en-US"/>
           </a:p>
         </p:txBody>
       </p:sp>
@@ -5528,7 +5474,7 @@
                 </a:solidFill>
               </a:rPr>
               <a:pPr/>
-              <a:t>4/6/2011</a:t>
+              <a:t>11/22/2024</a:t>
             </a:fld>
             <a:endParaRPr lang="en-US" dirty="0">
               <a:solidFill>
@@ -5604,7 +5550,7 @@
     </p:spTree>
     <p:extLst>
       <p:ext uri="{BB962C8B-B14F-4D97-AF65-F5344CB8AC3E}">
-        <p14:creationId xmlns="" xmlns:p14="http://schemas.microsoft.com/office/powerpoint/2010/main" val="701316801"/>
+        <p14:creationId xmlns:p14="http://schemas.microsoft.com/office/powerpoint/2010/main" val="701316801"/>
       </p:ext>
     </p:extLst>
   </p:cSld>
@@ -5651,10 +5597,9 @@
           </a:lstStyle>
           <a:p>
             <a:r>
-              <a:rPr lang="en-US" smtClean="0"/>
+              <a:rPr lang="en-US"/>
               <a:t>Click to edit Master title style</a:t>
             </a:r>
-            <a:endParaRPr lang="en-US"/>
           </a:p>
         </p:txBody>
       </p:sp>
@@ -5717,7 +5662,7 @@
           <a:p>
             <a:pPr lvl="0"/>
             <a:r>
-              <a:rPr lang="en-US" smtClean="0"/>
+              <a:rPr lang="en-US"/>
               <a:t>Click to edit Master text styles</a:t>
             </a:r>
           </a:p>
@@ -5773,38 +5718,37 @@
           <a:p>
             <a:pPr lvl="0"/>
             <a:r>
-              <a:rPr lang="en-US" smtClean="0"/>
+              <a:rPr lang="en-US"/>
               <a:t>Click to edit Master text styles</a:t>
             </a:r>
           </a:p>
           <a:p>
             <a:pPr lvl="1"/>
             <a:r>
-              <a:rPr lang="en-US" smtClean="0"/>
+              <a:rPr lang="en-US"/>
               <a:t>Second level</a:t>
             </a:r>
           </a:p>
           <a:p>
             <a:pPr lvl="2"/>
             <a:r>
-              <a:rPr lang="en-US" smtClean="0"/>
+              <a:rPr lang="en-US"/>
               <a:t>Third level</a:t>
             </a:r>
           </a:p>
           <a:p>
             <a:pPr lvl="3"/>
             <a:r>
-              <a:rPr lang="en-US" smtClean="0"/>
+              <a:rPr lang="en-US"/>
               <a:t>Fourth level</a:t>
             </a:r>
           </a:p>
           <a:p>
             <a:pPr lvl="4"/>
             <a:r>
-              <a:rPr lang="en-US" smtClean="0"/>
+              <a:rPr lang="en-US"/>
               <a:t>Fifth level</a:t>
             </a:r>
-            <a:endParaRPr lang="en-US"/>
           </a:p>
         </p:txBody>
       </p:sp>
@@ -5867,7 +5811,7 @@
           <a:p>
             <a:pPr lvl="0"/>
             <a:r>
-              <a:rPr lang="en-US" smtClean="0"/>
+              <a:rPr lang="en-US"/>
               <a:t>Click to edit Master text styles</a:t>
             </a:r>
           </a:p>
@@ -5923,38 +5867,37 @@
           <a:p>
             <a:pPr lvl="0"/>
             <a:r>
-              <a:rPr lang="en-US" smtClean="0"/>
+              <a:rPr lang="en-US"/>
               <a:t>Click to edit Master text styles</a:t>
             </a:r>
           </a:p>
           <a:p>
             <a:pPr lvl="1"/>
             <a:r>
-              <a:rPr lang="en-US" smtClean="0"/>
+              <a:rPr lang="en-US"/>
               <a:t>Second level</a:t>
             </a:r>
           </a:p>
           <a:p>
             <a:pPr lvl="2"/>
             <a:r>
-              <a:rPr lang="en-US" smtClean="0"/>
+              <a:rPr lang="en-US"/>
               <a:t>Third level</a:t>
             </a:r>
           </a:p>
           <a:p>
             <a:pPr lvl="3"/>
             <a:r>
-              <a:rPr lang="en-US" smtClean="0"/>
+              <a:rPr lang="en-US"/>
               <a:t>Fourth level</a:t>
             </a:r>
           </a:p>
           <a:p>
             <a:pPr lvl="4"/>
             <a:r>
-              <a:rPr lang="en-US" smtClean="0"/>
+              <a:rPr lang="en-US"/>
               <a:t>Fifth level</a:t>
             </a:r>
-            <a:endParaRPr lang="en-US"/>
           </a:p>
         </p:txBody>
       </p:sp>
@@ -5982,7 +5925,7 @@
                 </a:solidFill>
               </a:rPr>
               <a:pPr/>
-              <a:t>4/6/2011</a:t>
+              <a:t>11/22/2024</a:t>
             </a:fld>
             <a:endParaRPr lang="en-US" dirty="0">
               <a:solidFill>
@@ -6058,7 +6001,7 @@
     </p:spTree>
     <p:extLst>
       <p:ext uri="{BB962C8B-B14F-4D97-AF65-F5344CB8AC3E}">
-        <p14:creationId xmlns="" xmlns:p14="http://schemas.microsoft.com/office/powerpoint/2010/main" val="3009112566"/>
+        <p14:creationId xmlns:p14="http://schemas.microsoft.com/office/powerpoint/2010/main" val="3009112566"/>
       </p:ext>
     </p:extLst>
   </p:cSld>
@@ -6110,10 +6053,9 @@
           </a:lstStyle>
           <a:p>
             <a:r>
-              <a:rPr lang="en-US" smtClean="0"/>
+              <a:rPr lang="en-US"/>
               <a:t>Click to edit Master title style</a:t>
             </a:r>
-            <a:endParaRPr lang="en-US"/>
           </a:p>
         </p:txBody>
       </p:sp>
@@ -6230,7 +6172,7 @@
           <a:p>
             <a:pPr lvl="0"/>
             <a:r>
-              <a:rPr lang="en-US" smtClean="0"/>
+              <a:rPr lang="en-US"/>
               <a:t>Click to edit Master text styles</a:t>
             </a:r>
           </a:p>
@@ -6260,7 +6202,7 @@
                 </a:solidFill>
               </a:rPr>
               <a:pPr/>
-              <a:t>4/6/2011</a:t>
+              <a:t>11/22/2024</a:t>
             </a:fld>
             <a:endParaRPr lang="en-US" dirty="0">
               <a:solidFill>
@@ -6336,20 +6278,13 @@
     </p:spTree>
     <p:extLst>
       <p:ext uri="{BB962C8B-B14F-4D97-AF65-F5344CB8AC3E}">
-        <p14:creationId xmlns="" xmlns:p14="http://schemas.microsoft.com/office/powerpoint/2010/main" val="1441975146"/>
+        <p14:creationId xmlns:p14="http://schemas.microsoft.com/office/powerpoint/2010/main" val="1441975146"/>
       </p:ext>
     </p:extLst>
   </p:cSld>
   <p:clrMapOvr>
     <a:masterClrMapping/>
   </p:clrMapOvr>
-  <p:timing>
-    <p:tnLst>
-      <p:par>
-        <p:cTn id="1" dur="indefinite" restart="never" nodeType="tmRoot"/>
-      </p:par>
-    </p:tnLst>
-  </p:timing>
 </p:sldLayout>
 </file>
 
@@ -6386,10 +6321,9 @@
           <a:lstStyle/>
           <a:p>
             <a:r>
-              <a:rPr lang="en-US" smtClean="0"/>
+              <a:rPr lang="en-US"/>
               <a:t>Click to edit Master title style</a:t>
             </a:r>
-            <a:endParaRPr lang="en-US"/>
           </a:p>
         </p:txBody>
       </p:sp>
@@ -6417,7 +6351,7 @@
                 </a:solidFill>
               </a:rPr>
               <a:pPr/>
-              <a:t>4/6/2011</a:t>
+              <a:t>11/22/2024</a:t>
             </a:fld>
             <a:endParaRPr lang="en-US" dirty="0">
               <a:solidFill>
@@ -6493,7 +6427,7 @@
     </p:spTree>
     <p:extLst>
       <p:ext uri="{BB962C8B-B14F-4D97-AF65-F5344CB8AC3E}">
-        <p14:creationId xmlns="" xmlns:p14="http://schemas.microsoft.com/office/powerpoint/2010/main" val="3005805891"/>
+        <p14:creationId xmlns:p14="http://schemas.microsoft.com/office/powerpoint/2010/main" val="3005805891"/>
       </p:ext>
     </p:extLst>
   </p:cSld>
@@ -6544,7 +6478,7 @@
                 </a:solidFill>
               </a:rPr>
               <a:pPr/>
-              <a:t>4/6/2011</a:t>
+              <a:t>11/22/2024</a:t>
             </a:fld>
             <a:endParaRPr lang="en-US" dirty="0">
               <a:solidFill>
@@ -6620,7 +6554,7 @@
     </p:spTree>
     <p:extLst>
       <p:ext uri="{BB962C8B-B14F-4D97-AF65-F5344CB8AC3E}">
-        <p14:creationId xmlns="" xmlns:p14="http://schemas.microsoft.com/office/powerpoint/2010/main" val="1082283663"/>
+        <p14:creationId xmlns:p14="http://schemas.microsoft.com/office/powerpoint/2010/main" val="1082283663"/>
       </p:ext>
     </p:extLst>
   </p:cSld>
@@ -6672,10 +6606,9 @@
           </a:lstStyle>
           <a:p>
             <a:r>
-              <a:rPr lang="en-US" smtClean="0"/>
+              <a:rPr lang="en-US"/>
               <a:t>Click to edit Master title style</a:t>
             </a:r>
-            <a:endParaRPr lang="en-US"/>
           </a:p>
         </p:txBody>
       </p:sp>
@@ -6729,38 +6662,37 @@
           <a:p>
             <a:pPr lvl="0"/>
             <a:r>
-              <a:rPr lang="en-US" smtClean="0"/>
+              <a:rPr lang="en-US"/>
               <a:t>Click to edit Master text styles</a:t>
             </a:r>
           </a:p>
           <a:p>
             <a:pPr lvl="1"/>
             <a:r>
-              <a:rPr lang="en-US" smtClean="0"/>
+              <a:rPr lang="en-US"/>
               <a:t>Second level</a:t>
             </a:r>
           </a:p>
           <a:p>
             <a:pPr lvl="2"/>
             <a:r>
-              <a:rPr lang="en-US" smtClean="0"/>
+              <a:rPr lang="en-US"/>
               <a:t>Third level</a:t>
             </a:r>
           </a:p>
           <a:p>
             <a:pPr lvl="3"/>
             <a:r>
-              <a:rPr lang="en-US" smtClean="0"/>
+              <a:rPr lang="en-US"/>
               <a:t>Fourth level</a:t>
             </a:r>
           </a:p>
           <a:p>
             <a:pPr lvl="4"/>
             <a:r>
-              <a:rPr lang="en-US" smtClean="0"/>
+              <a:rPr lang="en-US"/>
               <a:t>Fifth level</a:t>
             </a:r>
-            <a:endParaRPr lang="en-US"/>
           </a:p>
         </p:txBody>
       </p:sp>
@@ -6823,7 +6755,7 @@
           <a:p>
             <a:pPr lvl="0"/>
             <a:r>
-              <a:rPr lang="en-US" smtClean="0"/>
+              <a:rPr lang="en-US"/>
               <a:t>Click to edit Master text styles</a:t>
             </a:r>
           </a:p>
@@ -6853,7 +6785,7 @@
                 </a:solidFill>
               </a:rPr>
               <a:pPr/>
-              <a:t>4/6/2011</a:t>
+              <a:t>11/22/2024</a:t>
             </a:fld>
             <a:endParaRPr lang="en-US" dirty="0">
               <a:solidFill>
@@ -6929,7 +6861,7 @@
     </p:spTree>
     <p:extLst>
       <p:ext uri="{BB962C8B-B14F-4D97-AF65-F5344CB8AC3E}">
-        <p14:creationId xmlns="" xmlns:p14="http://schemas.microsoft.com/office/powerpoint/2010/main" val="2700218912"/>
+        <p14:creationId xmlns:p14="http://schemas.microsoft.com/office/powerpoint/2010/main" val="2700218912"/>
       </p:ext>
     </p:extLst>
   </p:cSld>
@@ -6981,10 +6913,9 @@
           </a:lstStyle>
           <a:p>
             <a:r>
-              <a:rPr lang="en-US" smtClean="0"/>
+              <a:rPr lang="en-US"/>
               <a:t>Click to edit Master title style</a:t>
             </a:r>
-            <a:endParaRPr lang="en-US"/>
           </a:p>
         </p:txBody>
       </p:sp>
@@ -7046,10 +6977,9 @@
           </a:lstStyle>
           <a:p>
             <a:r>
-              <a:rPr lang="en-US" dirty="0" smtClean="0"/>
+              <a:rPr lang="en-US" dirty="0"/>
               <a:t>Click icon to add picture</a:t>
             </a:r>
-            <a:endParaRPr lang="en-US" dirty="0"/>
           </a:p>
         </p:txBody>
       </p:sp>
@@ -7112,7 +7042,7 @@
           <a:p>
             <a:pPr lvl="0"/>
             <a:r>
-              <a:rPr lang="en-US" smtClean="0"/>
+              <a:rPr lang="en-US"/>
               <a:t>Click to edit Master text styles</a:t>
             </a:r>
           </a:p>
@@ -7142,7 +7072,7 @@
                 </a:solidFill>
               </a:rPr>
               <a:pPr/>
-              <a:t>4/6/2011</a:t>
+              <a:t>11/22/2024</a:t>
             </a:fld>
             <a:endParaRPr lang="en-US" dirty="0">
               <a:solidFill>
@@ -7218,7 +7148,7 @@
     </p:spTree>
     <p:extLst>
       <p:ext uri="{BB962C8B-B14F-4D97-AF65-F5344CB8AC3E}">
-        <p14:creationId xmlns="" xmlns:p14="http://schemas.microsoft.com/office/powerpoint/2010/main" val="1124955922"/>
+        <p14:creationId xmlns:p14="http://schemas.microsoft.com/office/powerpoint/2010/main" val="1124955922"/>
       </p:ext>
     </p:extLst>
   </p:cSld>
@@ -7261,10 +7191,9 @@
           <a:lstStyle/>
           <a:p>
             <a:r>
-              <a:rPr lang="en-US" smtClean="0"/>
+              <a:rPr lang="en-US"/>
               <a:t>Click to edit Master title style</a:t>
             </a:r>
-            <a:endParaRPr lang="en-US"/>
           </a:p>
         </p:txBody>
       </p:sp>
@@ -7285,38 +7214,37 @@
           <a:p>
             <a:pPr lvl="0"/>
             <a:r>
-              <a:rPr lang="en-US" smtClean="0"/>
+              <a:rPr lang="en-US"/>
               <a:t>Click to edit Master text styles</a:t>
             </a:r>
           </a:p>
           <a:p>
             <a:pPr lvl="1"/>
             <a:r>
-              <a:rPr lang="en-US" smtClean="0"/>
+              <a:rPr lang="en-US"/>
               <a:t>Second level</a:t>
             </a:r>
           </a:p>
           <a:p>
             <a:pPr lvl="2"/>
             <a:r>
-              <a:rPr lang="en-US" smtClean="0"/>
+              <a:rPr lang="en-US"/>
               <a:t>Third level</a:t>
             </a:r>
           </a:p>
           <a:p>
             <a:pPr lvl="3"/>
             <a:r>
-              <a:rPr lang="en-US" smtClean="0"/>
+              <a:rPr lang="en-US"/>
               <a:t>Fourth level</a:t>
             </a:r>
           </a:p>
           <a:p>
             <a:pPr lvl="4"/>
             <a:r>
-              <a:rPr lang="en-US" smtClean="0"/>
+              <a:rPr lang="en-US"/>
               <a:t>Fifth level</a:t>
             </a:r>
-            <a:endParaRPr lang="en-US"/>
           </a:p>
         </p:txBody>
       </p:sp>
@@ -7344,7 +7272,7 @@
                 </a:solidFill>
               </a:rPr>
               <a:pPr/>
-              <a:t>4/6/2011</a:t>
+              <a:t>11/22/2024</a:t>
             </a:fld>
             <a:endParaRPr lang="en-US" dirty="0">
               <a:solidFill>
@@ -7420,7 +7348,7 @@
     </p:spTree>
     <p:extLst>
       <p:ext uri="{BB962C8B-B14F-4D97-AF65-F5344CB8AC3E}">
-        <p14:creationId xmlns="" xmlns:p14="http://schemas.microsoft.com/office/powerpoint/2010/main" val="3702091938"/>
+        <p14:creationId xmlns:p14="http://schemas.microsoft.com/office/powerpoint/2010/main" val="3702091938"/>
       </p:ext>
     </p:extLst>
   </p:cSld>
@@ -7468,10 +7396,9 @@
           <a:lstStyle/>
           <a:p>
             <a:r>
-              <a:rPr lang="en-US" smtClean="0"/>
+              <a:rPr lang="en-US"/>
               <a:t>Click to edit Master title style</a:t>
             </a:r>
-            <a:endParaRPr lang="en-US"/>
           </a:p>
         </p:txBody>
       </p:sp>
@@ -7497,38 +7424,37 @@
           <a:p>
             <a:pPr lvl="0"/>
             <a:r>
-              <a:rPr lang="en-US" smtClean="0"/>
+              <a:rPr lang="en-US"/>
               <a:t>Click to edit Master text styles</a:t>
             </a:r>
           </a:p>
           <a:p>
             <a:pPr lvl="1"/>
             <a:r>
-              <a:rPr lang="en-US" smtClean="0"/>
+              <a:rPr lang="en-US"/>
               <a:t>Second level</a:t>
             </a:r>
           </a:p>
           <a:p>
             <a:pPr lvl="2"/>
             <a:r>
-              <a:rPr lang="en-US" smtClean="0"/>
+              <a:rPr lang="en-US"/>
               <a:t>Third level</a:t>
             </a:r>
           </a:p>
           <a:p>
             <a:pPr lvl="3"/>
             <a:r>
-              <a:rPr lang="en-US" smtClean="0"/>
+              <a:rPr lang="en-US"/>
               <a:t>Fourth level</a:t>
             </a:r>
           </a:p>
           <a:p>
             <a:pPr lvl="4"/>
             <a:r>
-              <a:rPr lang="en-US" smtClean="0"/>
+              <a:rPr lang="en-US"/>
               <a:t>Fifth level</a:t>
             </a:r>
-            <a:endParaRPr lang="en-US"/>
           </a:p>
         </p:txBody>
       </p:sp>
@@ -7556,7 +7482,7 @@
                 </a:solidFill>
               </a:rPr>
               <a:pPr/>
-              <a:t>4/6/2011</a:t>
+              <a:t>11/22/2024</a:t>
             </a:fld>
             <a:endParaRPr lang="en-US" dirty="0">
               <a:solidFill>
@@ -7632,7 +7558,7 @@
     </p:spTree>
     <p:extLst>
       <p:ext uri="{BB962C8B-B14F-4D97-AF65-F5344CB8AC3E}">
-        <p14:creationId xmlns="" xmlns:p14="http://schemas.microsoft.com/office/powerpoint/2010/main" val="2799451487"/>
+        <p14:creationId xmlns:p14="http://schemas.microsoft.com/office/powerpoint/2010/main" val="2799451487"/>
       </p:ext>
     </p:extLst>
   </p:cSld>
@@ -7662,20 +7588,13 @@
     </p:spTree>
     <p:extLst>
       <p:ext uri="{BB962C8B-B14F-4D97-AF65-F5344CB8AC3E}">
-        <p14:creationId xmlns="" xmlns:p14="http://schemas.microsoft.com/office/powerpoint/2010/main" val="2498627390"/>
+        <p14:creationId xmlns:p14="http://schemas.microsoft.com/office/powerpoint/2010/main" val="2498627390"/>
       </p:ext>
     </p:extLst>
   </p:cSld>
   <p:clrMapOvr>
     <a:masterClrMapping/>
   </p:clrMapOvr>
-  <p:timing>
-    <p:tnLst>
-      <p:par>
-        <p:cTn id="1" dur="indefinite" restart="never" nodeType="tmRoot"/>
-      </p:par>
-    </p:tnLst>
-  </p:timing>
 </p:sldLayout>
 </file>
 
@@ -7720,10 +7639,9 @@
           <a:lstStyle/>
           <a:p>
             <a:r>
-              <a:rPr lang="en-US" smtClean="0"/>
+              <a:rPr lang="en-US"/>
               <a:t>Click to edit Master title style</a:t>
             </a:r>
-            <a:endParaRPr lang="en-US"/>
           </a:p>
         </p:txBody>
       </p:sp>
@@ -7842,10 +7760,9 @@
           </a:lstStyle>
           <a:p>
             <a:r>
-              <a:rPr lang="en-US" smtClean="0"/>
+              <a:rPr lang="en-US"/>
               <a:t>Click to edit Master subtitle style</a:t>
             </a:r>
-            <a:endParaRPr lang="en-US"/>
           </a:p>
         </p:txBody>
       </p:sp>
@@ -7873,7 +7790,7 @@
                 </a:solidFill>
               </a:rPr>
               <a:pPr/>
-              <a:t>4/6/2011</a:t>
+              <a:t>11/22/2024</a:t>
             </a:fld>
             <a:endParaRPr lang="en-US" dirty="0">
               <a:solidFill>
@@ -7949,20 +7866,13 @@
     </p:spTree>
     <p:extLst>
       <p:ext uri="{BB962C8B-B14F-4D97-AF65-F5344CB8AC3E}">
-        <p14:creationId xmlns="" xmlns:p14="http://schemas.microsoft.com/office/powerpoint/2010/main" val="3584019678"/>
+        <p14:creationId xmlns:p14="http://schemas.microsoft.com/office/powerpoint/2010/main" val="3584019678"/>
       </p:ext>
     </p:extLst>
   </p:cSld>
   <p:clrMapOvr>
     <a:masterClrMapping/>
   </p:clrMapOvr>
-  <p:timing>
-    <p:tnLst>
-      <p:par>
-        <p:cTn id="1" dur="indefinite" restart="never" nodeType="tmRoot"/>
-      </p:par>
-    </p:tnLst>
-  </p:timing>
 </p:sldLayout>
 </file>
 
@@ -7986,20 +7896,13 @@
     </p:spTree>
     <p:extLst>
       <p:ext uri="{BB962C8B-B14F-4D97-AF65-F5344CB8AC3E}">
-        <p14:creationId xmlns="" xmlns:p14="http://schemas.microsoft.com/office/powerpoint/2010/main" val="194561654"/>
+        <p14:creationId xmlns:p14="http://schemas.microsoft.com/office/powerpoint/2010/main" val="194561654"/>
       </p:ext>
     </p:extLst>
   </p:cSld>
   <p:clrMapOvr>
     <a:masterClrMapping/>
   </p:clrMapOvr>
-  <p:timing>
-    <p:tnLst>
-      <p:par>
-        <p:cTn id="1" dur="indefinite" restart="never" nodeType="tmRoot"/>
-      </p:par>
-    </p:tnLst>
-  </p:timing>
 </p:sldLayout>
 </file>
 
@@ -8048,10 +7951,9 @@
           </a:lstStyle>
           <a:p>
             <a:r>
-              <a:rPr lang="en-US" smtClean="0"/>
+              <a:rPr lang="en-US"/>
               <a:t>Click to edit Master title style</a:t>
             </a:r>
-            <a:endParaRPr lang="en-US"/>
           </a:p>
         </p:txBody>
       </p:sp>
@@ -8171,7 +8073,7 @@
           <a:p>
             <a:pPr lvl="0"/>
             <a:r>
-              <a:rPr lang="en-US" smtClean="0"/>
+              <a:rPr lang="en-US"/>
               <a:t>Click to edit Master text styles</a:t>
             </a:r>
           </a:p>
@@ -8201,7 +8103,7 @@
                 </a:solidFill>
               </a:rPr>
               <a:pPr/>
-              <a:t>4/6/2011</a:t>
+              <a:t>11/22/2024</a:t>
             </a:fld>
             <a:endParaRPr lang="en-US" dirty="0">
               <a:solidFill>
@@ -8277,7 +8179,7 @@
     </p:spTree>
     <p:extLst>
       <p:ext uri="{BB962C8B-B14F-4D97-AF65-F5344CB8AC3E}">
-        <p14:creationId xmlns="" xmlns:p14="http://schemas.microsoft.com/office/powerpoint/2010/main" val="766186089"/>
+        <p14:creationId xmlns:p14="http://schemas.microsoft.com/office/powerpoint/2010/main" val="766186089"/>
       </p:ext>
     </p:extLst>
   </p:cSld>
@@ -8320,10 +8222,9 @@
           <a:lstStyle/>
           <a:p>
             <a:r>
-              <a:rPr lang="en-US" smtClean="0"/>
+              <a:rPr lang="en-US"/>
               <a:t>Click to edit Master title style</a:t>
             </a:r>
-            <a:endParaRPr lang="en-US"/>
           </a:p>
         </p:txBody>
       </p:sp>
@@ -8377,38 +8278,37 @@
           <a:p>
             <a:pPr lvl="0"/>
             <a:r>
-              <a:rPr lang="en-US" smtClean="0"/>
+              <a:rPr lang="en-US"/>
               <a:t>Click to edit Master text styles</a:t>
             </a:r>
           </a:p>
           <a:p>
             <a:pPr lvl="1"/>
             <a:r>
-              <a:rPr lang="en-US" smtClean="0"/>
+              <a:rPr lang="en-US"/>
               <a:t>Second level</a:t>
             </a:r>
           </a:p>
           <a:p>
             <a:pPr lvl="2"/>
             <a:r>
-              <a:rPr lang="en-US" smtClean="0"/>
+              <a:rPr lang="en-US"/>
               <a:t>Third level</a:t>
             </a:r>
           </a:p>
           <a:p>
             <a:pPr lvl="3"/>
             <a:r>
-              <a:rPr lang="en-US" smtClean="0"/>
+              <a:rPr lang="en-US"/>
               <a:t>Fourth level</a:t>
             </a:r>
           </a:p>
           <a:p>
             <a:pPr lvl="4"/>
             <a:r>
-              <a:rPr lang="en-US" smtClean="0"/>
+              <a:rPr lang="en-US"/>
               <a:t>Fifth level</a:t>
             </a:r>
-            <a:endParaRPr lang="en-US"/>
           </a:p>
         </p:txBody>
       </p:sp>
@@ -8462,38 +8362,37 @@
           <a:p>
             <a:pPr lvl="0"/>
             <a:r>
-              <a:rPr lang="en-US" smtClean="0"/>
+              <a:rPr lang="en-US"/>
               <a:t>Click to edit Master text styles</a:t>
             </a:r>
           </a:p>
           <a:p>
             <a:pPr lvl="1"/>
             <a:r>
-              <a:rPr lang="en-US" smtClean="0"/>
+              <a:rPr lang="en-US"/>
               <a:t>Second level</a:t>
             </a:r>
           </a:p>
           <a:p>
             <a:pPr lvl="2"/>
             <a:r>
-              <a:rPr lang="en-US" smtClean="0"/>
+              <a:rPr lang="en-US"/>
               <a:t>Third level</a:t>
             </a:r>
           </a:p>
           <a:p>
             <a:pPr lvl="3"/>
             <a:r>
-              <a:rPr lang="en-US" smtClean="0"/>
+              <a:rPr lang="en-US"/>
               <a:t>Fourth level</a:t>
             </a:r>
           </a:p>
           <a:p>
             <a:pPr lvl="4"/>
             <a:r>
-              <a:rPr lang="en-US" smtClean="0"/>
+              <a:rPr lang="en-US"/>
               <a:t>Fifth level</a:t>
             </a:r>
-            <a:endParaRPr lang="en-US"/>
           </a:p>
         </p:txBody>
       </p:sp>
@@ -8521,7 +8420,7 @@
                 </a:solidFill>
               </a:rPr>
               <a:pPr/>
-              <a:t>4/6/2011</a:t>
+              <a:t>11/22/2024</a:t>
             </a:fld>
             <a:endParaRPr lang="en-US" dirty="0">
               <a:solidFill>
@@ -8597,7 +8496,7 @@
     </p:spTree>
     <p:extLst>
       <p:ext uri="{BB962C8B-B14F-4D97-AF65-F5344CB8AC3E}">
-        <p14:creationId xmlns="" xmlns:p14="http://schemas.microsoft.com/office/powerpoint/2010/main" val="3762070056"/>
+        <p14:creationId xmlns:p14="http://schemas.microsoft.com/office/powerpoint/2010/main" val="3762070056"/>
       </p:ext>
     </p:extLst>
   </p:cSld>
@@ -8648,10 +8547,9 @@
           <a:lstStyle/>
           <a:p>
             <a:r>
-              <a:rPr lang="en-US" smtClean="0"/>
+              <a:rPr lang="en-US"/>
               <a:t>Click to edit Master title style</a:t>
             </a:r>
-            <a:endParaRPr lang="en-US"/>
           </a:p>
         </p:txBody>
       </p:sp>
@@ -8708,38 +8606,37 @@
           <a:p>
             <a:pPr lvl="0"/>
             <a:r>
-              <a:rPr lang="en-US" smtClean="0"/>
+              <a:rPr lang="en-US"/>
               <a:t>Click to edit Master text styles</a:t>
             </a:r>
           </a:p>
           <a:p>
             <a:pPr lvl="1"/>
             <a:r>
-              <a:rPr lang="en-US" smtClean="0"/>
+              <a:rPr lang="en-US"/>
               <a:t>Second level</a:t>
             </a:r>
           </a:p>
           <a:p>
             <a:pPr lvl="2"/>
             <a:r>
-              <a:rPr lang="en-US" smtClean="0"/>
+              <a:rPr lang="en-US"/>
               <a:t>Third level</a:t>
             </a:r>
           </a:p>
           <a:p>
             <a:pPr lvl="3"/>
             <a:r>
-              <a:rPr lang="en-US" smtClean="0"/>
+              <a:rPr lang="en-US"/>
               <a:t>Fourth level</a:t>
             </a:r>
           </a:p>
           <a:p>
             <a:pPr lvl="4"/>
             <a:r>
-              <a:rPr lang="en-US" smtClean="0"/>
+              <a:rPr lang="en-US"/>
               <a:t>Fifth level</a:t>
             </a:r>
-            <a:endParaRPr lang="en-US"/>
           </a:p>
         </p:txBody>
       </p:sp>
@@ -8796,38 +8693,37 @@
           <a:p>
             <a:pPr lvl="0"/>
             <a:r>
-              <a:rPr lang="en-US" smtClean="0"/>
+              <a:rPr lang="en-US"/>
               <a:t>Click to edit Master text styles</a:t>
             </a:r>
           </a:p>
           <a:p>
             <a:pPr lvl="1"/>
             <a:r>
-              <a:rPr lang="en-US" smtClean="0"/>
+              <a:rPr lang="en-US"/>
               <a:t>Second level</a:t>
             </a:r>
           </a:p>
           <a:p>
             <a:pPr lvl="2"/>
             <a:r>
-              <a:rPr lang="en-US" smtClean="0"/>
+              <a:rPr lang="en-US"/>
               <a:t>Third level</a:t>
             </a:r>
           </a:p>
           <a:p>
             <a:pPr lvl="3"/>
             <a:r>
-              <a:rPr lang="en-US" smtClean="0"/>
+              <a:rPr lang="en-US"/>
               <a:t>Fourth level</a:t>
             </a:r>
           </a:p>
           <a:p>
             <a:pPr lvl="4"/>
             <a:r>
-              <a:rPr lang="en-US" smtClean="0"/>
+              <a:rPr lang="en-US"/>
               <a:t>Fifth level</a:t>
             </a:r>
-            <a:endParaRPr lang="en-US"/>
           </a:p>
         </p:txBody>
       </p:sp>
@@ -8855,7 +8751,7 @@
                 </a:solidFill>
               </a:rPr>
               <a:pPr/>
-              <a:t>4/6/2011</a:t>
+              <a:t>11/22/2024</a:t>
             </a:fld>
             <a:endParaRPr lang="en-US" dirty="0">
               <a:solidFill>
@@ -8931,20 +8827,13 @@
     </p:spTree>
     <p:extLst>
       <p:ext uri="{BB962C8B-B14F-4D97-AF65-F5344CB8AC3E}">
-        <p14:creationId xmlns="" xmlns:p14="http://schemas.microsoft.com/office/powerpoint/2010/main" val="2103331769"/>
+        <p14:creationId xmlns:p14="http://schemas.microsoft.com/office/powerpoint/2010/main" val="2103331769"/>
       </p:ext>
     </p:extLst>
   </p:cSld>
   <p:clrMapOvr>
     <a:masterClrMapping/>
   </p:clrMapOvr>
-  <p:timing>
-    <p:tnLst>
-      <p:par>
-        <p:cTn id="1" dur="indefinite" restart="never" nodeType="tmRoot"/>
-      </p:par>
-    </p:tnLst>
-  </p:timing>
 </p:sldLayout>
 </file>
 
@@ -8993,10 +8882,9 @@
           </a:lstStyle>
           <a:p>
             <a:r>
-              <a:rPr lang="en-US" smtClean="0"/>
+              <a:rPr lang="en-US"/>
               <a:t>Click to edit Master title style</a:t>
             </a:r>
-            <a:endParaRPr lang="en-US"/>
           </a:p>
         </p:txBody>
       </p:sp>
@@ -9062,7 +8950,7 @@
           <a:p>
             <a:pPr lvl="0"/>
             <a:r>
-              <a:rPr lang="en-US" smtClean="0"/>
+              <a:rPr lang="en-US"/>
               <a:t>Click to edit Master text styles</a:t>
             </a:r>
           </a:p>
@@ -9121,38 +9009,37 @@
           <a:p>
             <a:pPr lvl="0"/>
             <a:r>
-              <a:rPr lang="en-US" smtClean="0"/>
+              <a:rPr lang="en-US"/>
               <a:t>Click to edit Master text styles</a:t>
             </a:r>
           </a:p>
           <a:p>
             <a:pPr lvl="1"/>
             <a:r>
-              <a:rPr lang="en-US" smtClean="0"/>
+              <a:rPr lang="en-US"/>
               <a:t>Second level</a:t>
             </a:r>
           </a:p>
           <a:p>
             <a:pPr lvl="2"/>
             <a:r>
-              <a:rPr lang="en-US" smtClean="0"/>
+              <a:rPr lang="en-US"/>
               <a:t>Third level</a:t>
             </a:r>
           </a:p>
           <a:p>
             <a:pPr lvl="3"/>
             <a:r>
-              <a:rPr lang="en-US" smtClean="0"/>
+              <a:rPr lang="en-US"/>
               <a:t>Fourth level</a:t>
             </a:r>
           </a:p>
           <a:p>
             <a:pPr lvl="4"/>
             <a:r>
-              <a:rPr lang="en-US" smtClean="0"/>
+              <a:rPr lang="en-US"/>
               <a:t>Fifth level</a:t>
             </a:r>
-            <a:endParaRPr lang="en-US"/>
           </a:p>
         </p:txBody>
       </p:sp>
@@ -9218,7 +9105,7 @@
           <a:p>
             <a:pPr lvl="0"/>
             <a:r>
-              <a:rPr lang="en-US" smtClean="0"/>
+              <a:rPr lang="en-US"/>
               <a:t>Click to edit Master text styles</a:t>
             </a:r>
           </a:p>
@@ -9277,38 +9164,37 @@
           <a:p>
             <a:pPr lvl="0"/>
             <a:r>
-              <a:rPr lang="en-US" smtClean="0"/>
+              <a:rPr lang="en-US"/>
               <a:t>Click to edit Master text styles</a:t>
             </a:r>
           </a:p>
           <a:p>
             <a:pPr lvl="1"/>
             <a:r>
-              <a:rPr lang="en-US" smtClean="0"/>
+              <a:rPr lang="en-US"/>
               <a:t>Second level</a:t>
             </a:r>
           </a:p>
           <a:p>
             <a:pPr lvl="2"/>
             <a:r>
-              <a:rPr lang="en-US" smtClean="0"/>
+              <a:rPr lang="en-US"/>
               <a:t>Third level</a:t>
             </a:r>
           </a:p>
           <a:p>
             <a:pPr lvl="3"/>
             <a:r>
-              <a:rPr lang="en-US" smtClean="0"/>
+              <a:rPr lang="en-US"/>
               <a:t>Fourth level</a:t>
             </a:r>
           </a:p>
           <a:p>
             <a:pPr lvl="4"/>
             <a:r>
-              <a:rPr lang="en-US" smtClean="0"/>
+              <a:rPr lang="en-US"/>
               <a:t>Fifth level</a:t>
             </a:r>
-            <a:endParaRPr lang="en-US"/>
           </a:p>
         </p:txBody>
       </p:sp>
@@ -9336,7 +9222,7 @@
                 </a:solidFill>
               </a:rPr>
               <a:pPr/>
-              <a:t>4/6/2011</a:t>
+              <a:t>11/22/2024</a:t>
             </a:fld>
             <a:endParaRPr lang="en-US" dirty="0">
               <a:solidFill>
@@ -9412,7 +9298,7 @@
     </p:spTree>
     <p:extLst>
       <p:ext uri="{BB962C8B-B14F-4D97-AF65-F5344CB8AC3E}">
-        <p14:creationId xmlns="" xmlns:p14="http://schemas.microsoft.com/office/powerpoint/2010/main" val="2369383640"/>
+        <p14:creationId xmlns:p14="http://schemas.microsoft.com/office/powerpoint/2010/main" val="2369383640"/>
       </p:ext>
     </p:extLst>
   </p:cSld>
@@ -9463,10 +9349,9 @@
           <a:lstStyle/>
           <a:p>
             <a:r>
-              <a:rPr lang="en-US" smtClean="0"/>
+              <a:rPr lang="en-US"/>
               <a:t>Click to edit Master title style</a:t>
             </a:r>
-            <a:endParaRPr lang="en-US"/>
           </a:p>
         </p:txBody>
       </p:sp>
@@ -9494,7 +9379,7 @@
                 </a:solidFill>
               </a:rPr>
               <a:pPr/>
-              <a:t>4/6/2011</a:t>
+              <a:t>11/22/2024</a:t>
             </a:fld>
             <a:endParaRPr lang="en-US" dirty="0">
               <a:solidFill>
@@ -9570,7 +9455,7 @@
     </p:spTree>
     <p:extLst>
       <p:ext uri="{BB962C8B-B14F-4D97-AF65-F5344CB8AC3E}">
-        <p14:creationId xmlns="" xmlns:p14="http://schemas.microsoft.com/office/powerpoint/2010/main" val="836761184"/>
+        <p14:creationId xmlns:p14="http://schemas.microsoft.com/office/powerpoint/2010/main" val="836761184"/>
       </p:ext>
     </p:extLst>
   </p:cSld>
@@ -9621,7 +9506,7 @@
                 </a:solidFill>
               </a:rPr>
               <a:pPr/>
-              <a:t>4/6/2011</a:t>
+              <a:t>11/22/2024</a:t>
             </a:fld>
             <a:endParaRPr lang="en-US" dirty="0">
               <a:solidFill>
@@ -9697,7 +9582,7 @@
     </p:spTree>
     <p:extLst>
       <p:ext uri="{BB962C8B-B14F-4D97-AF65-F5344CB8AC3E}">
-        <p14:creationId xmlns="" xmlns:p14="http://schemas.microsoft.com/office/powerpoint/2010/main" val="39171622"/>
+        <p14:creationId xmlns:p14="http://schemas.microsoft.com/office/powerpoint/2010/main" val="39171622"/>
       </p:ext>
     </p:extLst>
   </p:cSld>
@@ -9752,10 +9637,9 @@
           </a:lstStyle>
           <a:p>
             <a:r>
-              <a:rPr lang="en-US" smtClean="0"/>
+              <a:rPr lang="en-US"/>
               <a:t>Click to edit Master title style</a:t>
             </a:r>
-            <a:endParaRPr lang="en-US"/>
           </a:p>
         </p:txBody>
       </p:sp>
@@ -9812,38 +9696,37 @@
           <a:p>
             <a:pPr lvl="0"/>
             <a:r>
-              <a:rPr lang="en-US" smtClean="0"/>
+              <a:rPr lang="en-US"/>
               <a:t>Click to edit Master text styles</a:t>
             </a:r>
           </a:p>
           <a:p>
             <a:pPr lvl="1"/>
             <a:r>
-              <a:rPr lang="en-US" smtClean="0"/>
+              <a:rPr lang="en-US"/>
               <a:t>Second level</a:t>
             </a:r>
           </a:p>
           <a:p>
             <a:pPr lvl="2"/>
             <a:r>
-              <a:rPr lang="en-US" smtClean="0"/>
+              <a:rPr lang="en-US"/>
               <a:t>Third level</a:t>
             </a:r>
           </a:p>
           <a:p>
             <a:pPr lvl="3"/>
             <a:r>
-              <a:rPr lang="en-US" smtClean="0"/>
+              <a:rPr lang="en-US"/>
               <a:t>Fourth level</a:t>
             </a:r>
           </a:p>
           <a:p>
             <a:pPr lvl="4"/>
             <a:r>
-              <a:rPr lang="en-US" smtClean="0"/>
+              <a:rPr lang="en-US"/>
               <a:t>Fifth level</a:t>
             </a:r>
-            <a:endParaRPr lang="en-US"/>
           </a:p>
         </p:txBody>
       </p:sp>
@@ -9909,7 +9792,7 @@
           <a:p>
             <a:pPr lvl="0"/>
             <a:r>
-              <a:rPr lang="en-US" smtClean="0"/>
+              <a:rPr lang="en-US"/>
               <a:t>Click to edit Master text styles</a:t>
             </a:r>
           </a:p>
@@ -9939,7 +9822,7 @@
                 </a:solidFill>
               </a:rPr>
               <a:pPr/>
-              <a:t>4/6/2011</a:t>
+              <a:t>11/22/2024</a:t>
             </a:fld>
             <a:endParaRPr lang="en-US" dirty="0">
               <a:solidFill>
@@ -10015,7 +9898,7 @@
     </p:spTree>
     <p:extLst>
       <p:ext uri="{BB962C8B-B14F-4D97-AF65-F5344CB8AC3E}">
-        <p14:creationId xmlns="" xmlns:p14="http://schemas.microsoft.com/office/powerpoint/2010/main" val="1361752317"/>
+        <p14:creationId xmlns:p14="http://schemas.microsoft.com/office/powerpoint/2010/main" val="1361752317"/>
       </p:ext>
     </p:extLst>
   </p:cSld>
@@ -10070,10 +9953,9 @@
           </a:lstStyle>
           <a:p>
             <a:r>
-              <a:rPr lang="en-US" smtClean="0"/>
+              <a:rPr lang="en-US"/>
               <a:t>Click to edit Master title style</a:t>
             </a:r>
-            <a:endParaRPr lang="en-US"/>
           </a:p>
         </p:txBody>
       </p:sp>
@@ -10203,7 +10085,7 @@
           <a:p>
             <a:pPr lvl="0"/>
             <a:r>
-              <a:rPr lang="en-US" smtClean="0"/>
+              <a:rPr lang="en-US"/>
               <a:t>Click to edit Master text styles</a:t>
             </a:r>
           </a:p>
@@ -10233,7 +10115,7 @@
                 </a:solidFill>
               </a:rPr>
               <a:pPr/>
-              <a:t>4/6/2011</a:t>
+              <a:t>11/22/2024</a:t>
             </a:fld>
             <a:endParaRPr lang="en-US" dirty="0">
               <a:solidFill>
@@ -10309,7 +10191,7 @@
     </p:spTree>
     <p:extLst>
       <p:ext uri="{BB962C8B-B14F-4D97-AF65-F5344CB8AC3E}">
-        <p14:creationId xmlns="" xmlns:p14="http://schemas.microsoft.com/office/powerpoint/2010/main" val="3448423927"/>
+        <p14:creationId xmlns:p14="http://schemas.microsoft.com/office/powerpoint/2010/main" val="3448423927"/>
       </p:ext>
     </p:extLst>
   </p:cSld>
@@ -10360,10 +10242,9 @@
           <a:lstStyle/>
           <a:p>
             <a:r>
-              <a:rPr lang="en-US" smtClean="0"/>
+              <a:rPr lang="en-US"/>
               <a:t>Click to edit Master title style</a:t>
             </a:r>
-            <a:endParaRPr lang="en-US"/>
           </a:p>
         </p:txBody>
       </p:sp>
@@ -10392,38 +10273,37 @@
           <a:p>
             <a:pPr lvl="0"/>
             <a:r>
-              <a:rPr lang="en-US" smtClean="0"/>
+              <a:rPr lang="en-US"/>
               <a:t>Click to edit Master text styles</a:t>
             </a:r>
           </a:p>
           <a:p>
             <a:pPr lvl="1"/>
             <a:r>
-              <a:rPr lang="en-US" smtClean="0"/>
+              <a:rPr lang="en-US"/>
               <a:t>Second level</a:t>
             </a:r>
           </a:p>
           <a:p>
             <a:pPr lvl="2"/>
             <a:r>
-              <a:rPr lang="en-US" smtClean="0"/>
+              <a:rPr lang="en-US"/>
               <a:t>Third level</a:t>
             </a:r>
           </a:p>
           <a:p>
             <a:pPr lvl="3"/>
             <a:r>
-              <a:rPr lang="en-US" smtClean="0"/>
+              <a:rPr lang="en-US"/>
               <a:t>Fourth level</a:t>
             </a:r>
           </a:p>
           <a:p>
             <a:pPr lvl="4"/>
             <a:r>
-              <a:rPr lang="en-US" smtClean="0"/>
+              <a:rPr lang="en-US"/>
               <a:t>Fifth level</a:t>
             </a:r>
-            <a:endParaRPr lang="en-US"/>
           </a:p>
         </p:txBody>
       </p:sp>
@@ -10451,7 +10331,7 @@
                 </a:solidFill>
               </a:rPr>
               <a:pPr/>
-              <a:t>4/6/2011</a:t>
+              <a:t>11/22/2024</a:t>
             </a:fld>
             <a:endParaRPr lang="en-US" dirty="0">
               <a:solidFill>
@@ -10527,7 +10407,7 @@
     </p:spTree>
     <p:extLst>
       <p:ext uri="{BB962C8B-B14F-4D97-AF65-F5344CB8AC3E}">
-        <p14:creationId xmlns="" xmlns:p14="http://schemas.microsoft.com/office/powerpoint/2010/main" val="2737083984"/>
+        <p14:creationId xmlns:p14="http://schemas.microsoft.com/office/powerpoint/2010/main" val="2737083984"/>
       </p:ext>
     </p:extLst>
   </p:cSld>
@@ -10578,10 +10458,9 @@
           <a:lstStyle/>
           <a:p>
             <a:r>
-              <a:rPr lang="en-US" smtClean="0"/>
+              <a:rPr lang="en-US"/>
               <a:t>Click to edit Master title style</a:t>
             </a:r>
-            <a:endParaRPr lang="en-US"/>
           </a:p>
         </p:txBody>
       </p:sp>
@@ -10610,38 +10489,37 @@
           <a:p>
             <a:pPr lvl="0"/>
             <a:r>
-              <a:rPr lang="en-US" smtClean="0"/>
+              <a:rPr lang="en-US"/>
               <a:t>Click to edit Master text styles</a:t>
             </a:r>
           </a:p>
           <a:p>
             <a:pPr lvl="1"/>
             <a:r>
-              <a:rPr lang="en-US" smtClean="0"/>
+              <a:rPr lang="en-US"/>
               <a:t>Second level</a:t>
             </a:r>
           </a:p>
           <a:p>
             <a:pPr lvl="2"/>
             <a:r>
-              <a:rPr lang="en-US" smtClean="0"/>
+              <a:rPr lang="en-US"/>
               <a:t>Third level</a:t>
             </a:r>
           </a:p>
           <a:p>
             <a:pPr lvl="3"/>
             <a:r>
-              <a:rPr lang="en-US" smtClean="0"/>
+              <a:rPr lang="en-US"/>
               <a:t>Fourth level</a:t>
             </a:r>
           </a:p>
           <a:p>
             <a:pPr lvl="4"/>
             <a:r>
-              <a:rPr lang="en-US" smtClean="0"/>
+              <a:rPr lang="en-US"/>
               <a:t>Fifth level</a:t>
             </a:r>
-            <a:endParaRPr lang="en-US"/>
           </a:p>
         </p:txBody>
       </p:sp>
@@ -10669,7 +10547,7 @@
                 </a:solidFill>
               </a:rPr>
               <a:pPr/>
-              <a:t>4/6/2011</a:t>
+              <a:t>11/22/2024</a:t>
             </a:fld>
             <a:endParaRPr lang="en-US" dirty="0">
               <a:solidFill>
@@ -10745,7 +10623,7 @@
     </p:spTree>
     <p:extLst>
       <p:ext uri="{BB962C8B-B14F-4D97-AF65-F5344CB8AC3E}">
-        <p14:creationId xmlns="" xmlns:p14="http://schemas.microsoft.com/office/powerpoint/2010/main" val="3463959397"/>
+        <p14:creationId xmlns:p14="http://schemas.microsoft.com/office/powerpoint/2010/main" val="3463959397"/>
       </p:ext>
     </p:extLst>
   </p:cSld>
@@ -10796,10 +10674,9 @@
           <a:lstStyle/>
           <a:p>
             <a:r>
-              <a:rPr lang="en-US" smtClean="0"/>
+              <a:rPr lang="en-US"/>
               <a:t>Click to edit Master title style</a:t>
             </a:r>
-            <a:endParaRPr lang="en-US"/>
           </a:p>
         </p:txBody>
       </p:sp>
@@ -10828,38 +10705,37 @@
           <a:p>
             <a:pPr lvl="0"/>
             <a:r>
-              <a:rPr lang="en-US" smtClean="0"/>
+              <a:rPr lang="en-US"/>
               <a:t>Click to edit Master text styles</a:t>
             </a:r>
           </a:p>
           <a:p>
             <a:pPr lvl="1"/>
             <a:r>
-              <a:rPr lang="en-US" smtClean="0"/>
+              <a:rPr lang="en-US"/>
               <a:t>Second level</a:t>
             </a:r>
           </a:p>
           <a:p>
             <a:pPr lvl="2"/>
             <a:r>
-              <a:rPr lang="en-US" smtClean="0"/>
+              <a:rPr lang="en-US"/>
               <a:t>Third level</a:t>
             </a:r>
           </a:p>
           <a:p>
             <a:pPr lvl="3"/>
             <a:r>
-              <a:rPr lang="en-US" smtClean="0"/>
+              <a:rPr lang="en-US"/>
               <a:t>Fourth level</a:t>
             </a:r>
           </a:p>
           <a:p>
             <a:pPr lvl="4"/>
             <a:r>
-              <a:rPr lang="en-US" smtClean="0"/>
+              <a:rPr lang="en-US"/>
               <a:t>Fifth level</a:t>
             </a:r>
-            <a:endParaRPr lang="en-US"/>
           </a:p>
         </p:txBody>
       </p:sp>
@@ -10887,7 +10763,7 @@
                 </a:solidFill>
               </a:rPr>
               <a:pPr/>
-              <a:t>4/6/2011</a:t>
+              <a:t>11/22/2024</a:t>
             </a:fld>
             <a:endParaRPr lang="en-US" dirty="0">
               <a:solidFill>
@@ -10963,20 +10839,13 @@
     </p:spTree>
     <p:extLst>
       <p:ext uri="{BB962C8B-B14F-4D97-AF65-F5344CB8AC3E}">
-        <p14:creationId xmlns="" xmlns:p14="http://schemas.microsoft.com/office/powerpoint/2010/main" val="1120561400"/>
+        <p14:creationId xmlns:p14="http://schemas.microsoft.com/office/powerpoint/2010/main" val="1120561400"/>
       </p:ext>
     </p:extLst>
   </p:cSld>
   <p:clrMapOvr>
     <a:masterClrMapping/>
   </p:clrMapOvr>
-  <p:timing>
-    <p:tnLst>
-      <p:par>
-        <p:cTn id="1" dur="indefinite" restart="never" nodeType="tmRoot"/>
-      </p:par>
-    </p:tnLst>
-  </p:timing>
 </p:sldLayout>
 </file>
 
@@ -11021,10 +10890,9 @@
           <a:lstStyle/>
           <a:p>
             <a:r>
-              <a:rPr lang="en-US" smtClean="0"/>
+              <a:rPr lang="en-US"/>
               <a:t>Click to edit Master title style</a:t>
             </a:r>
-            <a:endParaRPr lang="en-US"/>
           </a:p>
         </p:txBody>
       </p:sp>
@@ -11143,10 +11011,9 @@
           </a:lstStyle>
           <a:p>
             <a:r>
-              <a:rPr lang="en-US" smtClean="0"/>
+              <a:rPr lang="en-US"/>
               <a:t>Click to edit Master subtitle style</a:t>
             </a:r>
-            <a:endParaRPr lang="en-US"/>
           </a:p>
         </p:txBody>
       </p:sp>
@@ -11174,7 +11041,7 @@
                 </a:solidFill>
               </a:rPr>
               <a:pPr/>
-              <a:t>4/6/2011</a:t>
+              <a:t>11/22/2024</a:t>
             </a:fld>
             <a:endParaRPr lang="en-US" dirty="0">
               <a:solidFill>
@@ -11250,20 +11117,13 @@
     </p:spTree>
     <p:extLst>
       <p:ext uri="{BB962C8B-B14F-4D97-AF65-F5344CB8AC3E}">
-        <p14:creationId xmlns="" xmlns:p14="http://schemas.microsoft.com/office/powerpoint/2010/main" val="3488039305"/>
+        <p14:creationId xmlns:p14="http://schemas.microsoft.com/office/powerpoint/2010/main" val="3488039305"/>
       </p:ext>
     </p:extLst>
   </p:cSld>
   <p:clrMapOvr>
     <a:masterClrMapping/>
   </p:clrMapOvr>
-  <p:timing>
-    <p:tnLst>
-      <p:par>
-        <p:cTn id="1" dur="indefinite" restart="never" nodeType="tmRoot"/>
-      </p:par>
-    </p:tnLst>
-  </p:timing>
 </p:sldLayout>
 </file>
 
@@ -11304,10 +11164,9 @@
           </a:lstStyle>
           <a:p>
             <a:r>
-              <a:rPr lang="en-US" smtClean="0"/>
+              <a:rPr lang="en-US"/>
               <a:t>Click to edit Master title style</a:t>
             </a:r>
-            <a:endParaRPr lang="en-US"/>
           </a:p>
         </p:txBody>
       </p:sp>
@@ -11370,7 +11229,7 @@
           <a:p>
             <a:pPr lvl="0"/>
             <a:r>
-              <a:rPr lang="en-US" smtClean="0"/>
+              <a:rPr lang="en-US"/>
               <a:t>Click to edit Master text styles</a:t>
             </a:r>
           </a:p>
@@ -11426,38 +11285,37 @@
           <a:p>
             <a:pPr lvl="0"/>
             <a:r>
-              <a:rPr lang="en-US" smtClean="0"/>
+              <a:rPr lang="en-US"/>
               <a:t>Click to edit Master text styles</a:t>
             </a:r>
           </a:p>
           <a:p>
             <a:pPr lvl="1"/>
             <a:r>
-              <a:rPr lang="en-US" smtClean="0"/>
+              <a:rPr lang="en-US"/>
               <a:t>Second level</a:t>
             </a:r>
           </a:p>
           <a:p>
             <a:pPr lvl="2"/>
             <a:r>
-              <a:rPr lang="en-US" smtClean="0"/>
+              <a:rPr lang="en-US"/>
               <a:t>Third level</a:t>
             </a:r>
           </a:p>
           <a:p>
             <a:pPr lvl="3"/>
             <a:r>
-              <a:rPr lang="en-US" smtClean="0"/>
+              <a:rPr lang="en-US"/>
               <a:t>Fourth level</a:t>
             </a:r>
           </a:p>
           <a:p>
             <a:pPr lvl="4"/>
             <a:r>
-              <a:rPr lang="en-US" smtClean="0"/>
+              <a:rPr lang="en-US"/>
               <a:t>Fifth level</a:t>
             </a:r>
-            <a:endParaRPr lang="en-US"/>
           </a:p>
         </p:txBody>
       </p:sp>
@@ -11520,7 +11378,7 @@
           <a:p>
             <a:pPr lvl="0"/>
             <a:r>
-              <a:rPr lang="en-US" smtClean="0"/>
+              <a:rPr lang="en-US"/>
               <a:t>Click to edit Master text styles</a:t>
             </a:r>
           </a:p>
@@ -11576,38 +11434,37 @@
           <a:p>
             <a:pPr lvl="0"/>
             <a:r>
-              <a:rPr lang="en-US" smtClean="0"/>
+              <a:rPr lang="en-US"/>
               <a:t>Click to edit Master text styles</a:t>
             </a:r>
           </a:p>
           <a:p>
             <a:pPr lvl="1"/>
             <a:r>
-              <a:rPr lang="en-US" smtClean="0"/>
+              <a:rPr lang="en-US"/>
               <a:t>Second level</a:t>
             </a:r>
           </a:p>
           <a:p>
             <a:pPr lvl="2"/>
             <a:r>
-              <a:rPr lang="en-US" smtClean="0"/>
+              <a:rPr lang="en-US"/>
               <a:t>Third level</a:t>
             </a:r>
           </a:p>
           <a:p>
             <a:pPr lvl="3"/>
             <a:r>
-              <a:rPr lang="en-US" smtClean="0"/>
+              <a:rPr lang="en-US"/>
               <a:t>Fourth level</a:t>
             </a:r>
           </a:p>
           <a:p>
             <a:pPr lvl="4"/>
             <a:r>
-              <a:rPr lang="en-US" smtClean="0"/>
+              <a:rPr lang="en-US"/>
               <a:t>Fifth level</a:t>
             </a:r>
-            <a:endParaRPr lang="en-US"/>
           </a:p>
         </p:txBody>
       </p:sp>
@@ -11635,7 +11492,7 @@
                 </a:solidFill>
               </a:rPr>
               <a:pPr/>
-              <a:t>4/6/2011</a:t>
+              <a:t>11/22/2024</a:t>
             </a:fld>
             <a:endParaRPr lang="en-US" dirty="0">
               <a:solidFill>
@@ -11711,7 +11568,7 @@
     </p:spTree>
     <p:extLst>
       <p:ext uri="{BB962C8B-B14F-4D97-AF65-F5344CB8AC3E}">
-        <p14:creationId xmlns="" xmlns:p14="http://schemas.microsoft.com/office/powerpoint/2010/main" val="4229838587"/>
+        <p14:creationId xmlns:p14="http://schemas.microsoft.com/office/powerpoint/2010/main" val="4229838587"/>
       </p:ext>
     </p:extLst>
   </p:cSld>
@@ -11741,20 +11598,13 @@
     </p:spTree>
     <p:extLst>
       <p:ext uri="{BB962C8B-B14F-4D97-AF65-F5344CB8AC3E}">
-        <p14:creationId xmlns="" xmlns:p14="http://schemas.microsoft.com/office/powerpoint/2010/main" val="3623234095"/>
+        <p14:creationId xmlns:p14="http://schemas.microsoft.com/office/powerpoint/2010/main" val="3623234095"/>
       </p:ext>
     </p:extLst>
   </p:cSld>
   <p:clrMapOvr>
     <a:masterClrMapping/>
   </p:clrMapOvr>
-  <p:timing>
-    <p:tnLst>
-      <p:par>
-        <p:cTn id="1" dur="indefinite" restart="never" nodeType="tmRoot"/>
-      </p:par>
-    </p:tnLst>
-  </p:timing>
 </p:sldLayout>
 </file>
 
@@ -11803,10 +11653,9 @@
           </a:lstStyle>
           <a:p>
             <a:r>
-              <a:rPr lang="en-US" smtClean="0"/>
+              <a:rPr lang="en-US"/>
               <a:t>Click to edit Master title style</a:t>
             </a:r>
-            <a:endParaRPr lang="en-US"/>
           </a:p>
         </p:txBody>
       </p:sp>
@@ -11926,7 +11775,7 @@
           <a:p>
             <a:pPr lvl="0"/>
             <a:r>
-              <a:rPr lang="en-US" smtClean="0"/>
+              <a:rPr lang="en-US"/>
               <a:t>Click to edit Master text styles</a:t>
             </a:r>
           </a:p>
@@ -11956,7 +11805,7 @@
                 </a:solidFill>
               </a:rPr>
               <a:pPr/>
-              <a:t>4/6/2011</a:t>
+              <a:t>11/22/2024</a:t>
             </a:fld>
             <a:endParaRPr lang="en-US" dirty="0">
               <a:solidFill>
@@ -12032,7 +11881,7 @@
     </p:spTree>
     <p:extLst>
       <p:ext uri="{BB962C8B-B14F-4D97-AF65-F5344CB8AC3E}">
-        <p14:creationId xmlns="" xmlns:p14="http://schemas.microsoft.com/office/powerpoint/2010/main" val="1767520178"/>
+        <p14:creationId xmlns:p14="http://schemas.microsoft.com/office/powerpoint/2010/main" val="1767520178"/>
       </p:ext>
     </p:extLst>
   </p:cSld>
@@ -12083,10 +11932,9 @@
           <a:lstStyle/>
           <a:p>
             <a:r>
-              <a:rPr lang="en-US" smtClean="0"/>
+              <a:rPr lang="en-US"/>
               <a:t>Click to edit Master title style</a:t>
             </a:r>
-            <a:endParaRPr lang="en-US"/>
           </a:p>
         </p:txBody>
       </p:sp>
@@ -12143,38 +11991,37 @@
           <a:p>
             <a:pPr lvl="0"/>
             <a:r>
-              <a:rPr lang="en-US" smtClean="0"/>
+              <a:rPr lang="en-US"/>
               <a:t>Click to edit Master text styles</a:t>
             </a:r>
           </a:p>
           <a:p>
             <a:pPr lvl="1"/>
             <a:r>
-              <a:rPr lang="en-US" smtClean="0"/>
+              <a:rPr lang="en-US"/>
               <a:t>Second level</a:t>
             </a:r>
           </a:p>
           <a:p>
             <a:pPr lvl="2"/>
             <a:r>
-              <a:rPr lang="en-US" smtClean="0"/>
+              <a:rPr lang="en-US"/>
               <a:t>Third level</a:t>
             </a:r>
           </a:p>
           <a:p>
             <a:pPr lvl="3"/>
             <a:r>
-              <a:rPr lang="en-US" smtClean="0"/>
+              <a:rPr lang="en-US"/>
               <a:t>Fourth level</a:t>
             </a:r>
           </a:p>
           <a:p>
             <a:pPr lvl="4"/>
             <a:r>
-              <a:rPr lang="en-US" smtClean="0"/>
+              <a:rPr lang="en-US"/>
               <a:t>Fifth level</a:t>
             </a:r>
-            <a:endParaRPr lang="en-US"/>
           </a:p>
         </p:txBody>
       </p:sp>
@@ -12231,38 +12078,37 @@
           <a:p>
             <a:pPr lvl="0"/>
             <a:r>
-              <a:rPr lang="en-US" smtClean="0"/>
+              <a:rPr lang="en-US"/>
               <a:t>Click to edit Master text styles</a:t>
             </a:r>
           </a:p>
           <a:p>
             <a:pPr lvl="1"/>
             <a:r>
-              <a:rPr lang="en-US" smtClean="0"/>
+              <a:rPr lang="en-US"/>
               <a:t>Second level</a:t>
             </a:r>
           </a:p>
           <a:p>
             <a:pPr lvl="2"/>
             <a:r>
-              <a:rPr lang="en-US" smtClean="0"/>
+              <a:rPr lang="en-US"/>
               <a:t>Third level</a:t>
             </a:r>
           </a:p>
           <a:p>
             <a:pPr lvl="3"/>
             <a:r>
-              <a:rPr lang="en-US" smtClean="0"/>
+              <a:rPr lang="en-US"/>
               <a:t>Fourth level</a:t>
             </a:r>
           </a:p>
           <a:p>
             <a:pPr lvl="4"/>
             <a:r>
-              <a:rPr lang="en-US" smtClean="0"/>
+              <a:rPr lang="en-US"/>
               <a:t>Fifth level</a:t>
             </a:r>
-            <a:endParaRPr lang="en-US"/>
           </a:p>
         </p:txBody>
       </p:sp>
@@ -12290,7 +12136,7 @@
                 </a:solidFill>
               </a:rPr>
               <a:pPr/>
-              <a:t>4/6/2011</a:t>
+              <a:t>11/22/2024</a:t>
             </a:fld>
             <a:endParaRPr lang="en-US" dirty="0">
               <a:solidFill>
@@ -12366,20 +12212,13 @@
     </p:spTree>
     <p:extLst>
       <p:ext uri="{BB962C8B-B14F-4D97-AF65-F5344CB8AC3E}">
-        <p14:creationId xmlns="" xmlns:p14="http://schemas.microsoft.com/office/powerpoint/2010/main" val="1303495407"/>
+        <p14:creationId xmlns:p14="http://schemas.microsoft.com/office/powerpoint/2010/main" val="1303495407"/>
       </p:ext>
     </p:extLst>
   </p:cSld>
   <p:clrMapOvr>
     <a:masterClrMapping/>
   </p:clrMapOvr>
-  <p:timing>
-    <p:tnLst>
-      <p:par>
-        <p:cTn id="1" dur="indefinite" restart="never" nodeType="tmRoot"/>
-      </p:par>
-    </p:tnLst>
-  </p:timing>
 </p:sldLayout>
 </file>
 
@@ -12428,10 +12267,9 @@
           </a:lstStyle>
           <a:p>
             <a:r>
-              <a:rPr lang="en-US" smtClean="0"/>
+              <a:rPr lang="en-US"/>
               <a:t>Click to edit Master title style</a:t>
             </a:r>
-            <a:endParaRPr lang="en-US"/>
           </a:p>
         </p:txBody>
       </p:sp>
@@ -12497,7 +12335,7 @@
           <a:p>
             <a:pPr lvl="0"/>
             <a:r>
-              <a:rPr lang="en-US" smtClean="0"/>
+              <a:rPr lang="en-US"/>
               <a:t>Click to edit Master text styles</a:t>
             </a:r>
           </a:p>
@@ -12556,38 +12394,37 @@
           <a:p>
             <a:pPr lvl="0"/>
             <a:r>
-              <a:rPr lang="en-US" smtClean="0"/>
+              <a:rPr lang="en-US"/>
               <a:t>Click to edit Master text styles</a:t>
             </a:r>
           </a:p>
           <a:p>
             <a:pPr lvl="1"/>
             <a:r>
-              <a:rPr lang="en-US" smtClean="0"/>
+              <a:rPr lang="en-US"/>
               <a:t>Second level</a:t>
             </a:r>
           </a:p>
           <a:p>
             <a:pPr lvl="2"/>
             <a:r>
-              <a:rPr lang="en-US" smtClean="0"/>
+              <a:rPr lang="en-US"/>
               <a:t>Third level</a:t>
             </a:r>
           </a:p>
           <a:p>
             <a:pPr lvl="3"/>
             <a:r>
-              <a:rPr lang="en-US" smtClean="0"/>
+              <a:rPr lang="en-US"/>
               <a:t>Fourth level</a:t>
             </a:r>
           </a:p>
           <a:p>
             <a:pPr lvl="4"/>
             <a:r>
-              <a:rPr lang="en-US" smtClean="0"/>
+              <a:rPr lang="en-US"/>
               <a:t>Fifth level</a:t>
             </a:r>
-            <a:endParaRPr lang="en-US"/>
           </a:p>
         </p:txBody>
       </p:sp>
@@ -12653,7 +12490,7 @@
           <a:p>
             <a:pPr lvl="0"/>
             <a:r>
-              <a:rPr lang="en-US" smtClean="0"/>
+              <a:rPr lang="en-US"/>
               <a:t>Click to edit Master text styles</a:t>
             </a:r>
           </a:p>
@@ -12712,38 +12549,37 @@
           <a:p>
             <a:pPr lvl="0"/>
             <a:r>
-              <a:rPr lang="en-US" smtClean="0"/>
+              <a:rPr lang="en-US"/>
               <a:t>Click to edit Master text styles</a:t>
             </a:r>
           </a:p>
           <a:p>
             <a:pPr lvl="1"/>
             <a:r>
-              <a:rPr lang="en-US" smtClean="0"/>
+              <a:rPr lang="en-US"/>
               <a:t>Second level</a:t>
             </a:r>
           </a:p>
           <a:p>
             <a:pPr lvl="2"/>
             <a:r>
-              <a:rPr lang="en-US" smtClean="0"/>
+              <a:rPr lang="en-US"/>
               <a:t>Third level</a:t>
             </a:r>
           </a:p>
           <a:p>
             <a:pPr lvl="3"/>
             <a:r>
-              <a:rPr lang="en-US" smtClean="0"/>
+              <a:rPr lang="en-US"/>
               <a:t>Fourth level</a:t>
             </a:r>
           </a:p>
           <a:p>
             <a:pPr lvl="4"/>
             <a:r>
-              <a:rPr lang="en-US" smtClean="0"/>
+              <a:rPr lang="en-US"/>
               <a:t>Fifth level</a:t>
             </a:r>
-            <a:endParaRPr lang="en-US"/>
           </a:p>
         </p:txBody>
       </p:sp>
@@ -12771,7 +12607,7 @@
                 </a:solidFill>
               </a:rPr>
               <a:pPr/>
-              <a:t>4/6/2011</a:t>
+              <a:t>11/22/2024</a:t>
             </a:fld>
             <a:endParaRPr lang="en-US" dirty="0">
               <a:solidFill>
@@ -12847,7 +12683,7 @@
     </p:spTree>
     <p:extLst>
       <p:ext uri="{BB962C8B-B14F-4D97-AF65-F5344CB8AC3E}">
-        <p14:creationId xmlns="" xmlns:p14="http://schemas.microsoft.com/office/powerpoint/2010/main" val="903979806"/>
+        <p14:creationId xmlns:p14="http://schemas.microsoft.com/office/powerpoint/2010/main" val="903979806"/>
       </p:ext>
     </p:extLst>
   </p:cSld>
@@ -12898,10 +12734,9 @@
           <a:lstStyle/>
           <a:p>
             <a:r>
-              <a:rPr lang="en-US" smtClean="0"/>
+              <a:rPr lang="en-US"/>
               <a:t>Click to edit Master title style</a:t>
             </a:r>
-            <a:endParaRPr lang="en-US"/>
           </a:p>
         </p:txBody>
       </p:sp>
@@ -12929,7 +12764,7 @@
                 </a:solidFill>
               </a:rPr>
               <a:pPr/>
-              <a:t>4/6/2011</a:t>
+              <a:t>11/22/2024</a:t>
             </a:fld>
             <a:endParaRPr lang="en-US" dirty="0">
               <a:solidFill>
@@ -13005,7 +12840,7 @@
     </p:spTree>
     <p:extLst>
       <p:ext uri="{BB962C8B-B14F-4D97-AF65-F5344CB8AC3E}">
-        <p14:creationId xmlns="" xmlns:p14="http://schemas.microsoft.com/office/powerpoint/2010/main" val="3079601318"/>
+        <p14:creationId xmlns:p14="http://schemas.microsoft.com/office/powerpoint/2010/main" val="3079601318"/>
       </p:ext>
     </p:extLst>
   </p:cSld>
@@ -13056,7 +12891,7 @@
                 </a:solidFill>
               </a:rPr>
               <a:pPr/>
-              <a:t>4/6/2011</a:t>
+              <a:t>11/22/2024</a:t>
             </a:fld>
             <a:endParaRPr lang="en-US" dirty="0">
               <a:solidFill>
@@ -13132,7 +12967,7 @@
     </p:spTree>
     <p:extLst>
       <p:ext uri="{BB962C8B-B14F-4D97-AF65-F5344CB8AC3E}">
-        <p14:creationId xmlns="" xmlns:p14="http://schemas.microsoft.com/office/powerpoint/2010/main" val="3337560695"/>
+        <p14:creationId xmlns:p14="http://schemas.microsoft.com/office/powerpoint/2010/main" val="3337560695"/>
       </p:ext>
     </p:extLst>
   </p:cSld>
@@ -13187,10 +13022,9 @@
           </a:lstStyle>
           <a:p>
             <a:r>
-              <a:rPr lang="en-US" smtClean="0"/>
+              <a:rPr lang="en-US"/>
               <a:t>Click to edit Master title style</a:t>
             </a:r>
-            <a:endParaRPr lang="en-US"/>
           </a:p>
         </p:txBody>
       </p:sp>
@@ -13247,38 +13081,37 @@
           <a:p>
             <a:pPr lvl="0"/>
             <a:r>
-              <a:rPr lang="en-US" smtClean="0"/>
+              <a:rPr lang="en-US"/>
               <a:t>Click to edit Master text styles</a:t>
             </a:r>
           </a:p>
           <a:p>
             <a:pPr lvl="1"/>
             <a:r>
-              <a:rPr lang="en-US" smtClean="0"/>
+              <a:rPr lang="en-US"/>
               <a:t>Second level</a:t>
             </a:r>
           </a:p>
           <a:p>
             <a:pPr lvl="2"/>
             <a:r>
-              <a:rPr lang="en-US" smtClean="0"/>
+              <a:rPr lang="en-US"/>
               <a:t>Third level</a:t>
             </a:r>
           </a:p>
           <a:p>
             <a:pPr lvl="3"/>
             <a:r>
-              <a:rPr lang="en-US" smtClean="0"/>
+              <a:rPr lang="en-US"/>
               <a:t>Fourth level</a:t>
             </a:r>
           </a:p>
           <a:p>
             <a:pPr lvl="4"/>
             <a:r>
-              <a:rPr lang="en-US" smtClean="0"/>
+              <a:rPr lang="en-US"/>
               <a:t>Fifth level</a:t>
             </a:r>
-            <a:endParaRPr lang="en-US"/>
           </a:p>
         </p:txBody>
       </p:sp>
@@ -13344,7 +13177,7 @@
           <a:p>
             <a:pPr lvl="0"/>
             <a:r>
-              <a:rPr lang="en-US" smtClean="0"/>
+              <a:rPr lang="en-US"/>
               <a:t>Click to edit Master text styles</a:t>
             </a:r>
           </a:p>
@@ -13374,7 +13207,7 @@
                 </a:solidFill>
               </a:rPr>
               <a:pPr/>
-              <a:t>4/6/2011</a:t>
+              <a:t>11/22/2024</a:t>
             </a:fld>
             <a:endParaRPr lang="en-US" dirty="0">
               <a:solidFill>
@@ -13450,7 +13283,7 @@
     </p:spTree>
     <p:extLst>
       <p:ext uri="{BB962C8B-B14F-4D97-AF65-F5344CB8AC3E}">
-        <p14:creationId xmlns="" xmlns:p14="http://schemas.microsoft.com/office/powerpoint/2010/main" val="3601108054"/>
+        <p14:creationId xmlns:p14="http://schemas.microsoft.com/office/powerpoint/2010/main" val="3601108054"/>
       </p:ext>
     </p:extLst>
   </p:cSld>
@@ -13505,10 +13338,9 @@
           </a:lstStyle>
           <a:p>
             <a:r>
-              <a:rPr lang="en-US" smtClean="0"/>
+              <a:rPr lang="en-US"/>
               <a:t>Click to edit Master title style</a:t>
             </a:r>
-            <a:endParaRPr lang="en-US"/>
           </a:p>
         </p:txBody>
       </p:sp>
@@ -13638,7 +13470,7 @@
           <a:p>
             <a:pPr lvl="0"/>
             <a:r>
-              <a:rPr lang="en-US" smtClean="0"/>
+              <a:rPr lang="en-US"/>
               <a:t>Click to edit Master text styles</a:t>
             </a:r>
           </a:p>
@@ -13668,7 +13500,7 @@
                 </a:solidFill>
               </a:rPr>
               <a:pPr/>
-              <a:t>4/6/2011</a:t>
+              <a:t>11/22/2024</a:t>
             </a:fld>
             <a:endParaRPr lang="en-US" dirty="0">
               <a:solidFill>
@@ -13744,7 +13576,7 @@
     </p:spTree>
     <p:extLst>
       <p:ext uri="{BB962C8B-B14F-4D97-AF65-F5344CB8AC3E}">
-        <p14:creationId xmlns="" xmlns:p14="http://schemas.microsoft.com/office/powerpoint/2010/main" val="139615239"/>
+        <p14:creationId xmlns:p14="http://schemas.microsoft.com/office/powerpoint/2010/main" val="139615239"/>
       </p:ext>
     </p:extLst>
   </p:cSld>
@@ -13795,10 +13627,9 @@
           <a:lstStyle/>
           <a:p>
             <a:r>
-              <a:rPr lang="en-US" smtClean="0"/>
+              <a:rPr lang="en-US"/>
               <a:t>Click to edit Master title style</a:t>
             </a:r>
-            <a:endParaRPr lang="en-US"/>
           </a:p>
         </p:txBody>
       </p:sp>
@@ -13827,38 +13658,37 @@
           <a:p>
             <a:pPr lvl="0"/>
             <a:r>
-              <a:rPr lang="en-US" smtClean="0"/>
+              <a:rPr lang="en-US"/>
               <a:t>Click to edit Master text styles</a:t>
             </a:r>
           </a:p>
           <a:p>
             <a:pPr lvl="1"/>
             <a:r>
-              <a:rPr lang="en-US" smtClean="0"/>
+              <a:rPr lang="en-US"/>
               <a:t>Second level</a:t>
             </a:r>
           </a:p>
           <a:p>
             <a:pPr lvl="2"/>
             <a:r>
-              <a:rPr lang="en-US" smtClean="0"/>
+              <a:rPr lang="en-US"/>
               <a:t>Third level</a:t>
             </a:r>
           </a:p>
           <a:p>
             <a:pPr lvl="3"/>
             <a:r>
-              <a:rPr lang="en-US" smtClean="0"/>
+              <a:rPr lang="en-US"/>
               <a:t>Fourth level</a:t>
             </a:r>
           </a:p>
           <a:p>
             <a:pPr lvl="4"/>
             <a:r>
-              <a:rPr lang="en-US" smtClean="0"/>
+              <a:rPr lang="en-US"/>
               <a:t>Fifth level</a:t>
             </a:r>
-            <a:endParaRPr lang="en-US"/>
           </a:p>
         </p:txBody>
       </p:sp>
@@ -13886,7 +13716,7 @@
                 </a:solidFill>
               </a:rPr>
               <a:pPr/>
-              <a:t>4/6/2011</a:t>
+              <a:t>11/22/2024</a:t>
             </a:fld>
             <a:endParaRPr lang="en-US" dirty="0">
               <a:solidFill>
@@ -13962,7 +13792,7 @@
     </p:spTree>
     <p:extLst>
       <p:ext uri="{BB962C8B-B14F-4D97-AF65-F5344CB8AC3E}">
-        <p14:creationId xmlns="" xmlns:p14="http://schemas.microsoft.com/office/powerpoint/2010/main" val="848062033"/>
+        <p14:creationId xmlns:p14="http://schemas.microsoft.com/office/powerpoint/2010/main" val="848062033"/>
       </p:ext>
     </p:extLst>
   </p:cSld>
@@ -14013,10 +13843,9 @@
           <a:lstStyle/>
           <a:p>
             <a:r>
-              <a:rPr lang="en-US" smtClean="0"/>
+              <a:rPr lang="en-US"/>
               <a:t>Click to edit Master title style</a:t>
             </a:r>
-            <a:endParaRPr lang="en-US"/>
           </a:p>
         </p:txBody>
       </p:sp>
@@ -14045,38 +13874,37 @@
           <a:p>
             <a:pPr lvl="0"/>
             <a:r>
-              <a:rPr lang="en-US" smtClean="0"/>
+              <a:rPr lang="en-US"/>
               <a:t>Click to edit Master text styles</a:t>
             </a:r>
           </a:p>
           <a:p>
             <a:pPr lvl="1"/>
             <a:r>
-              <a:rPr lang="en-US" smtClean="0"/>
+              <a:rPr lang="en-US"/>
               <a:t>Second level</a:t>
             </a:r>
           </a:p>
           <a:p>
             <a:pPr lvl="2"/>
             <a:r>
-              <a:rPr lang="en-US" smtClean="0"/>
+              <a:rPr lang="en-US"/>
               <a:t>Third level</a:t>
             </a:r>
           </a:p>
           <a:p>
             <a:pPr lvl="3"/>
             <a:r>
-              <a:rPr lang="en-US" smtClean="0"/>
+              <a:rPr lang="en-US"/>
               <a:t>Fourth level</a:t>
             </a:r>
           </a:p>
           <a:p>
             <a:pPr lvl="4"/>
             <a:r>
-              <a:rPr lang="en-US" smtClean="0"/>
+              <a:rPr lang="en-US"/>
               <a:t>Fifth level</a:t>
             </a:r>
-            <a:endParaRPr lang="en-US"/>
           </a:p>
         </p:txBody>
       </p:sp>
@@ -14104,7 +13932,7 @@
                 </a:solidFill>
               </a:rPr>
               <a:pPr/>
-              <a:t>4/6/2011</a:t>
+              <a:t>11/22/2024</a:t>
             </a:fld>
             <a:endParaRPr lang="en-US" dirty="0">
               <a:solidFill>
@@ -14180,7 +14008,7 @@
     </p:spTree>
     <p:extLst>
       <p:ext uri="{BB962C8B-B14F-4D97-AF65-F5344CB8AC3E}">
-        <p14:creationId xmlns="" xmlns:p14="http://schemas.microsoft.com/office/powerpoint/2010/main" val="2672017652"/>
+        <p14:creationId xmlns:p14="http://schemas.microsoft.com/office/powerpoint/2010/main" val="2672017652"/>
       </p:ext>
     </p:extLst>
   </p:cSld>
@@ -14223,10 +14051,9 @@
           <a:lstStyle/>
           <a:p>
             <a:r>
-              <a:rPr lang="en-US" smtClean="0"/>
+              <a:rPr lang="en-US"/>
               <a:t>Click to edit Master title style</a:t>
             </a:r>
-            <a:endParaRPr lang="en-US"/>
           </a:p>
         </p:txBody>
       </p:sp>
@@ -14254,7 +14081,7 @@
                 </a:solidFill>
               </a:rPr>
               <a:pPr/>
-              <a:t>4/6/2011</a:t>
+              <a:t>11/22/2024</a:t>
             </a:fld>
             <a:endParaRPr lang="en-US" dirty="0">
               <a:solidFill>
@@ -14330,7 +14157,7 @@
     </p:spTree>
     <p:extLst>
       <p:ext uri="{BB962C8B-B14F-4D97-AF65-F5344CB8AC3E}">
-        <p14:creationId xmlns="" xmlns:p14="http://schemas.microsoft.com/office/powerpoint/2010/main" val="3574044779"/>
+        <p14:creationId xmlns:p14="http://schemas.microsoft.com/office/powerpoint/2010/main" val="3574044779"/>
       </p:ext>
     </p:extLst>
   </p:cSld>
@@ -14381,10 +14208,9 @@
           <a:lstStyle/>
           <a:p>
             <a:r>
-              <a:rPr lang="en-US" smtClean="0"/>
+              <a:rPr lang="en-US"/>
               <a:t>Click to edit Master title style</a:t>
             </a:r>
-            <a:endParaRPr lang="en-US"/>
           </a:p>
         </p:txBody>
       </p:sp>
@@ -14413,38 +14239,37 @@
           <a:p>
             <a:pPr lvl="0"/>
             <a:r>
-              <a:rPr lang="en-US" smtClean="0"/>
+              <a:rPr lang="en-US"/>
               <a:t>Click to edit Master text styles</a:t>
             </a:r>
           </a:p>
           <a:p>
             <a:pPr lvl="1"/>
             <a:r>
-              <a:rPr lang="en-US" smtClean="0"/>
+              <a:rPr lang="en-US"/>
               <a:t>Second level</a:t>
             </a:r>
           </a:p>
           <a:p>
             <a:pPr lvl="2"/>
             <a:r>
-              <a:rPr lang="en-US" smtClean="0"/>
+              <a:rPr lang="en-US"/>
               <a:t>Third level</a:t>
             </a:r>
           </a:p>
           <a:p>
             <a:pPr lvl="3"/>
             <a:r>
-              <a:rPr lang="en-US" smtClean="0"/>
+              <a:rPr lang="en-US"/>
               <a:t>Fourth level</a:t>
             </a:r>
           </a:p>
           <a:p>
             <a:pPr lvl="4"/>
             <a:r>
-              <a:rPr lang="en-US" smtClean="0"/>
+              <a:rPr lang="en-US"/>
               <a:t>Fifth level</a:t>
             </a:r>
-            <a:endParaRPr lang="en-US"/>
           </a:p>
         </p:txBody>
       </p:sp>
@@ -14472,7 +14297,7 @@
                 </a:solidFill>
               </a:rPr>
               <a:pPr/>
-              <a:t>4/6/2011</a:t>
+              <a:t>11/22/2024</a:t>
             </a:fld>
             <a:endParaRPr lang="en-US" dirty="0">
               <a:solidFill>
@@ -14548,20 +14373,13 @@
     </p:spTree>
     <p:extLst>
       <p:ext uri="{BB962C8B-B14F-4D97-AF65-F5344CB8AC3E}">
-        <p14:creationId xmlns="" xmlns:p14="http://schemas.microsoft.com/office/powerpoint/2010/main" val="1788465412"/>
+        <p14:creationId xmlns:p14="http://schemas.microsoft.com/office/powerpoint/2010/main" val="1788465412"/>
       </p:ext>
     </p:extLst>
   </p:cSld>
   <p:clrMapOvr>
     <a:masterClrMapping/>
   </p:clrMapOvr>
-  <p:timing>
-    <p:tnLst>
-      <p:par>
-        <p:cTn id="1" dur="indefinite" restart="never" nodeType="tmRoot"/>
-      </p:par>
-    </p:tnLst>
-  </p:timing>
 </p:sldLayout>
 </file>
 
@@ -14606,10 +14424,9 @@
           <a:lstStyle/>
           <a:p>
             <a:r>
-              <a:rPr lang="en-US" smtClean="0"/>
+              <a:rPr lang="en-US"/>
               <a:t>Click to edit Master title style</a:t>
             </a:r>
-            <a:endParaRPr lang="en-US"/>
           </a:p>
         </p:txBody>
       </p:sp>
@@ -14728,10 +14545,9 @@
           </a:lstStyle>
           <a:p>
             <a:r>
-              <a:rPr lang="en-US" smtClean="0"/>
+              <a:rPr lang="en-US"/>
               <a:t>Click to edit Master subtitle style</a:t>
             </a:r>
-            <a:endParaRPr lang="en-US"/>
           </a:p>
         </p:txBody>
       </p:sp>
@@ -14759,7 +14575,7 @@
                 </a:solidFill>
               </a:rPr>
               <a:pPr/>
-              <a:t>4/6/2011</a:t>
+              <a:t>11/22/2024</a:t>
             </a:fld>
             <a:endParaRPr lang="en-US" dirty="0">
               <a:solidFill>
@@ -14835,20 +14651,13 @@
     </p:spTree>
     <p:extLst>
       <p:ext uri="{BB962C8B-B14F-4D97-AF65-F5344CB8AC3E}">
-        <p14:creationId xmlns="" xmlns:p14="http://schemas.microsoft.com/office/powerpoint/2010/main" val="2263973693"/>
+        <p14:creationId xmlns:p14="http://schemas.microsoft.com/office/powerpoint/2010/main" val="2263973693"/>
       </p:ext>
     </p:extLst>
   </p:cSld>
   <p:clrMapOvr>
     <a:masterClrMapping/>
   </p:clrMapOvr>
-  <p:timing>
-    <p:tnLst>
-      <p:par>
-        <p:cTn id="1" dur="indefinite" restart="never" nodeType="tmRoot"/>
-      </p:par>
-    </p:tnLst>
-  </p:timing>
 </p:sldLayout>
 </file>
 
@@ -14872,20 +14681,13 @@
     </p:spTree>
     <p:extLst>
       <p:ext uri="{BB962C8B-B14F-4D97-AF65-F5344CB8AC3E}">
-        <p14:creationId xmlns="" xmlns:p14="http://schemas.microsoft.com/office/powerpoint/2010/main" val="1196995132"/>
+        <p14:creationId xmlns:p14="http://schemas.microsoft.com/office/powerpoint/2010/main" val="1196995132"/>
       </p:ext>
     </p:extLst>
   </p:cSld>
   <p:clrMapOvr>
     <a:masterClrMapping/>
   </p:clrMapOvr>
-  <p:timing>
-    <p:tnLst>
-      <p:par>
-        <p:cTn id="1" dur="indefinite" restart="never" nodeType="tmRoot"/>
-      </p:par>
-    </p:tnLst>
-  </p:timing>
 </p:sldLayout>
 </file>
 
@@ -14934,10 +14736,9 @@
           </a:lstStyle>
           <a:p>
             <a:r>
-              <a:rPr lang="en-US" smtClean="0"/>
+              <a:rPr lang="en-US"/>
               <a:t>Click to edit Master title style</a:t>
             </a:r>
-            <a:endParaRPr lang="en-US"/>
           </a:p>
         </p:txBody>
       </p:sp>
@@ -15057,7 +14858,7 @@
           <a:p>
             <a:pPr lvl="0"/>
             <a:r>
-              <a:rPr lang="en-US" smtClean="0"/>
+              <a:rPr lang="en-US"/>
               <a:t>Click to edit Master text styles</a:t>
             </a:r>
           </a:p>
@@ -15087,7 +14888,7 @@
                 </a:solidFill>
               </a:rPr>
               <a:pPr/>
-              <a:t>4/6/2011</a:t>
+              <a:t>11/22/2024</a:t>
             </a:fld>
             <a:endParaRPr lang="en-US" dirty="0">
               <a:solidFill>
@@ -15163,7 +14964,7 @@
     </p:spTree>
     <p:extLst>
       <p:ext uri="{BB962C8B-B14F-4D97-AF65-F5344CB8AC3E}">
-        <p14:creationId xmlns="" xmlns:p14="http://schemas.microsoft.com/office/powerpoint/2010/main" val="3809534398"/>
+        <p14:creationId xmlns:p14="http://schemas.microsoft.com/office/powerpoint/2010/main" val="3809534398"/>
       </p:ext>
     </p:extLst>
   </p:cSld>
@@ -15214,10 +15015,9 @@
           <a:lstStyle/>
           <a:p>
             <a:r>
-              <a:rPr lang="en-US" smtClean="0"/>
+              <a:rPr lang="en-US"/>
               <a:t>Click to edit Master title style</a:t>
             </a:r>
-            <a:endParaRPr lang="en-US"/>
           </a:p>
         </p:txBody>
       </p:sp>
@@ -15274,38 +15074,37 @@
           <a:p>
             <a:pPr lvl="0"/>
             <a:r>
-              <a:rPr lang="en-US" smtClean="0"/>
+              <a:rPr lang="en-US"/>
               <a:t>Click to edit Master text styles</a:t>
             </a:r>
           </a:p>
           <a:p>
             <a:pPr lvl="1"/>
             <a:r>
-              <a:rPr lang="en-US" smtClean="0"/>
+              <a:rPr lang="en-US"/>
               <a:t>Second level</a:t>
             </a:r>
           </a:p>
           <a:p>
             <a:pPr lvl="2"/>
             <a:r>
-              <a:rPr lang="en-US" smtClean="0"/>
+              <a:rPr lang="en-US"/>
               <a:t>Third level</a:t>
             </a:r>
           </a:p>
           <a:p>
             <a:pPr lvl="3"/>
             <a:r>
-              <a:rPr lang="en-US" smtClean="0"/>
+              <a:rPr lang="en-US"/>
               <a:t>Fourth level</a:t>
             </a:r>
           </a:p>
           <a:p>
             <a:pPr lvl="4"/>
             <a:r>
-              <a:rPr lang="en-US" smtClean="0"/>
+              <a:rPr lang="en-US"/>
               <a:t>Fifth level</a:t>
             </a:r>
-            <a:endParaRPr lang="en-US"/>
           </a:p>
         </p:txBody>
       </p:sp>
@@ -15362,38 +15161,37 @@
           <a:p>
             <a:pPr lvl="0"/>
             <a:r>
-              <a:rPr lang="en-US" smtClean="0"/>
+              <a:rPr lang="en-US"/>
               <a:t>Click to edit Master text styles</a:t>
             </a:r>
           </a:p>
           <a:p>
             <a:pPr lvl="1"/>
             <a:r>
-              <a:rPr lang="en-US" smtClean="0"/>
+              <a:rPr lang="en-US"/>
               <a:t>Second level</a:t>
             </a:r>
           </a:p>
           <a:p>
             <a:pPr lvl="2"/>
             <a:r>
-              <a:rPr lang="en-US" smtClean="0"/>
+              <a:rPr lang="en-US"/>
               <a:t>Third level</a:t>
             </a:r>
           </a:p>
           <a:p>
             <a:pPr lvl="3"/>
             <a:r>
-              <a:rPr lang="en-US" smtClean="0"/>
+              <a:rPr lang="en-US"/>
               <a:t>Fourth level</a:t>
             </a:r>
           </a:p>
           <a:p>
             <a:pPr lvl="4"/>
             <a:r>
-              <a:rPr lang="en-US" smtClean="0"/>
+              <a:rPr lang="en-US"/>
               <a:t>Fifth level</a:t>
             </a:r>
-            <a:endParaRPr lang="en-US"/>
           </a:p>
         </p:txBody>
       </p:sp>
@@ -15421,7 +15219,7 @@
                 </a:solidFill>
               </a:rPr>
               <a:pPr/>
-              <a:t>4/6/2011</a:t>
+              <a:t>11/22/2024</a:t>
             </a:fld>
             <a:endParaRPr lang="en-US" dirty="0">
               <a:solidFill>
@@ -15497,20 +15295,13 @@
     </p:spTree>
     <p:extLst>
       <p:ext uri="{BB962C8B-B14F-4D97-AF65-F5344CB8AC3E}">
-        <p14:creationId xmlns="" xmlns:p14="http://schemas.microsoft.com/office/powerpoint/2010/main" val="2053261273"/>
+        <p14:creationId xmlns:p14="http://schemas.microsoft.com/office/powerpoint/2010/main" val="2053261273"/>
       </p:ext>
     </p:extLst>
   </p:cSld>
   <p:clrMapOvr>
     <a:masterClrMapping/>
   </p:clrMapOvr>
-  <p:timing>
-    <p:tnLst>
-      <p:par>
-        <p:cTn id="1" dur="indefinite" restart="never" nodeType="tmRoot"/>
-      </p:par>
-    </p:tnLst>
-  </p:timing>
 </p:sldLayout>
 </file>
 
@@ -15559,10 +15350,9 @@
           </a:lstStyle>
           <a:p>
             <a:r>
-              <a:rPr lang="en-US" smtClean="0"/>
+              <a:rPr lang="en-US"/>
               <a:t>Click to edit Master title style</a:t>
             </a:r>
-            <a:endParaRPr lang="en-US"/>
           </a:p>
         </p:txBody>
       </p:sp>
@@ -15628,7 +15418,7 @@
           <a:p>
             <a:pPr lvl="0"/>
             <a:r>
-              <a:rPr lang="en-US" smtClean="0"/>
+              <a:rPr lang="en-US"/>
               <a:t>Click to edit Master text styles</a:t>
             </a:r>
           </a:p>
@@ -15687,38 +15477,37 @@
           <a:p>
             <a:pPr lvl="0"/>
             <a:r>
-              <a:rPr lang="en-US" smtClean="0"/>
+              <a:rPr lang="en-US"/>
               <a:t>Click to edit Master text styles</a:t>
             </a:r>
           </a:p>
           <a:p>
             <a:pPr lvl="1"/>
             <a:r>
-              <a:rPr lang="en-US" smtClean="0"/>
+              <a:rPr lang="en-US"/>
               <a:t>Second level</a:t>
             </a:r>
           </a:p>
           <a:p>
             <a:pPr lvl="2"/>
             <a:r>
-              <a:rPr lang="en-US" smtClean="0"/>
+              <a:rPr lang="en-US"/>
               <a:t>Third level</a:t>
             </a:r>
           </a:p>
           <a:p>
             <a:pPr lvl="3"/>
             <a:r>
-              <a:rPr lang="en-US" smtClean="0"/>
+              <a:rPr lang="en-US"/>
               <a:t>Fourth level</a:t>
             </a:r>
           </a:p>
           <a:p>
             <a:pPr lvl="4"/>
             <a:r>
-              <a:rPr lang="en-US" smtClean="0"/>
+              <a:rPr lang="en-US"/>
               <a:t>Fifth level</a:t>
             </a:r>
-            <a:endParaRPr lang="en-US"/>
           </a:p>
         </p:txBody>
       </p:sp>
@@ -15784,7 +15573,7 @@
           <a:p>
             <a:pPr lvl="0"/>
             <a:r>
-              <a:rPr lang="en-US" smtClean="0"/>
+              <a:rPr lang="en-US"/>
               <a:t>Click to edit Master text styles</a:t>
             </a:r>
           </a:p>
@@ -15843,38 +15632,37 @@
           <a:p>
             <a:pPr lvl="0"/>
             <a:r>
-              <a:rPr lang="en-US" smtClean="0"/>
+              <a:rPr lang="en-US"/>
               <a:t>Click to edit Master text styles</a:t>
             </a:r>
           </a:p>
           <a:p>
             <a:pPr lvl="1"/>
             <a:r>
-              <a:rPr lang="en-US" smtClean="0"/>
+              <a:rPr lang="en-US"/>
               <a:t>Second level</a:t>
             </a:r>
           </a:p>
           <a:p>
             <a:pPr lvl="2"/>
             <a:r>
-              <a:rPr lang="en-US" smtClean="0"/>
+              <a:rPr lang="en-US"/>
               <a:t>Third level</a:t>
             </a:r>
           </a:p>
           <a:p>
             <a:pPr lvl="3"/>
             <a:r>
-              <a:rPr lang="en-US" smtClean="0"/>
+              <a:rPr lang="en-US"/>
               <a:t>Fourth level</a:t>
             </a:r>
           </a:p>
           <a:p>
             <a:pPr lvl="4"/>
             <a:r>
-              <a:rPr lang="en-US" smtClean="0"/>
+              <a:rPr lang="en-US"/>
               <a:t>Fifth level</a:t>
             </a:r>
-            <a:endParaRPr lang="en-US"/>
           </a:p>
         </p:txBody>
       </p:sp>
@@ -15902,7 +15690,7 @@
                 </a:solidFill>
               </a:rPr>
               <a:pPr/>
-              <a:t>4/6/2011</a:t>
+              <a:t>11/22/2024</a:t>
             </a:fld>
             <a:endParaRPr lang="en-US" dirty="0">
               <a:solidFill>
@@ -15978,7 +15766,7 @@
     </p:spTree>
     <p:extLst>
       <p:ext uri="{BB962C8B-B14F-4D97-AF65-F5344CB8AC3E}">
-        <p14:creationId xmlns="" xmlns:p14="http://schemas.microsoft.com/office/powerpoint/2010/main" val="2311139995"/>
+        <p14:creationId xmlns:p14="http://schemas.microsoft.com/office/powerpoint/2010/main" val="2311139995"/>
       </p:ext>
     </p:extLst>
   </p:cSld>
@@ -16029,10 +15817,9 @@
           <a:lstStyle/>
           <a:p>
             <a:r>
-              <a:rPr lang="en-US" smtClean="0"/>
+              <a:rPr lang="en-US"/>
               <a:t>Click to edit Master title style</a:t>
             </a:r>
-            <a:endParaRPr lang="en-US"/>
           </a:p>
         </p:txBody>
       </p:sp>
@@ -16060,7 +15847,7 @@
                 </a:solidFill>
               </a:rPr>
               <a:pPr/>
-              <a:t>4/6/2011</a:t>
+              <a:t>11/22/2024</a:t>
             </a:fld>
             <a:endParaRPr lang="en-US" dirty="0">
               <a:solidFill>
@@ -16136,7 +15923,7 @@
     </p:spTree>
     <p:extLst>
       <p:ext uri="{BB962C8B-B14F-4D97-AF65-F5344CB8AC3E}">
-        <p14:creationId xmlns="" xmlns:p14="http://schemas.microsoft.com/office/powerpoint/2010/main" val="3945832628"/>
+        <p14:creationId xmlns:p14="http://schemas.microsoft.com/office/powerpoint/2010/main" val="3945832628"/>
       </p:ext>
     </p:extLst>
   </p:cSld>
@@ -16187,7 +15974,7 @@
                 </a:solidFill>
               </a:rPr>
               <a:pPr/>
-              <a:t>4/6/2011</a:t>
+              <a:t>11/22/2024</a:t>
             </a:fld>
             <a:endParaRPr lang="en-US" dirty="0">
               <a:solidFill>
@@ -16263,7 +16050,7 @@
     </p:spTree>
     <p:extLst>
       <p:ext uri="{BB962C8B-B14F-4D97-AF65-F5344CB8AC3E}">
-        <p14:creationId xmlns="" xmlns:p14="http://schemas.microsoft.com/office/powerpoint/2010/main" val="3939123334"/>
+        <p14:creationId xmlns:p14="http://schemas.microsoft.com/office/powerpoint/2010/main" val="3939123334"/>
       </p:ext>
     </p:extLst>
   </p:cSld>
@@ -16318,10 +16105,9 @@
           </a:lstStyle>
           <a:p>
             <a:r>
-              <a:rPr lang="en-US" smtClean="0"/>
+              <a:rPr lang="en-US"/>
               <a:t>Click to edit Master title style</a:t>
             </a:r>
-            <a:endParaRPr lang="en-US"/>
           </a:p>
         </p:txBody>
       </p:sp>
@@ -16378,38 +16164,37 @@
           <a:p>
             <a:pPr lvl="0"/>
             <a:r>
-              <a:rPr lang="en-US" smtClean="0"/>
+              <a:rPr lang="en-US"/>
               <a:t>Click to edit Master text styles</a:t>
             </a:r>
           </a:p>
           <a:p>
             <a:pPr lvl="1"/>
             <a:r>
-              <a:rPr lang="en-US" smtClean="0"/>
+              <a:rPr lang="en-US"/>
               <a:t>Second level</a:t>
             </a:r>
           </a:p>
           <a:p>
             <a:pPr lvl="2"/>
             <a:r>
-              <a:rPr lang="en-US" smtClean="0"/>
+              <a:rPr lang="en-US"/>
               <a:t>Third level</a:t>
             </a:r>
           </a:p>
           <a:p>
             <a:pPr lvl="3"/>
             <a:r>
-              <a:rPr lang="en-US" smtClean="0"/>
+              <a:rPr lang="en-US"/>
               <a:t>Fourth level</a:t>
             </a:r>
           </a:p>
           <a:p>
             <a:pPr lvl="4"/>
             <a:r>
-              <a:rPr lang="en-US" smtClean="0"/>
+              <a:rPr lang="en-US"/>
               <a:t>Fifth level</a:t>
             </a:r>
-            <a:endParaRPr lang="en-US"/>
           </a:p>
         </p:txBody>
       </p:sp>
@@ -16475,7 +16260,7 @@
           <a:p>
             <a:pPr lvl="0"/>
             <a:r>
-              <a:rPr lang="en-US" smtClean="0"/>
+              <a:rPr lang="en-US"/>
               <a:t>Click to edit Master text styles</a:t>
             </a:r>
           </a:p>
@@ -16505,7 +16290,7 @@
                 </a:solidFill>
               </a:rPr>
               <a:pPr/>
-              <a:t>4/6/2011</a:t>
+              <a:t>11/22/2024</a:t>
             </a:fld>
             <a:endParaRPr lang="en-US" dirty="0">
               <a:solidFill>
@@ -16581,7 +16366,7 @@
     </p:spTree>
     <p:extLst>
       <p:ext uri="{BB962C8B-B14F-4D97-AF65-F5344CB8AC3E}">
-        <p14:creationId xmlns="" xmlns:p14="http://schemas.microsoft.com/office/powerpoint/2010/main" val="2582788040"/>
+        <p14:creationId xmlns:p14="http://schemas.microsoft.com/office/powerpoint/2010/main" val="2582788040"/>
       </p:ext>
     </p:extLst>
   </p:cSld>
@@ -16636,10 +16421,9 @@
           </a:lstStyle>
           <a:p>
             <a:r>
-              <a:rPr lang="en-US" smtClean="0"/>
+              <a:rPr lang="en-US"/>
               <a:t>Click to edit Master title style</a:t>
             </a:r>
-            <a:endParaRPr lang="en-US"/>
           </a:p>
         </p:txBody>
       </p:sp>
@@ -16769,7 +16553,7 @@
           <a:p>
             <a:pPr lvl="0"/>
             <a:r>
-              <a:rPr lang="en-US" smtClean="0"/>
+              <a:rPr lang="en-US"/>
               <a:t>Click to edit Master text styles</a:t>
             </a:r>
           </a:p>
@@ -16799,7 +16583,7 @@
                 </a:solidFill>
               </a:rPr>
               <a:pPr/>
-              <a:t>4/6/2011</a:t>
+              <a:t>11/22/2024</a:t>
             </a:fld>
             <a:endParaRPr lang="en-US" dirty="0">
               <a:solidFill>
@@ -16875,7 +16659,7 @@
     </p:spTree>
     <p:extLst>
       <p:ext uri="{BB962C8B-B14F-4D97-AF65-F5344CB8AC3E}">
-        <p14:creationId xmlns="" xmlns:p14="http://schemas.microsoft.com/office/powerpoint/2010/main" val="3999317584"/>
+        <p14:creationId xmlns:p14="http://schemas.microsoft.com/office/powerpoint/2010/main" val="3999317584"/>
       </p:ext>
     </p:extLst>
   </p:cSld>
@@ -16926,7 +16710,7 @@
                 </a:solidFill>
               </a:rPr>
               <a:pPr/>
-              <a:t>4/6/2011</a:t>
+              <a:t>11/22/2024</a:t>
             </a:fld>
             <a:endParaRPr lang="en-US" dirty="0">
               <a:solidFill>
@@ -17002,7 +16786,7 @@
     </p:spTree>
     <p:extLst>
       <p:ext uri="{BB962C8B-B14F-4D97-AF65-F5344CB8AC3E}">
-        <p14:creationId xmlns="" xmlns:p14="http://schemas.microsoft.com/office/powerpoint/2010/main" val="2853206186"/>
+        <p14:creationId xmlns:p14="http://schemas.microsoft.com/office/powerpoint/2010/main" val="2853206186"/>
       </p:ext>
     </p:extLst>
   </p:cSld>
@@ -17053,10 +16837,9 @@
           <a:lstStyle/>
           <a:p>
             <a:r>
-              <a:rPr lang="en-US" smtClean="0"/>
+              <a:rPr lang="en-US"/>
               <a:t>Click to edit Master title style</a:t>
             </a:r>
-            <a:endParaRPr lang="en-US"/>
           </a:p>
         </p:txBody>
       </p:sp>
@@ -17085,38 +16868,37 @@
           <a:p>
             <a:pPr lvl="0"/>
             <a:r>
-              <a:rPr lang="en-US" smtClean="0"/>
+              <a:rPr lang="en-US"/>
               <a:t>Click to edit Master text styles</a:t>
             </a:r>
           </a:p>
           <a:p>
             <a:pPr lvl="1"/>
             <a:r>
-              <a:rPr lang="en-US" smtClean="0"/>
+              <a:rPr lang="en-US"/>
               <a:t>Second level</a:t>
             </a:r>
           </a:p>
           <a:p>
             <a:pPr lvl="2"/>
             <a:r>
-              <a:rPr lang="en-US" smtClean="0"/>
+              <a:rPr lang="en-US"/>
               <a:t>Third level</a:t>
             </a:r>
           </a:p>
           <a:p>
             <a:pPr lvl="3"/>
             <a:r>
-              <a:rPr lang="en-US" smtClean="0"/>
+              <a:rPr lang="en-US"/>
               <a:t>Fourth level</a:t>
             </a:r>
           </a:p>
           <a:p>
             <a:pPr lvl="4"/>
             <a:r>
-              <a:rPr lang="en-US" smtClean="0"/>
+              <a:rPr lang="en-US"/>
               <a:t>Fifth level</a:t>
             </a:r>
-            <a:endParaRPr lang="en-US"/>
           </a:p>
         </p:txBody>
       </p:sp>
@@ -17144,7 +16926,7 @@
                 </a:solidFill>
               </a:rPr>
               <a:pPr/>
-              <a:t>4/6/2011</a:t>
+              <a:t>11/22/2024</a:t>
             </a:fld>
             <a:endParaRPr lang="en-US" dirty="0">
               <a:solidFill>
@@ -17220,7 +17002,7 @@
     </p:spTree>
     <p:extLst>
       <p:ext uri="{BB962C8B-B14F-4D97-AF65-F5344CB8AC3E}">
-        <p14:creationId xmlns="" xmlns:p14="http://schemas.microsoft.com/office/powerpoint/2010/main" val="3920640424"/>
+        <p14:creationId xmlns:p14="http://schemas.microsoft.com/office/powerpoint/2010/main" val="3920640424"/>
       </p:ext>
     </p:extLst>
   </p:cSld>
@@ -17271,10 +17053,9 @@
           <a:lstStyle/>
           <a:p>
             <a:r>
-              <a:rPr lang="en-US" smtClean="0"/>
+              <a:rPr lang="en-US"/>
               <a:t>Click to edit Master title style</a:t>
             </a:r>
-            <a:endParaRPr lang="en-US"/>
           </a:p>
         </p:txBody>
       </p:sp>
@@ -17303,38 +17084,37 @@
           <a:p>
             <a:pPr lvl="0"/>
             <a:r>
-              <a:rPr lang="en-US" smtClean="0"/>
+              <a:rPr lang="en-US"/>
               <a:t>Click to edit Master text styles</a:t>
             </a:r>
           </a:p>
           <a:p>
             <a:pPr lvl="1"/>
             <a:r>
-              <a:rPr lang="en-US" smtClean="0"/>
+              <a:rPr lang="en-US"/>
               <a:t>Second level</a:t>
             </a:r>
           </a:p>
           <a:p>
             <a:pPr lvl="2"/>
             <a:r>
-              <a:rPr lang="en-US" smtClean="0"/>
+              <a:rPr lang="en-US"/>
               <a:t>Third level</a:t>
             </a:r>
           </a:p>
           <a:p>
             <a:pPr lvl="3"/>
             <a:r>
-              <a:rPr lang="en-US" smtClean="0"/>
+              <a:rPr lang="en-US"/>
               <a:t>Fourth level</a:t>
             </a:r>
           </a:p>
           <a:p>
             <a:pPr lvl="4"/>
             <a:r>
-              <a:rPr lang="en-US" smtClean="0"/>
+              <a:rPr lang="en-US"/>
               <a:t>Fifth level</a:t>
             </a:r>
-            <a:endParaRPr lang="en-US"/>
           </a:p>
         </p:txBody>
       </p:sp>
@@ -17362,7 +17142,7 @@
                 </a:solidFill>
               </a:rPr>
               <a:pPr/>
-              <a:t>4/6/2011</a:t>
+              <a:t>11/22/2024</a:t>
             </a:fld>
             <a:endParaRPr lang="en-US" dirty="0">
               <a:solidFill>
@@ -17438,7 +17218,7 @@
     </p:spTree>
     <p:extLst>
       <p:ext uri="{BB962C8B-B14F-4D97-AF65-F5344CB8AC3E}">
-        <p14:creationId xmlns="" xmlns:p14="http://schemas.microsoft.com/office/powerpoint/2010/main" val="3811575750"/>
+        <p14:creationId xmlns:p14="http://schemas.microsoft.com/office/powerpoint/2010/main" val="3811575750"/>
       </p:ext>
     </p:extLst>
   </p:cSld>
@@ -17489,10 +17269,9 @@
           <a:lstStyle/>
           <a:p>
             <a:r>
-              <a:rPr lang="en-US" smtClean="0"/>
+              <a:rPr lang="en-US"/>
               <a:t>Click to edit Master title style</a:t>
             </a:r>
-            <a:endParaRPr lang="en-US"/>
           </a:p>
         </p:txBody>
       </p:sp>
@@ -17521,38 +17300,37 @@
           <a:p>
             <a:pPr lvl="0"/>
             <a:r>
-              <a:rPr lang="en-US" smtClean="0"/>
+              <a:rPr lang="en-US"/>
               <a:t>Click to edit Master text styles</a:t>
             </a:r>
           </a:p>
           <a:p>
             <a:pPr lvl="1"/>
             <a:r>
-              <a:rPr lang="en-US" smtClean="0"/>
+              <a:rPr lang="en-US"/>
               <a:t>Second level</a:t>
             </a:r>
           </a:p>
           <a:p>
             <a:pPr lvl="2"/>
             <a:r>
-              <a:rPr lang="en-US" smtClean="0"/>
+              <a:rPr lang="en-US"/>
               <a:t>Third level</a:t>
             </a:r>
           </a:p>
           <a:p>
             <a:pPr lvl="3"/>
             <a:r>
-              <a:rPr lang="en-US" smtClean="0"/>
+              <a:rPr lang="en-US"/>
               <a:t>Fourth level</a:t>
             </a:r>
           </a:p>
           <a:p>
             <a:pPr lvl="4"/>
             <a:r>
-              <a:rPr lang="en-US" smtClean="0"/>
+              <a:rPr lang="en-US"/>
               <a:t>Fifth level</a:t>
             </a:r>
-            <a:endParaRPr lang="en-US"/>
           </a:p>
         </p:txBody>
       </p:sp>
@@ -17580,7 +17358,7 @@
                 </a:solidFill>
               </a:rPr>
               <a:pPr/>
-              <a:t>4/6/2011</a:t>
+              <a:t>11/22/2024</a:t>
             </a:fld>
             <a:endParaRPr lang="en-US" dirty="0">
               <a:solidFill>
@@ -17656,20 +17434,13 @@
     </p:spTree>
     <p:extLst>
       <p:ext uri="{BB962C8B-B14F-4D97-AF65-F5344CB8AC3E}">
-        <p14:creationId xmlns="" xmlns:p14="http://schemas.microsoft.com/office/powerpoint/2010/main" val="521912833"/>
+        <p14:creationId xmlns:p14="http://schemas.microsoft.com/office/powerpoint/2010/main" val="521912833"/>
       </p:ext>
     </p:extLst>
   </p:cSld>
   <p:clrMapOvr>
     <a:masterClrMapping/>
   </p:clrMapOvr>
-  <p:timing>
-    <p:tnLst>
-      <p:par>
-        <p:cTn id="1" dur="indefinite" restart="never" nodeType="tmRoot"/>
-      </p:par>
-    </p:tnLst>
-  </p:timing>
 </p:sldLayout>
 </file>
 
@@ -17715,10 +17486,9 @@
           </a:lstStyle>
           <a:p>
             <a:r>
-              <a:rPr lang="en-US" smtClean="0"/>
+              <a:rPr lang="en-US"/>
               <a:t>Click to edit Master title style</a:t>
             </a:r>
-            <a:endParaRPr lang="en-US"/>
           </a:p>
         </p:txBody>
       </p:sp>
@@ -17772,38 +17542,37 @@
           <a:p>
             <a:pPr lvl="0"/>
             <a:r>
-              <a:rPr lang="en-US" smtClean="0"/>
+              <a:rPr lang="en-US"/>
               <a:t>Click to edit Master text styles</a:t>
             </a:r>
           </a:p>
           <a:p>
             <a:pPr lvl="1"/>
             <a:r>
-              <a:rPr lang="en-US" smtClean="0"/>
+              <a:rPr lang="en-US"/>
               <a:t>Second level</a:t>
             </a:r>
           </a:p>
           <a:p>
             <a:pPr lvl="2"/>
             <a:r>
-              <a:rPr lang="en-US" smtClean="0"/>
+              <a:rPr lang="en-US"/>
               <a:t>Third level</a:t>
             </a:r>
           </a:p>
           <a:p>
             <a:pPr lvl="3"/>
             <a:r>
-              <a:rPr lang="en-US" smtClean="0"/>
+              <a:rPr lang="en-US"/>
               <a:t>Fourth level</a:t>
             </a:r>
           </a:p>
           <a:p>
             <a:pPr lvl="4"/>
             <a:r>
-              <a:rPr lang="en-US" smtClean="0"/>
+              <a:rPr lang="en-US"/>
               <a:t>Fifth level</a:t>
             </a:r>
-            <a:endParaRPr lang="en-US"/>
           </a:p>
         </p:txBody>
       </p:sp>
@@ -17866,7 +17635,7 @@
           <a:p>
             <a:pPr lvl="0"/>
             <a:r>
-              <a:rPr lang="en-US" smtClean="0"/>
+              <a:rPr lang="en-US"/>
               <a:t>Click to edit Master text styles</a:t>
             </a:r>
           </a:p>
@@ -17896,7 +17665,7 @@
                 </a:solidFill>
               </a:rPr>
               <a:pPr/>
-              <a:t>4/6/2011</a:t>
+              <a:t>11/22/2024</a:t>
             </a:fld>
             <a:endParaRPr lang="en-US" dirty="0">
               <a:solidFill>
@@ -17972,7 +17741,7 @@
     </p:spTree>
     <p:extLst>
       <p:ext uri="{BB962C8B-B14F-4D97-AF65-F5344CB8AC3E}">
-        <p14:creationId xmlns="" xmlns:p14="http://schemas.microsoft.com/office/powerpoint/2010/main" val="3097123311"/>
+        <p14:creationId xmlns:p14="http://schemas.microsoft.com/office/powerpoint/2010/main" val="3097123311"/>
       </p:ext>
     </p:extLst>
   </p:cSld>
@@ -18024,10 +17793,9 @@
           </a:lstStyle>
           <a:p>
             <a:r>
-              <a:rPr lang="en-US" smtClean="0"/>
+              <a:rPr lang="en-US"/>
               <a:t>Click to edit Master title style</a:t>
             </a:r>
-            <a:endParaRPr lang="en-US"/>
           </a:p>
         </p:txBody>
       </p:sp>
@@ -18089,10 +17857,9 @@
           </a:lstStyle>
           <a:p>
             <a:r>
-              <a:rPr lang="en-US" dirty="0" smtClean="0"/>
+              <a:rPr lang="en-US" dirty="0"/>
               <a:t>Click icon to add picture</a:t>
             </a:r>
-            <a:endParaRPr lang="en-US" dirty="0"/>
           </a:p>
         </p:txBody>
       </p:sp>
@@ -18155,7 +17922,7 @@
           <a:p>
             <a:pPr lvl="0"/>
             <a:r>
-              <a:rPr lang="en-US" smtClean="0"/>
+              <a:rPr lang="en-US"/>
               <a:t>Click to edit Master text styles</a:t>
             </a:r>
           </a:p>
@@ -18185,7 +17952,7 @@
                 </a:solidFill>
               </a:rPr>
               <a:pPr/>
-              <a:t>4/6/2011</a:t>
+              <a:t>11/22/2024</a:t>
             </a:fld>
             <a:endParaRPr lang="en-US" dirty="0">
               <a:solidFill>
@@ -18261,7 +18028,7 @@
     </p:spTree>
     <p:extLst>
       <p:ext uri="{BB962C8B-B14F-4D97-AF65-F5344CB8AC3E}">
-        <p14:creationId xmlns="" xmlns:p14="http://schemas.microsoft.com/office/powerpoint/2010/main" val="3056489130"/>
+        <p14:creationId xmlns:p14="http://schemas.microsoft.com/office/powerpoint/2010/main" val="3056489130"/>
       </p:ext>
     </p:extLst>
   </p:cSld>
@@ -18319,10 +18086,9 @@
           <a:lstStyle/>
           <a:p>
             <a:r>
-              <a:rPr lang="en-US" smtClean="0"/>
+              <a:rPr lang="en-US"/>
               <a:t>Click to edit Master title style</a:t>
             </a:r>
-            <a:endParaRPr lang="en-US"/>
           </a:p>
         </p:txBody>
       </p:sp>
@@ -18353,38 +18119,37 @@
           <a:p>
             <a:pPr lvl="0"/>
             <a:r>
-              <a:rPr lang="en-US" dirty="0" smtClean="0"/>
+              <a:rPr lang="en-US" dirty="0"/>
               <a:t>Click to edit Master text styles</a:t>
             </a:r>
           </a:p>
           <a:p>
             <a:pPr lvl="1"/>
             <a:r>
-              <a:rPr lang="en-US" dirty="0" smtClean="0"/>
+              <a:rPr lang="en-US" dirty="0"/>
               <a:t>Second level</a:t>
             </a:r>
           </a:p>
           <a:p>
             <a:pPr lvl="2"/>
             <a:r>
-              <a:rPr lang="en-US" dirty="0" smtClean="0"/>
+              <a:rPr lang="en-US" dirty="0"/>
               <a:t>Third level</a:t>
             </a:r>
           </a:p>
           <a:p>
             <a:pPr lvl="3"/>
             <a:r>
-              <a:rPr lang="en-US" dirty="0" smtClean="0"/>
+              <a:rPr lang="en-US" dirty="0"/>
               <a:t>Fourth level</a:t>
             </a:r>
           </a:p>
           <a:p>
             <a:pPr lvl="4"/>
             <a:r>
-              <a:rPr lang="en-US" dirty="0" smtClean="0"/>
+              <a:rPr lang="en-US" dirty="0"/>
               <a:t>Fifth level</a:t>
             </a:r>
-            <a:endParaRPr lang="en-US" dirty="0"/>
           </a:p>
         </p:txBody>
       </p:sp>
@@ -18430,7 +18195,7 @@
                 </a:solidFill>
               </a:rPr>
               <a:pPr/>
-              <a:t>4/6/2011</a:t>
+              <a:t>11/22/2024</a:t>
             </a:fld>
             <a:endParaRPr lang="en-US" dirty="0">
               <a:solidFill>
@@ -18563,17 +18328,16 @@
           <a:p>
             <a:pPr algn="r"/>
             <a:r>
-              <a:rPr lang="en-US" sz="900" dirty="0" smtClean="0"/>
+              <a:rPr lang="en-US" sz="900" dirty="0"/>
               <a:t>Jennifer Widom</a:t>
             </a:r>
-            <a:endParaRPr lang="en-US" sz="900" dirty="0"/>
           </a:p>
         </p:txBody>
       </p:sp>
     </p:spTree>
     <p:extLst>
       <p:ext uri="{BB962C8B-B14F-4D97-AF65-F5344CB8AC3E}">
-        <p14:creationId xmlns="" xmlns:p14="http://schemas.microsoft.com/office/powerpoint/2010/main" val="2750144476"/>
+        <p14:creationId xmlns:p14="http://schemas.microsoft.com/office/powerpoint/2010/main" val="2750144476"/>
       </p:ext>
     </p:extLst>
   </p:cSld>
@@ -18592,13 +18356,6 @@
     <p:sldLayoutId id="2147483800" r:id="rId11"/>
     <p:sldLayoutId id="2147483801" r:id="rId12"/>
   </p:sldLayoutIdLst>
-  <p:timing>
-    <p:tnLst>
-      <p:par>
-        <p:cTn id="1" dur="indefinite" restart="never" nodeType="tmRoot"/>
-      </p:par>
-    </p:tnLst>
-  </p:timing>
   <p:txStyles>
     <p:titleStyle>
       <a:lvl1pPr algn="ctr" defTabSz="914400" rtl="0" eaLnBrk="1" latinLnBrk="0" hangingPunct="1">
@@ -18900,10 +18657,9 @@
           <a:lstStyle/>
           <a:p>
             <a:r>
-              <a:rPr lang="en-US" smtClean="0"/>
+              <a:rPr lang="en-US"/>
               <a:t>Click to edit Master title style</a:t>
             </a:r>
-            <a:endParaRPr lang="en-US"/>
           </a:p>
         </p:txBody>
       </p:sp>
@@ -18934,38 +18690,37 @@
           <a:p>
             <a:pPr lvl="0"/>
             <a:r>
-              <a:rPr lang="en-US" dirty="0" smtClean="0"/>
+              <a:rPr lang="en-US" dirty="0"/>
               <a:t>Click to edit Master text styles</a:t>
             </a:r>
           </a:p>
           <a:p>
             <a:pPr lvl="1"/>
             <a:r>
-              <a:rPr lang="en-US" dirty="0" smtClean="0"/>
+              <a:rPr lang="en-US" dirty="0"/>
               <a:t>Second level</a:t>
             </a:r>
           </a:p>
           <a:p>
             <a:pPr lvl="2"/>
             <a:r>
-              <a:rPr lang="en-US" dirty="0" smtClean="0"/>
+              <a:rPr lang="en-US" dirty="0"/>
               <a:t>Third level</a:t>
             </a:r>
           </a:p>
           <a:p>
             <a:pPr lvl="3"/>
             <a:r>
-              <a:rPr lang="en-US" dirty="0" smtClean="0"/>
+              <a:rPr lang="en-US" dirty="0"/>
               <a:t>Fourth level</a:t>
             </a:r>
           </a:p>
           <a:p>
             <a:pPr lvl="4"/>
             <a:r>
-              <a:rPr lang="en-US" dirty="0" smtClean="0"/>
+              <a:rPr lang="en-US" dirty="0"/>
               <a:t>Fifth level</a:t>
             </a:r>
-            <a:endParaRPr lang="en-US" dirty="0"/>
           </a:p>
         </p:txBody>
       </p:sp>
@@ -19011,7 +18766,7 @@
                 </a:solidFill>
               </a:rPr>
               <a:pPr/>
-              <a:t>4/6/2011</a:t>
+              <a:t>11/22/2024</a:t>
             </a:fld>
             <a:endParaRPr lang="en-US" dirty="0">
               <a:solidFill>
@@ -19132,7 +18887,7 @@
           <a:blip r:embed="rId14" cstate="print">
             <a:extLst>
               <a:ext uri="{28A0092B-C50C-407E-A947-70E740481C1C}">
-                <a14:useLocalDpi xmlns="" xmlns:a14="http://schemas.microsoft.com/office/drawing/2010/main" val="0"/>
+                <a14:useLocalDpi xmlns:a14="http://schemas.microsoft.com/office/drawing/2010/main" val="0"/>
               </a:ext>
             </a:extLst>
           </a:blip>
@@ -19152,7 +18907,7 @@
           <a:noFill/>
           <a:extLst>
             <a:ext uri="{909E8E84-426E-40DD-AFC4-6F175D3DCCD1}">
-              <a14:hiddenFill xmlns="" xmlns:a14="http://schemas.microsoft.com/office/drawing/2010/main">
+              <a14:hiddenFill xmlns:a14="http://schemas.microsoft.com/office/drawing/2010/main">
                 <a:solidFill>
                   <a:srgbClr val="FFFFFF"/>
                 </a:solidFill>
@@ -19173,7 +18928,7 @@
           <a:blip r:embed="rId14" cstate="print">
             <a:extLst>
               <a:ext uri="{28A0092B-C50C-407E-A947-70E740481C1C}">
-                <a14:useLocalDpi xmlns="" xmlns:a14="http://schemas.microsoft.com/office/drawing/2010/main" val="0"/>
+                <a14:useLocalDpi xmlns:a14="http://schemas.microsoft.com/office/drawing/2010/main" val="0"/>
               </a:ext>
             </a:extLst>
           </a:blip>
@@ -19193,7 +18948,7 @@
           <a:noFill/>
           <a:extLst>
             <a:ext uri="{909E8E84-426E-40DD-AFC4-6F175D3DCCD1}">
-              <a14:hiddenFill xmlns="" xmlns:a14="http://schemas.microsoft.com/office/drawing/2010/main">
+              <a14:hiddenFill xmlns:a14="http://schemas.microsoft.com/office/drawing/2010/main">
                 <a:solidFill>
                   <a:srgbClr val="FFFFFF"/>
                 </a:solidFill>
@@ -19214,7 +18969,7 @@
           <a:blip r:embed="rId14" cstate="print">
             <a:extLst>
               <a:ext uri="{28A0092B-C50C-407E-A947-70E740481C1C}">
-                <a14:useLocalDpi xmlns="" xmlns:a14="http://schemas.microsoft.com/office/drawing/2010/main" val="0"/>
+                <a14:useLocalDpi xmlns:a14="http://schemas.microsoft.com/office/drawing/2010/main" val="0"/>
               </a:ext>
             </a:extLst>
           </a:blip>
@@ -19234,7 +18989,7 @@
           <a:noFill/>
           <a:extLst>
             <a:ext uri="{909E8E84-426E-40DD-AFC4-6F175D3DCCD1}">
-              <a14:hiddenFill xmlns="" xmlns:a14="http://schemas.microsoft.com/office/drawing/2010/main">
+              <a14:hiddenFill xmlns:a14="http://schemas.microsoft.com/office/drawing/2010/main">
                 <a:solidFill>
                   <a:srgbClr val="FFFFFF"/>
                 </a:solidFill>
@@ -19255,7 +19010,7 @@
           <a:blip r:embed="rId14" cstate="print">
             <a:extLst>
               <a:ext uri="{28A0092B-C50C-407E-A947-70E740481C1C}">
-                <a14:useLocalDpi xmlns="" xmlns:a14="http://schemas.microsoft.com/office/drawing/2010/main" val="0"/>
+                <a14:useLocalDpi xmlns:a14="http://schemas.microsoft.com/office/drawing/2010/main" val="0"/>
               </a:ext>
             </a:extLst>
           </a:blip>
@@ -19275,7 +19030,7 @@
           <a:noFill/>
           <a:extLst>
             <a:ext uri="{909E8E84-426E-40DD-AFC4-6F175D3DCCD1}">
-              <a14:hiddenFill xmlns="" xmlns:a14="http://schemas.microsoft.com/office/drawing/2010/main">
+              <a14:hiddenFill xmlns:a14="http://schemas.microsoft.com/office/drawing/2010/main">
                 <a:solidFill>
                   <a:srgbClr val="FFFFFF"/>
                 </a:solidFill>
@@ -19307,7 +19062,7 @@
           <a:lstStyle/>
           <a:p>
             <a:r>
-              <a:rPr lang="en-US" sz="1400" dirty="0" smtClean="0">
+              <a:rPr lang="en-US" sz="1400" dirty="0">
                 <a:solidFill>
                   <a:prstClr val="black"/>
                 </a:solidFill>
@@ -19317,25 +19072,20 @@
           </a:p>
           <a:p>
             <a:r>
-              <a:rPr lang="en-US" sz="1400" dirty="0" smtClean="0">
+              <a:rPr lang="en-US" sz="1400" dirty="0">
                 <a:solidFill>
                   <a:prstClr val="black"/>
                 </a:solidFill>
               </a:rPr>
               <a:t>vertLeft1</a:t>
             </a:r>
-            <a:endParaRPr lang="en-US" sz="1400" dirty="0">
-              <a:solidFill>
-                <a:prstClr val="black"/>
-              </a:solidFill>
-            </a:endParaRPr>
           </a:p>
         </p:txBody>
       </p:sp>
     </p:spTree>
     <p:extLst>
       <p:ext uri="{BB962C8B-B14F-4D97-AF65-F5344CB8AC3E}">
-        <p14:creationId xmlns="" xmlns:p14="http://schemas.microsoft.com/office/powerpoint/2010/main" val="1821676339"/>
+        <p14:creationId xmlns:p14="http://schemas.microsoft.com/office/powerpoint/2010/main" val="1821676339"/>
       </p:ext>
     </p:extLst>
   </p:cSld>
@@ -19354,13 +19104,6 @@
     <p:sldLayoutId id="2147483695" r:id="rId11"/>
     <p:sldLayoutId id="2147483721" r:id="rId12"/>
   </p:sldLayoutIdLst>
-  <p:timing>
-    <p:tnLst>
-      <p:par>
-        <p:cTn id="1" dur="indefinite" restart="never" nodeType="tmRoot"/>
-      </p:par>
-    </p:tnLst>
-  </p:timing>
   <p:txStyles>
     <p:titleStyle>
       <a:lvl1pPr algn="ctr" defTabSz="914400" rtl="0" eaLnBrk="1" latinLnBrk="0" hangingPunct="1">
@@ -19662,10 +19405,9 @@
           <a:lstStyle/>
           <a:p>
             <a:r>
-              <a:rPr lang="en-US" smtClean="0"/>
+              <a:rPr lang="en-US"/>
               <a:t>Click to edit Master title style</a:t>
             </a:r>
-            <a:endParaRPr lang="en-US"/>
           </a:p>
         </p:txBody>
       </p:sp>
@@ -19696,38 +19438,37 @@
           <a:p>
             <a:pPr lvl="0"/>
             <a:r>
-              <a:rPr lang="en-US" dirty="0" smtClean="0"/>
+              <a:rPr lang="en-US" dirty="0"/>
               <a:t>Click to edit Master text styles</a:t>
             </a:r>
           </a:p>
           <a:p>
             <a:pPr lvl="1"/>
             <a:r>
-              <a:rPr lang="en-US" dirty="0" smtClean="0"/>
+              <a:rPr lang="en-US" dirty="0"/>
               <a:t>Second level</a:t>
             </a:r>
           </a:p>
           <a:p>
             <a:pPr lvl="2"/>
             <a:r>
-              <a:rPr lang="en-US" dirty="0" smtClean="0"/>
+              <a:rPr lang="en-US" dirty="0"/>
               <a:t>Third level</a:t>
             </a:r>
           </a:p>
           <a:p>
             <a:pPr lvl="3"/>
             <a:r>
-              <a:rPr lang="en-US" dirty="0" smtClean="0"/>
+              <a:rPr lang="en-US" dirty="0"/>
               <a:t>Fourth level</a:t>
             </a:r>
           </a:p>
           <a:p>
             <a:pPr lvl="4"/>
             <a:r>
-              <a:rPr lang="en-US" dirty="0" smtClean="0"/>
+              <a:rPr lang="en-US" dirty="0"/>
               <a:t>Fifth level</a:t>
             </a:r>
-            <a:endParaRPr lang="en-US" dirty="0"/>
           </a:p>
         </p:txBody>
       </p:sp>
@@ -19773,7 +19514,7 @@
                 </a:solidFill>
               </a:rPr>
               <a:pPr/>
-              <a:t>4/6/2011</a:t>
+              <a:t>11/22/2024</a:t>
             </a:fld>
             <a:endParaRPr lang="en-US" dirty="0">
               <a:solidFill>
@@ -19894,7 +19635,7 @@
           <a:blip r:embed="rId14" cstate="print">
             <a:extLst>
               <a:ext uri="{28A0092B-C50C-407E-A947-70E740481C1C}">
-                <a14:useLocalDpi xmlns="" xmlns:a14="http://schemas.microsoft.com/office/drawing/2010/main" val="0"/>
+                <a14:useLocalDpi xmlns:a14="http://schemas.microsoft.com/office/drawing/2010/main" val="0"/>
               </a:ext>
             </a:extLst>
           </a:blip>
@@ -19914,7 +19655,7 @@
           <a:noFill/>
           <a:extLst>
             <a:ext uri="{909E8E84-426E-40DD-AFC4-6F175D3DCCD1}">
-              <a14:hiddenFill xmlns="" xmlns:a14="http://schemas.microsoft.com/office/drawing/2010/main">
+              <a14:hiddenFill xmlns:a14="http://schemas.microsoft.com/office/drawing/2010/main">
                 <a:solidFill>
                   <a:srgbClr val="FFFFFF"/>
                 </a:solidFill>
@@ -19935,7 +19676,7 @@
           <a:blip r:embed="rId14" cstate="print">
             <a:extLst>
               <a:ext uri="{28A0092B-C50C-407E-A947-70E740481C1C}">
-                <a14:useLocalDpi xmlns="" xmlns:a14="http://schemas.microsoft.com/office/drawing/2010/main" val="0"/>
+                <a14:useLocalDpi xmlns:a14="http://schemas.microsoft.com/office/drawing/2010/main" val="0"/>
               </a:ext>
             </a:extLst>
           </a:blip>
@@ -19955,7 +19696,7 @@
           <a:noFill/>
           <a:extLst>
             <a:ext uri="{909E8E84-426E-40DD-AFC4-6F175D3DCCD1}">
-              <a14:hiddenFill xmlns="" xmlns:a14="http://schemas.microsoft.com/office/drawing/2010/main">
+              <a14:hiddenFill xmlns:a14="http://schemas.microsoft.com/office/drawing/2010/main">
                 <a:solidFill>
                   <a:srgbClr val="FFFFFF"/>
                 </a:solidFill>
@@ -19976,7 +19717,7 @@
           <a:blip r:embed="rId14" cstate="print">
             <a:extLst>
               <a:ext uri="{28A0092B-C50C-407E-A947-70E740481C1C}">
-                <a14:useLocalDpi xmlns="" xmlns:a14="http://schemas.microsoft.com/office/drawing/2010/main" val="0"/>
+                <a14:useLocalDpi xmlns:a14="http://schemas.microsoft.com/office/drawing/2010/main" val="0"/>
               </a:ext>
             </a:extLst>
           </a:blip>
@@ -19996,7 +19737,7 @@
           <a:noFill/>
           <a:extLst>
             <a:ext uri="{909E8E84-426E-40DD-AFC4-6F175D3DCCD1}">
-              <a14:hiddenFill xmlns="" xmlns:a14="http://schemas.microsoft.com/office/drawing/2010/main">
+              <a14:hiddenFill xmlns:a14="http://schemas.microsoft.com/office/drawing/2010/main">
                 <a:solidFill>
                   <a:srgbClr val="FFFFFF"/>
                 </a:solidFill>
@@ -20017,7 +19758,7 @@
           <a:blip r:embed="rId14" cstate="print">
             <a:extLst>
               <a:ext uri="{28A0092B-C50C-407E-A947-70E740481C1C}">
-                <a14:useLocalDpi xmlns="" xmlns:a14="http://schemas.microsoft.com/office/drawing/2010/main" val="0"/>
+                <a14:useLocalDpi xmlns:a14="http://schemas.microsoft.com/office/drawing/2010/main" val="0"/>
               </a:ext>
             </a:extLst>
           </a:blip>
@@ -20037,7 +19778,7 @@
           <a:noFill/>
           <a:extLst>
             <a:ext uri="{909E8E84-426E-40DD-AFC4-6F175D3DCCD1}">
-              <a14:hiddenFill xmlns="" xmlns:a14="http://schemas.microsoft.com/office/drawing/2010/main">
+              <a14:hiddenFill xmlns:a14="http://schemas.microsoft.com/office/drawing/2010/main">
                 <a:solidFill>
                   <a:srgbClr val="FFFFFF"/>
                 </a:solidFill>
@@ -20069,7 +19810,7 @@
           <a:lstStyle/>
           <a:p>
             <a:r>
-              <a:rPr lang="en-US" sz="1400" dirty="0" smtClean="0">
+              <a:rPr lang="en-US" sz="1400" dirty="0">
                 <a:solidFill>
                   <a:prstClr val="black"/>
                 </a:solidFill>
@@ -20079,25 +19820,20 @@
           </a:p>
           <a:p>
             <a:r>
-              <a:rPr lang="en-US" sz="1400" dirty="0" smtClean="0">
+              <a:rPr lang="en-US" sz="1400" dirty="0">
                 <a:solidFill>
                   <a:prstClr val="black"/>
                 </a:solidFill>
               </a:rPr>
               <a:t>vertLeft2</a:t>
             </a:r>
-            <a:endParaRPr lang="en-US" sz="1400" dirty="0">
-              <a:solidFill>
-                <a:prstClr val="black"/>
-              </a:solidFill>
-            </a:endParaRPr>
           </a:p>
         </p:txBody>
       </p:sp>
     </p:spTree>
     <p:extLst>
       <p:ext uri="{BB962C8B-B14F-4D97-AF65-F5344CB8AC3E}">
-        <p14:creationId xmlns="" xmlns:p14="http://schemas.microsoft.com/office/powerpoint/2010/main" val="2986279319"/>
+        <p14:creationId xmlns:p14="http://schemas.microsoft.com/office/powerpoint/2010/main" val="2986279319"/>
       </p:ext>
     </p:extLst>
   </p:cSld>
@@ -20116,13 +19852,6 @@
     <p:sldLayoutId id="2147483774" r:id="rId11"/>
     <p:sldLayoutId id="2147483775" r:id="rId12"/>
   </p:sldLayoutIdLst>
-  <p:timing>
-    <p:tnLst>
-      <p:par>
-        <p:cTn id="1" dur="indefinite" restart="never" nodeType="tmRoot"/>
-      </p:par>
-    </p:tnLst>
-  </p:timing>
   <p:txStyles>
     <p:titleStyle>
       <a:lvl1pPr algn="ctr" defTabSz="914400" rtl="0" eaLnBrk="1" latinLnBrk="0" hangingPunct="1">
@@ -20440,7 +20169,7 @@
                 </a:solidFill>
               </a:rPr>
               <a:pPr/>
-              <a:t>4/6/2011</a:t>
+              <a:t>11/22/2024</a:t>
             </a:fld>
             <a:endParaRPr lang="en-US" dirty="0">
               <a:solidFill>
@@ -20572,7 +20301,7 @@
           <a:lstStyle/>
           <a:p>
             <a:r>
-              <a:rPr lang="en-US" sz="1400" dirty="0" smtClean="0">
+              <a:rPr lang="en-US" sz="1400" dirty="0">
                 <a:solidFill>
                   <a:prstClr val="black"/>
                 </a:solidFill>
@@ -20582,7 +20311,7 @@
           </a:p>
           <a:p>
             <a:r>
-              <a:rPr lang="en-US" sz="1400" dirty="0" smtClean="0">
+              <a:rPr lang="en-US" sz="1400" dirty="0">
                 <a:solidFill>
                   <a:prstClr val="black"/>
                 </a:solidFill>
@@ -20591,72 +20320,67 @@
             </a:r>
           </a:p>
           <a:p>
-            <a:endParaRPr lang="en-US" sz="1400" dirty="0" smtClean="0">
-              <a:solidFill>
-                <a:prstClr val="black"/>
-              </a:solidFill>
-            </a:endParaRPr>
-          </a:p>
-          <a:p>
-            <a:r>
-              <a:rPr lang="en-US" sz="1400" dirty="0" smtClean="0">
-                <a:solidFill>
-                  <a:prstClr val="black"/>
-                </a:solidFill>
-              </a:rPr>
-              <a:t>Ordering of</a:t>
-            </a:r>
-            <a:r>
-              <a:rPr lang="en-US" sz="1400" baseline="0" dirty="0" smtClean="0">
-                <a:solidFill>
-                  <a:prstClr val="black"/>
-                </a:solidFill>
-              </a:rPr>
-              <a:t> </a:t>
-            </a:r>
-          </a:p>
-          <a:p>
-            <a:r>
-              <a:rPr lang="en-US" sz="1400" baseline="0" dirty="0" smtClean="0">
-                <a:solidFill>
-                  <a:prstClr val="black"/>
-                </a:solidFill>
-              </a:rPr>
-              <a:t>buttons is</a:t>
-            </a:r>
-            <a:r>
-              <a:rPr lang="en-US" sz="1400" dirty="0" smtClean="0">
-                <a:solidFill>
-                  <a:prstClr val="black"/>
-                </a:solidFill>
-              </a:rPr>
-              <a:t>:</a:t>
-            </a:r>
-          </a:p>
-          <a:p>
-            <a:r>
-              <a:rPr lang="en-US" sz="1400" dirty="0" smtClean="0">
-                <a:solidFill>
-                  <a:prstClr val="black"/>
-                </a:solidFill>
-              </a:rPr>
-              <a:t>13</a:t>
-            </a:r>
-          </a:p>
-          <a:p>
-            <a:r>
-              <a:rPr lang="en-US" sz="1400" dirty="0" smtClean="0">
-                <a:solidFill>
-                  <a:prstClr val="black"/>
-                </a:solidFill>
-              </a:rPr>
-              <a:t>24</a:t>
-            </a:r>
             <a:endParaRPr lang="en-US" sz="1400" dirty="0">
               <a:solidFill>
                 <a:prstClr val="black"/>
               </a:solidFill>
             </a:endParaRPr>
+          </a:p>
+          <a:p>
+            <a:r>
+              <a:rPr lang="en-US" sz="1400" dirty="0">
+                <a:solidFill>
+                  <a:prstClr val="black"/>
+                </a:solidFill>
+              </a:rPr>
+              <a:t>Ordering of</a:t>
+            </a:r>
+            <a:r>
+              <a:rPr lang="en-US" sz="1400" baseline="0" dirty="0">
+                <a:solidFill>
+                  <a:prstClr val="black"/>
+                </a:solidFill>
+              </a:rPr>
+              <a:t> </a:t>
+            </a:r>
+          </a:p>
+          <a:p>
+            <a:r>
+              <a:rPr lang="en-US" sz="1400" baseline="0" dirty="0">
+                <a:solidFill>
+                  <a:prstClr val="black"/>
+                </a:solidFill>
+              </a:rPr>
+              <a:t>buttons is</a:t>
+            </a:r>
+            <a:r>
+              <a:rPr lang="en-US" sz="1400" dirty="0">
+                <a:solidFill>
+                  <a:prstClr val="black"/>
+                </a:solidFill>
+              </a:rPr>
+              <a:t>:</a:t>
+            </a:r>
+          </a:p>
+          <a:p>
+            <a:r>
+              <a:rPr lang="en-US" sz="1400" dirty="0">
+                <a:solidFill>
+                  <a:prstClr val="black"/>
+                </a:solidFill>
+              </a:rPr>
+              <a:t>13</a:t>
+            </a:r>
+          </a:p>
+          <a:p>
+            <a:r>
+              <a:rPr lang="en-US" sz="1400" dirty="0">
+                <a:solidFill>
+                  <a:prstClr val="black"/>
+                </a:solidFill>
+              </a:rPr>
+              <a:t>24</a:t>
+            </a:r>
           </a:p>
         </p:txBody>
       </p:sp>
@@ -20672,7 +20396,7 @@
           <a:blip r:embed="rId14" cstate="print">
             <a:extLst>
               <a:ext uri="{28A0092B-C50C-407E-A947-70E740481C1C}">
-                <a14:useLocalDpi xmlns="" xmlns:a14="http://schemas.microsoft.com/office/drawing/2010/main" val="0"/>
+                <a14:useLocalDpi xmlns:a14="http://schemas.microsoft.com/office/drawing/2010/main" val="0"/>
               </a:ext>
             </a:extLst>
           </a:blip>
@@ -20692,7 +20416,7 @@
           <a:noFill/>
           <a:extLst>
             <a:ext uri="{909E8E84-426E-40DD-AFC4-6F175D3DCCD1}">
-              <a14:hiddenFill xmlns="" xmlns:a14="http://schemas.microsoft.com/office/drawing/2010/main">
+              <a14:hiddenFill xmlns:a14="http://schemas.microsoft.com/office/drawing/2010/main">
                 <a:solidFill>
                   <a:srgbClr val="FFFFFF"/>
                 </a:solidFill>
@@ -20713,7 +20437,7 @@
           <a:blip r:embed="rId14" cstate="print">
             <a:extLst>
               <a:ext uri="{28A0092B-C50C-407E-A947-70E740481C1C}">
-                <a14:useLocalDpi xmlns="" xmlns:a14="http://schemas.microsoft.com/office/drawing/2010/main" val="0"/>
+                <a14:useLocalDpi xmlns:a14="http://schemas.microsoft.com/office/drawing/2010/main" val="0"/>
               </a:ext>
             </a:extLst>
           </a:blip>
@@ -20733,7 +20457,7 @@
           <a:noFill/>
           <a:extLst>
             <a:ext uri="{909E8E84-426E-40DD-AFC4-6F175D3DCCD1}">
-              <a14:hiddenFill xmlns="" xmlns:a14="http://schemas.microsoft.com/office/drawing/2010/main">
+              <a14:hiddenFill xmlns:a14="http://schemas.microsoft.com/office/drawing/2010/main">
                 <a:solidFill>
                   <a:srgbClr val="FFFFFF"/>
                 </a:solidFill>
@@ -20754,7 +20478,7 @@
           <a:blip r:embed="rId14" cstate="print">
             <a:extLst>
               <a:ext uri="{28A0092B-C50C-407E-A947-70E740481C1C}">
-                <a14:useLocalDpi xmlns="" xmlns:a14="http://schemas.microsoft.com/office/drawing/2010/main" val="0"/>
+                <a14:useLocalDpi xmlns:a14="http://schemas.microsoft.com/office/drawing/2010/main" val="0"/>
               </a:ext>
             </a:extLst>
           </a:blip>
@@ -20774,7 +20498,7 @@
           <a:noFill/>
           <a:extLst>
             <a:ext uri="{909E8E84-426E-40DD-AFC4-6F175D3DCCD1}">
-              <a14:hiddenFill xmlns="" xmlns:a14="http://schemas.microsoft.com/office/drawing/2010/main">
+              <a14:hiddenFill xmlns:a14="http://schemas.microsoft.com/office/drawing/2010/main">
                 <a:solidFill>
                   <a:srgbClr val="FFFFFF"/>
                 </a:solidFill>
@@ -20795,7 +20519,7 @@
           <a:blip r:embed="rId14" cstate="print">
             <a:extLst>
               <a:ext uri="{28A0092B-C50C-407E-A947-70E740481C1C}">
-                <a14:useLocalDpi xmlns="" xmlns:a14="http://schemas.microsoft.com/office/drawing/2010/main" val="0"/>
+                <a14:useLocalDpi xmlns:a14="http://schemas.microsoft.com/office/drawing/2010/main" val="0"/>
               </a:ext>
             </a:extLst>
           </a:blip>
@@ -20815,7 +20539,7 @@
           <a:noFill/>
           <a:extLst>
             <a:ext uri="{909E8E84-426E-40DD-AFC4-6F175D3DCCD1}">
-              <a14:hiddenFill xmlns="" xmlns:a14="http://schemas.microsoft.com/office/drawing/2010/main">
+              <a14:hiddenFill xmlns:a14="http://schemas.microsoft.com/office/drawing/2010/main">
                 <a:solidFill>
                   <a:srgbClr val="FFFFFF"/>
                 </a:solidFill>
@@ -20827,7 +20551,7 @@
     </p:spTree>
     <p:extLst>
       <p:ext uri="{BB962C8B-B14F-4D97-AF65-F5344CB8AC3E}">
-        <p14:creationId xmlns="" xmlns:p14="http://schemas.microsoft.com/office/powerpoint/2010/main" val="218230408"/>
+        <p14:creationId xmlns:p14="http://schemas.microsoft.com/office/powerpoint/2010/main" val="218230408"/>
       </p:ext>
     </p:extLst>
   </p:cSld>
@@ -20846,13 +20570,6 @@
     <p:sldLayoutId id="2147483733" r:id="rId11"/>
     <p:sldLayoutId id="2147483734" r:id="rId12"/>
   </p:sldLayoutIdLst>
-  <p:timing>
-    <p:tnLst>
-      <p:par>
-        <p:cTn id="1" dur="indefinite" restart="never" nodeType="tmRoot"/>
-      </p:par>
-    </p:tnLst>
-  </p:timing>
   <p:txStyles>
     <p:titleStyle>
       <a:lvl1pPr algn="ctr" defTabSz="914400" rtl="0" eaLnBrk="1" latinLnBrk="0" hangingPunct="1">
@@ -21170,7 +20887,7 @@
                 </a:solidFill>
               </a:rPr>
               <a:pPr/>
-              <a:t>4/6/2011</a:t>
+              <a:t>11/22/2024</a:t>
             </a:fld>
             <a:endParaRPr lang="en-US" dirty="0">
               <a:solidFill>
@@ -21291,7 +21008,7 @@
           <a:blip r:embed="rId14" cstate="print">
             <a:extLst>
               <a:ext uri="{28A0092B-C50C-407E-A947-70E740481C1C}">
-                <a14:useLocalDpi xmlns="" xmlns:a14="http://schemas.microsoft.com/office/drawing/2010/main" val="0"/>
+                <a14:useLocalDpi xmlns:a14="http://schemas.microsoft.com/office/drawing/2010/main" val="0"/>
               </a:ext>
             </a:extLst>
           </a:blip>
@@ -21311,7 +21028,7 @@
           <a:noFill/>
           <a:extLst>
             <a:ext uri="{909E8E84-426E-40DD-AFC4-6F175D3DCCD1}">
-              <a14:hiddenFill xmlns="" xmlns:a14="http://schemas.microsoft.com/office/drawing/2010/main">
+              <a14:hiddenFill xmlns:a14="http://schemas.microsoft.com/office/drawing/2010/main">
                 <a:solidFill>
                   <a:srgbClr val="FFFFFF"/>
                 </a:solidFill>
@@ -21332,7 +21049,7 @@
           <a:blip r:embed="rId14" cstate="print">
             <a:extLst>
               <a:ext uri="{28A0092B-C50C-407E-A947-70E740481C1C}">
-                <a14:useLocalDpi xmlns="" xmlns:a14="http://schemas.microsoft.com/office/drawing/2010/main" val="0"/>
+                <a14:useLocalDpi xmlns:a14="http://schemas.microsoft.com/office/drawing/2010/main" val="0"/>
               </a:ext>
             </a:extLst>
           </a:blip>
@@ -21352,7 +21069,7 @@
           <a:noFill/>
           <a:extLst>
             <a:ext uri="{909E8E84-426E-40DD-AFC4-6F175D3DCCD1}">
-              <a14:hiddenFill xmlns="" xmlns:a14="http://schemas.microsoft.com/office/drawing/2010/main">
+              <a14:hiddenFill xmlns:a14="http://schemas.microsoft.com/office/drawing/2010/main">
                 <a:solidFill>
                   <a:srgbClr val="FFFFFF"/>
                 </a:solidFill>
@@ -21373,7 +21090,7 @@
           <a:blip r:embed="rId14" cstate="print">
             <a:extLst>
               <a:ext uri="{28A0092B-C50C-407E-A947-70E740481C1C}">
-                <a14:useLocalDpi xmlns="" xmlns:a14="http://schemas.microsoft.com/office/drawing/2010/main" val="0"/>
+                <a14:useLocalDpi xmlns:a14="http://schemas.microsoft.com/office/drawing/2010/main" val="0"/>
               </a:ext>
             </a:extLst>
           </a:blip>
@@ -21393,7 +21110,7 @@
           <a:noFill/>
           <a:extLst>
             <a:ext uri="{909E8E84-426E-40DD-AFC4-6F175D3DCCD1}">
-              <a14:hiddenFill xmlns="" xmlns:a14="http://schemas.microsoft.com/office/drawing/2010/main">
+              <a14:hiddenFill xmlns:a14="http://schemas.microsoft.com/office/drawing/2010/main">
                 <a:solidFill>
                   <a:srgbClr val="FFFFFF"/>
                 </a:solidFill>
@@ -21414,7 +21131,7 @@
           <a:blip r:embed="rId14" cstate="print">
             <a:extLst>
               <a:ext uri="{28A0092B-C50C-407E-A947-70E740481C1C}">
-                <a14:useLocalDpi xmlns="" xmlns:a14="http://schemas.microsoft.com/office/drawing/2010/main" val="0"/>
+                <a14:useLocalDpi xmlns:a14="http://schemas.microsoft.com/office/drawing/2010/main" val="0"/>
               </a:ext>
             </a:extLst>
           </a:blip>
@@ -21434,7 +21151,7 @@
           <a:noFill/>
           <a:extLst>
             <a:ext uri="{909E8E84-426E-40DD-AFC4-6F175D3DCCD1}">
-              <a14:hiddenFill xmlns="" xmlns:a14="http://schemas.microsoft.com/office/drawing/2010/main">
+              <a14:hiddenFill xmlns:a14="http://schemas.microsoft.com/office/drawing/2010/main">
                 <a:solidFill>
                   <a:srgbClr val="FFFFFF"/>
                 </a:solidFill>
@@ -21466,7 +21183,7 @@
           <a:lstStyle/>
           <a:p>
             <a:r>
-              <a:rPr lang="en-US" sz="1400" dirty="0" smtClean="0">
+              <a:rPr lang="en-US" sz="1400" dirty="0">
                 <a:solidFill>
                   <a:prstClr val="black"/>
                 </a:solidFill>
@@ -21476,25 +21193,20 @@
           </a:p>
           <a:p>
             <a:r>
-              <a:rPr lang="en-US" sz="1400" dirty="0" smtClean="0">
+              <a:rPr lang="en-US" sz="1400" dirty="0">
                 <a:solidFill>
                   <a:prstClr val="black"/>
                 </a:solidFill>
               </a:rPr>
               <a:t>vertLeft1</a:t>
             </a:r>
-            <a:endParaRPr lang="en-US" sz="1400" dirty="0">
-              <a:solidFill>
-                <a:prstClr val="black"/>
-              </a:solidFill>
-            </a:endParaRPr>
           </a:p>
         </p:txBody>
       </p:sp>
     </p:spTree>
     <p:extLst>
       <p:ext uri="{BB962C8B-B14F-4D97-AF65-F5344CB8AC3E}">
-        <p14:creationId xmlns="" xmlns:p14="http://schemas.microsoft.com/office/powerpoint/2010/main" val="120329671"/>
+        <p14:creationId xmlns:p14="http://schemas.microsoft.com/office/powerpoint/2010/main" val="120329671"/>
       </p:ext>
     </p:extLst>
   </p:cSld>
@@ -21513,13 +21225,6 @@
     <p:sldLayoutId id="2147483747" r:id="rId11"/>
     <p:sldLayoutId id="2147483748" r:id="rId12"/>
   </p:sldLayoutIdLst>
-  <p:timing>
-    <p:tnLst>
-      <p:par>
-        <p:cTn id="1" dur="indefinite" restart="never" nodeType="tmRoot"/>
-      </p:par>
-    </p:tnLst>
-  </p:timing>
   <p:txStyles>
     <p:titleStyle>
       <a:lvl1pPr algn="ctr" defTabSz="914400" rtl="0" eaLnBrk="1" latinLnBrk="0" hangingPunct="1">
@@ -21837,7 +21542,7 @@
                 </a:solidFill>
               </a:rPr>
               <a:pPr/>
-              <a:t>4/6/2011</a:t>
+              <a:t>11/22/2024</a:t>
             </a:fld>
             <a:endParaRPr lang="en-US" dirty="0">
               <a:solidFill>
@@ -21958,7 +21663,7 @@
           <a:blip r:embed="rId14" cstate="print">
             <a:extLst>
               <a:ext uri="{28A0092B-C50C-407E-A947-70E740481C1C}">
-                <a14:useLocalDpi xmlns="" xmlns:a14="http://schemas.microsoft.com/office/drawing/2010/main" val="0"/>
+                <a14:useLocalDpi xmlns:a14="http://schemas.microsoft.com/office/drawing/2010/main" val="0"/>
               </a:ext>
             </a:extLst>
           </a:blip>
@@ -21978,7 +21683,7 @@
           <a:noFill/>
           <a:extLst>
             <a:ext uri="{909E8E84-426E-40DD-AFC4-6F175D3DCCD1}">
-              <a14:hiddenFill xmlns="" xmlns:a14="http://schemas.microsoft.com/office/drawing/2010/main">
+              <a14:hiddenFill xmlns:a14="http://schemas.microsoft.com/office/drawing/2010/main">
                 <a:solidFill>
                   <a:srgbClr val="FFFFFF"/>
                 </a:solidFill>
@@ -21999,7 +21704,7 @@
           <a:blip r:embed="rId14" cstate="print">
             <a:extLst>
               <a:ext uri="{28A0092B-C50C-407E-A947-70E740481C1C}">
-                <a14:useLocalDpi xmlns="" xmlns:a14="http://schemas.microsoft.com/office/drawing/2010/main" val="0"/>
+                <a14:useLocalDpi xmlns:a14="http://schemas.microsoft.com/office/drawing/2010/main" val="0"/>
               </a:ext>
             </a:extLst>
           </a:blip>
@@ -22019,7 +21724,7 @@
           <a:noFill/>
           <a:extLst>
             <a:ext uri="{909E8E84-426E-40DD-AFC4-6F175D3DCCD1}">
-              <a14:hiddenFill xmlns="" xmlns:a14="http://schemas.microsoft.com/office/drawing/2010/main">
+              <a14:hiddenFill xmlns:a14="http://schemas.microsoft.com/office/drawing/2010/main">
                 <a:solidFill>
                   <a:srgbClr val="FFFFFF"/>
                 </a:solidFill>
@@ -22040,7 +21745,7 @@
           <a:blip r:embed="rId14" cstate="print">
             <a:extLst>
               <a:ext uri="{28A0092B-C50C-407E-A947-70E740481C1C}">
-                <a14:useLocalDpi xmlns="" xmlns:a14="http://schemas.microsoft.com/office/drawing/2010/main" val="0"/>
+                <a14:useLocalDpi xmlns:a14="http://schemas.microsoft.com/office/drawing/2010/main" val="0"/>
               </a:ext>
             </a:extLst>
           </a:blip>
@@ -22060,7 +21765,7 @@
           <a:noFill/>
           <a:extLst>
             <a:ext uri="{909E8E84-426E-40DD-AFC4-6F175D3DCCD1}">
-              <a14:hiddenFill xmlns="" xmlns:a14="http://schemas.microsoft.com/office/drawing/2010/main">
+              <a14:hiddenFill xmlns:a14="http://schemas.microsoft.com/office/drawing/2010/main">
                 <a:solidFill>
                   <a:srgbClr val="FFFFFF"/>
                 </a:solidFill>
@@ -22081,7 +21786,7 @@
           <a:blip r:embed="rId14" cstate="print">
             <a:extLst>
               <a:ext uri="{28A0092B-C50C-407E-A947-70E740481C1C}">
-                <a14:useLocalDpi xmlns="" xmlns:a14="http://schemas.microsoft.com/office/drawing/2010/main" val="0"/>
+                <a14:useLocalDpi xmlns:a14="http://schemas.microsoft.com/office/drawing/2010/main" val="0"/>
               </a:ext>
             </a:extLst>
           </a:blip>
@@ -22101,7 +21806,7 @@
           <a:noFill/>
           <a:extLst>
             <a:ext uri="{909E8E84-426E-40DD-AFC4-6F175D3DCCD1}">
-              <a14:hiddenFill xmlns="" xmlns:a14="http://schemas.microsoft.com/office/drawing/2010/main">
+              <a14:hiddenFill xmlns:a14="http://schemas.microsoft.com/office/drawing/2010/main">
                 <a:solidFill>
                   <a:srgbClr val="FFFFFF"/>
                 </a:solidFill>
@@ -22133,7 +21838,7 @@
           <a:lstStyle/>
           <a:p>
             <a:r>
-              <a:rPr lang="en-US" sz="1400" dirty="0" smtClean="0">
+              <a:rPr lang="en-US" sz="1400" dirty="0">
                 <a:solidFill>
                   <a:prstClr val="black"/>
                 </a:solidFill>
@@ -22143,25 +21848,20 @@
           </a:p>
           <a:p>
             <a:r>
-              <a:rPr lang="en-US" sz="1400" dirty="0" smtClean="0">
+              <a:rPr lang="en-US" sz="1400" dirty="0">
                 <a:solidFill>
                   <a:prstClr val="black"/>
                 </a:solidFill>
               </a:rPr>
               <a:t>vertLeft2</a:t>
             </a:r>
-            <a:endParaRPr lang="en-US" sz="1400" dirty="0">
-              <a:solidFill>
-                <a:prstClr val="black"/>
-              </a:solidFill>
-            </a:endParaRPr>
           </a:p>
         </p:txBody>
       </p:sp>
     </p:spTree>
     <p:extLst>
       <p:ext uri="{BB962C8B-B14F-4D97-AF65-F5344CB8AC3E}">
-        <p14:creationId xmlns="" xmlns:p14="http://schemas.microsoft.com/office/powerpoint/2010/main" val="462697966"/>
+        <p14:creationId xmlns:p14="http://schemas.microsoft.com/office/powerpoint/2010/main" val="462697966"/>
       </p:ext>
     </p:extLst>
   </p:cSld>
@@ -22180,13 +21880,6 @@
     <p:sldLayoutId id="2147483761" r:id="rId11"/>
     <p:sldLayoutId id="2147483762" r:id="rId12"/>
   </p:sldLayoutIdLst>
-  <p:timing>
-    <p:tnLst>
-      <p:par>
-        <p:cTn id="1" dur="indefinite" restart="never" nodeType="tmRoot"/>
-      </p:par>
-    </p:tnLst>
-  </p:timing>
   <p:txStyles>
     <p:titleStyle>
       <a:lvl1pPr algn="ctr" defTabSz="914400" rtl="0" eaLnBrk="1" latinLnBrk="0" hangingPunct="1">
@@ -22469,7 +22162,7 @@
           <a:blip r:embed="rId3" cstate="print">
             <a:extLst>
               <a:ext uri="{28A0092B-C50C-407E-A947-70E740481C1C}">
-                <a14:useLocalDpi xmlns="" xmlns:a14="http://schemas.microsoft.com/office/drawing/2010/main" val="0"/>
+                <a14:useLocalDpi xmlns:a14="http://schemas.microsoft.com/office/drawing/2010/main" val="0"/>
               </a:ext>
             </a:extLst>
           </a:blip>
@@ -22489,7 +22182,7 @@
           <a:noFill/>
           <a:extLst>
             <a:ext uri="{909E8E84-426E-40DD-AFC4-6F175D3DCCD1}">
-              <a14:hiddenFill xmlns="" xmlns:a14="http://schemas.microsoft.com/office/drawing/2010/main">
+              <a14:hiddenFill xmlns:a14="http://schemas.microsoft.com/office/drawing/2010/main">
                 <a:solidFill>
                   <a:srgbClr val="FFFFFF"/>
                 </a:solidFill>
@@ -22538,7 +22231,7 @@
           <a:p>
             <a:pPr algn="l"/>
             <a:r>
-              <a:rPr lang="en-US" dirty="0" smtClean="0">
+              <a:rPr lang="en-US" dirty="0">
                 <a:solidFill>
                   <a:schemeClr val="tx1">
                     <a:lumMod val="75000"/>
@@ -22548,14 +22241,6 @@
               </a:rPr>
               <a:t>Constraints &amp; Triggers</a:t>
             </a:r>
-            <a:endParaRPr lang="en-US" dirty="0">
-              <a:solidFill>
-                <a:schemeClr val="tx1">
-                  <a:lumMod val="75000"/>
-                  <a:lumOff val="25000"/>
-                </a:schemeClr>
-              </a:solidFill>
-            </a:endParaRPr>
           </a:p>
         </p:txBody>
       </p:sp>
@@ -22629,7 +22314,7 @@
           <a:p>
             <a:pPr algn="l"/>
             <a:r>
-              <a:rPr lang="en-US" sz="4800" dirty="0" smtClean="0">
+              <a:rPr lang="en-US" sz="4800" dirty="0">
                 <a:solidFill>
                   <a:schemeClr val="tx1">
                     <a:lumMod val="75000"/>
@@ -22639,34 +22324,19 @@
               </a:rPr>
               <a:t>Constraints of several types</a:t>
             </a:r>
-            <a:endParaRPr lang="en-US" sz="4800" dirty="0">
-              <a:solidFill>
-                <a:schemeClr val="tx1">
-                  <a:lumMod val="75000"/>
-                  <a:lumOff val="25000"/>
-                </a:schemeClr>
-              </a:solidFill>
-            </a:endParaRPr>
           </a:p>
         </p:txBody>
       </p:sp>
     </p:spTree>
     <p:extLst>
       <p:ext uri="{BB962C8B-B14F-4D97-AF65-F5344CB8AC3E}">
-        <p14:creationId xmlns="" xmlns:p14="http://schemas.microsoft.com/office/powerpoint/2010/main" val="298369584"/>
+        <p14:creationId xmlns:p14="http://schemas.microsoft.com/office/powerpoint/2010/main" val="298369584"/>
       </p:ext>
     </p:extLst>
   </p:cSld>
   <p:clrMapOvr>
     <a:masterClrMapping/>
   </p:clrMapOvr>
-  <p:timing>
-    <p:tnLst>
-      <p:par>
-        <p:cTn id="1" dur="indefinite" restart="never" nodeType="tmRoot"/>
-      </p:par>
-    </p:tnLst>
-  </p:timing>
 </p:sld>
 </file>
 
@@ -22731,10 +22401,9 @@
           </a:lstStyle>
           <a:p>
             <a:r>
-              <a:rPr lang="en-US" dirty="0" smtClean="0"/>
+              <a:rPr lang="en-US" dirty="0"/>
               <a:t>Constraints</a:t>
             </a:r>
-            <a:endParaRPr lang="en-US" dirty="0"/>
           </a:p>
         </p:txBody>
       </p:sp>
@@ -22911,7 +22580,7 @@
               <a:buNone/>
             </a:pPr>
             <a:r>
-              <a:rPr lang="en-US" sz="2800" b="1" dirty="0" smtClean="0">
+              <a:rPr lang="en-US" sz="2800" b="1" dirty="0">
                 <a:solidFill>
                   <a:srgbClr val="990000"/>
                 </a:solidFill>
@@ -22933,7 +22602,7 @@
               <a:buNone/>
             </a:pPr>
             <a:r>
-              <a:rPr lang="en-US" sz="2800" dirty="0" smtClean="0">
+              <a:rPr lang="en-US" sz="2800" dirty="0">
                 <a:solidFill>
                   <a:srgbClr val="0000FF"/>
                 </a:solidFill>
@@ -22958,12 +22627,12 @@
               <a:buNone/>
             </a:pPr>
             <a:r>
-              <a:rPr lang="en-US" sz="2800" dirty="0" smtClean="0">
+              <a:rPr lang="en-US" sz="2800" dirty="0">
                 <a:solidFill>
                   <a:srgbClr val="0000FF"/>
                 </a:solidFill>
               </a:rPr>
-              <a:t>imposed by structure and types</a:t>
+              <a:t>imposed by structure and types.</a:t>
             </a:r>
           </a:p>
           <a:p>
@@ -22984,7 +22653,7 @@
               <a:buChar char="§"/>
             </a:pPr>
             <a:r>
-              <a:rPr lang="en-US" dirty="0" smtClean="0"/>
+              <a:rPr lang="en-US" dirty="0"/>
               <a:t> Non-null constraints</a:t>
             </a:r>
           </a:p>
@@ -23006,7 +22675,7 @@
               <a:buChar char="§"/>
             </a:pPr>
             <a:r>
-              <a:rPr lang="en-US" dirty="0" smtClean="0"/>
+              <a:rPr lang="en-US" dirty="0"/>
               <a:t> Key constraints</a:t>
             </a:r>
           </a:p>
@@ -23028,7 +22697,7 @@
               <a:buChar char="§"/>
             </a:pPr>
             <a:r>
-              <a:rPr lang="en-US" dirty="0" smtClean="0"/>
+              <a:rPr lang="en-US" dirty="0"/>
               <a:t> Attribute-based and tuple-based constraints</a:t>
             </a:r>
           </a:p>
@@ -23050,7 +22719,7 @@
               <a:buChar char="§"/>
             </a:pPr>
             <a:r>
-              <a:rPr lang="en-US" dirty="0" smtClean="0"/>
+              <a:rPr lang="en-US" dirty="0"/>
               <a:t> General assertions</a:t>
             </a:r>
           </a:p>
@@ -23069,11 +22738,11 @@
               <a:buChar char="§"/>
             </a:pPr>
             <a:r>
-              <a:rPr lang="en-US" dirty="0" smtClean="0"/>
+              <a:rPr lang="en-US" dirty="0"/>
               <a:t> </a:t>
             </a:r>
             <a:r>
-              <a:rPr lang="en-US" i="1" dirty="0" smtClean="0"/>
+              <a:rPr lang="en-US" i="1" dirty="0"/>
               <a:t>Next video:</a:t>
             </a:r>
           </a:p>
@@ -23094,7 +22763,7 @@
               <a:buNone/>
             </a:pPr>
             <a:r>
-              <a:rPr lang="en-US" i="1" dirty="0" smtClean="0"/>
+              <a:rPr lang="en-US" i="1" dirty="0"/>
               <a:t>   Referential Integrity (foreign key) constraints</a:t>
             </a:r>
           </a:p>
@@ -23125,7 +22794,7 @@
     </p:spTree>
     <p:extLst>
       <p:ext uri="{BB962C8B-B14F-4D97-AF65-F5344CB8AC3E}">
-        <p14:creationId xmlns="" xmlns:p14="http://schemas.microsoft.com/office/powerpoint/2010/main" val="282538741"/>
+        <p14:creationId xmlns:p14="http://schemas.microsoft.com/office/powerpoint/2010/main" val="282538741"/>
       </p:ext>
     </p:extLst>
   </p:cSld>
@@ -23520,10 +23189,9 @@
           </a:lstStyle>
           <a:p>
             <a:r>
-              <a:rPr lang="en-US" dirty="0" smtClean="0"/>
+              <a:rPr lang="en-US" dirty="0"/>
               <a:t>Constraints</a:t>
             </a:r>
-            <a:endParaRPr lang="en-US" dirty="0"/>
           </a:p>
         </p:txBody>
       </p:sp>
@@ -23700,7 +23368,7 @@
               <a:buNone/>
             </a:pPr>
             <a:r>
-              <a:rPr lang="en-US" sz="2800" b="1" dirty="0" smtClean="0">
+              <a:rPr lang="en-US" sz="2800" b="1" dirty="0">
                 <a:solidFill>
                   <a:srgbClr val="990000"/>
                 </a:solidFill>
@@ -23724,7 +23392,7 @@
               </a:buClr>
               <a:buNone/>
             </a:pPr>
-            <a:endParaRPr lang="en-US" sz="2800" b="1" dirty="0" smtClean="0">
+            <a:endParaRPr lang="en-US" sz="2800" b="1" dirty="0">
               <a:solidFill>
                 <a:srgbClr val="990000"/>
               </a:solidFill>
@@ -23746,7 +23414,7 @@
               </a:buClr>
               <a:buNone/>
             </a:pPr>
-            <a:endParaRPr lang="en-US" sz="2800" b="1" dirty="0" smtClean="0">
+            <a:endParaRPr lang="en-US" sz="2800" b="1" dirty="0">
               <a:solidFill>
                 <a:srgbClr val="990000"/>
               </a:solidFill>
@@ -23804,7 +23472,7 @@
               </a:spcAft>
             </a:pPr>
             <a:r>
-              <a:rPr lang="en-US" sz="2800" dirty="0" smtClean="0"/>
+              <a:rPr lang="en-US" sz="2800" dirty="0"/>
               <a:t>Simple college admissions database</a:t>
             </a:r>
           </a:p>
@@ -23815,7 +23483,7 @@
               </a:spcAft>
             </a:pPr>
             <a:r>
-              <a:rPr lang="en-US" sz="2400" b="1" dirty="0" smtClean="0">
+              <a:rPr lang="en-US" sz="2400" b="1" dirty="0">
                 <a:solidFill>
                   <a:srgbClr val="0000FF"/>
                 </a:solidFill>
@@ -23824,13 +23492,13 @@
               <a:t>  College</a:t>
             </a:r>
             <a:r>
-              <a:rPr lang="en-US" sz="2400" dirty="0" smtClean="0">
+              <a:rPr lang="en-US" sz="2400" dirty="0">
                 <a:latin typeface="Lucida Console" pitchFamily="49" charset="0"/>
               </a:rPr>
               <a:t>(</a:t>
             </a:r>
             <a:r>
-              <a:rPr lang="en-US" sz="2400" b="1" dirty="0" err="1" smtClean="0">
+              <a:rPr lang="en-US" sz="2400" b="1" dirty="0" err="1">
                 <a:solidFill>
                   <a:srgbClr val="990000"/>
                 </a:solidFill>
@@ -23839,13 +23507,13 @@
               <a:t>cName</a:t>
             </a:r>
             <a:r>
-              <a:rPr lang="en-US" sz="2400" dirty="0" err="1" smtClean="0">
+              <a:rPr lang="en-US" sz="2400" dirty="0" err="1">
                 <a:latin typeface="Lucida Console" pitchFamily="49" charset="0"/>
               </a:rPr>
               <a:t>,</a:t>
             </a:r>
             <a:r>
-              <a:rPr lang="en-US" sz="2400" b="1" dirty="0" err="1" smtClean="0">
+              <a:rPr lang="en-US" sz="2400" b="1" dirty="0" err="1">
                 <a:solidFill>
                   <a:srgbClr val="990000"/>
                 </a:solidFill>
@@ -23854,13 +23522,13 @@
               <a:t>state</a:t>
             </a:r>
             <a:r>
-              <a:rPr lang="en-US" sz="2400" dirty="0" err="1" smtClean="0">
+              <a:rPr lang="en-US" sz="2400" dirty="0" err="1">
                 <a:latin typeface="Lucida Console" pitchFamily="49" charset="0"/>
               </a:rPr>
               <a:t>,</a:t>
             </a:r>
             <a:r>
-              <a:rPr lang="en-US" sz="2400" b="1" dirty="0" err="1" smtClean="0">
+              <a:rPr lang="en-US" sz="2400" b="1" dirty="0" err="1">
                 <a:solidFill>
                   <a:srgbClr val="990000"/>
                 </a:solidFill>
@@ -23869,7 +23537,7 @@
               <a:t>enrollment</a:t>
             </a:r>
             <a:r>
-              <a:rPr lang="en-US" sz="2400" dirty="0" smtClean="0">
+              <a:rPr lang="en-US" sz="2400" dirty="0">
                 <a:latin typeface="Lucida Console" pitchFamily="49" charset="0"/>
               </a:rPr>
               <a:t>) </a:t>
@@ -23882,7 +23550,7 @@
               </a:spcAft>
             </a:pPr>
             <a:r>
-              <a:rPr lang="en-US" sz="2400" b="1" dirty="0" smtClean="0">
+              <a:rPr lang="en-US" sz="2400" b="1" dirty="0">
                 <a:solidFill>
                   <a:srgbClr val="0000FF"/>
                 </a:solidFill>
@@ -23891,13 +23559,13 @@
               <a:t>  Student</a:t>
             </a:r>
             <a:r>
-              <a:rPr lang="en-US" sz="2400" dirty="0" smtClean="0">
+              <a:rPr lang="en-US" sz="2400" dirty="0">
                 <a:latin typeface="Lucida Console" pitchFamily="49" charset="0"/>
               </a:rPr>
               <a:t>(</a:t>
             </a:r>
             <a:r>
-              <a:rPr lang="en-US" sz="2400" b="1" dirty="0" err="1" smtClean="0">
+              <a:rPr lang="en-US" sz="2400" b="1" dirty="0" err="1">
                 <a:solidFill>
                   <a:srgbClr val="990000"/>
                 </a:solidFill>
@@ -23906,13 +23574,13 @@
               <a:t>sID</a:t>
             </a:r>
             <a:r>
-              <a:rPr lang="en-US" sz="2400" dirty="0" err="1" smtClean="0">
+              <a:rPr lang="en-US" sz="2400" dirty="0" err="1">
                 <a:latin typeface="Lucida Console" pitchFamily="49" charset="0"/>
               </a:rPr>
               <a:t>,</a:t>
             </a:r>
             <a:r>
-              <a:rPr lang="en-US" sz="2400" b="1" dirty="0" err="1" smtClean="0">
+              <a:rPr lang="en-US" sz="2400" b="1" dirty="0" err="1">
                 <a:solidFill>
                   <a:srgbClr val="990000"/>
                 </a:solidFill>
@@ -23921,13 +23589,13 @@
               <a:t>sName</a:t>
             </a:r>
             <a:r>
-              <a:rPr lang="en-US" sz="2400" dirty="0" err="1" smtClean="0">
+              <a:rPr lang="en-US" sz="2400" dirty="0" err="1">
                 <a:latin typeface="Lucida Console" pitchFamily="49" charset="0"/>
               </a:rPr>
               <a:t>,</a:t>
             </a:r>
             <a:r>
-              <a:rPr lang="en-US" sz="2400" b="1" dirty="0" err="1" smtClean="0">
+              <a:rPr lang="en-US" sz="2400" b="1" dirty="0" err="1">
                 <a:solidFill>
                   <a:srgbClr val="990000"/>
                 </a:solidFill>
@@ -23936,13 +23604,13 @@
               <a:t>GPA</a:t>
             </a:r>
             <a:r>
-              <a:rPr lang="en-US" sz="2400" dirty="0" err="1" smtClean="0">
+              <a:rPr lang="en-US" sz="2400" dirty="0" err="1">
                 <a:latin typeface="Lucida Console" pitchFamily="49" charset="0"/>
               </a:rPr>
               <a:t>,</a:t>
             </a:r>
             <a:r>
-              <a:rPr lang="en-US" sz="2400" b="1" dirty="0" err="1" smtClean="0">
+              <a:rPr lang="en-US" sz="2400" b="1" dirty="0" err="1">
                 <a:solidFill>
                   <a:srgbClr val="990000"/>
                 </a:solidFill>
@@ -23951,7 +23619,7 @@
               <a:t>sizeHS</a:t>
             </a:r>
             <a:r>
-              <a:rPr lang="en-US" sz="2400" dirty="0" smtClean="0">
+              <a:rPr lang="en-US" sz="2400" dirty="0">
                 <a:latin typeface="Lucida Console" pitchFamily="49" charset="0"/>
               </a:rPr>
               <a:t>)</a:t>
@@ -23964,7 +23632,7 @@
               </a:spcAft>
             </a:pPr>
             <a:r>
-              <a:rPr lang="en-US" sz="2400" b="1" dirty="0" smtClean="0">
+              <a:rPr lang="en-US" sz="2400" b="1" dirty="0">
                 <a:solidFill>
                   <a:srgbClr val="0000FF"/>
                 </a:solidFill>
@@ -23973,13 +23641,13 @@
               <a:t>  Apply</a:t>
             </a:r>
             <a:r>
-              <a:rPr lang="en-US" sz="2400" dirty="0" smtClean="0">
+              <a:rPr lang="en-US" sz="2400" dirty="0">
                 <a:latin typeface="Lucida Console" pitchFamily="49" charset="0"/>
               </a:rPr>
               <a:t>(</a:t>
             </a:r>
             <a:r>
-              <a:rPr lang="en-US" sz="2400" b="1" dirty="0" err="1" smtClean="0">
+              <a:rPr lang="en-US" sz="2400" b="1" dirty="0" err="1">
                 <a:solidFill>
                   <a:srgbClr val="990000"/>
                 </a:solidFill>
@@ -23988,13 +23656,13 @@
               <a:t>sID</a:t>
             </a:r>
             <a:r>
-              <a:rPr lang="en-US" sz="2400" dirty="0" err="1" smtClean="0">
+              <a:rPr lang="en-US" sz="2400" dirty="0" err="1">
                 <a:latin typeface="Lucida Console" pitchFamily="49" charset="0"/>
               </a:rPr>
               <a:t>,</a:t>
             </a:r>
             <a:r>
-              <a:rPr lang="en-US" sz="2400" b="1" dirty="0" err="1" smtClean="0">
+              <a:rPr lang="en-US" sz="2400" b="1" dirty="0" err="1">
                 <a:solidFill>
                   <a:srgbClr val="990000"/>
                 </a:solidFill>
@@ -24003,13 +23671,13 @@
               <a:t>cName</a:t>
             </a:r>
             <a:r>
-              <a:rPr lang="en-US" sz="2400" dirty="0" err="1" smtClean="0">
+              <a:rPr lang="en-US" sz="2400" dirty="0" err="1">
                 <a:latin typeface="Lucida Console" pitchFamily="49" charset="0"/>
               </a:rPr>
               <a:t>,</a:t>
             </a:r>
             <a:r>
-              <a:rPr lang="en-US" sz="2400" b="1" dirty="0" err="1" smtClean="0">
+              <a:rPr lang="en-US" sz="2400" b="1" dirty="0" err="1">
                 <a:solidFill>
                   <a:srgbClr val="990000"/>
                 </a:solidFill>
@@ -24018,13 +23686,13 @@
               <a:t>major</a:t>
             </a:r>
             <a:r>
-              <a:rPr lang="en-US" sz="2400" dirty="0" err="1" smtClean="0">
+              <a:rPr lang="en-US" sz="2400" dirty="0" err="1">
                 <a:latin typeface="Lucida Console" pitchFamily="49" charset="0"/>
               </a:rPr>
               <a:t>,</a:t>
             </a:r>
             <a:r>
-              <a:rPr lang="en-US" sz="2400" b="1" dirty="0" err="1" smtClean="0">
+              <a:rPr lang="en-US" sz="2400" b="1" dirty="0" err="1">
                 <a:solidFill>
                   <a:srgbClr val="990000"/>
                 </a:solidFill>
@@ -24033,34 +23701,24 @@
               <a:t>decision</a:t>
             </a:r>
             <a:r>
-              <a:rPr lang="en-US" sz="2400" dirty="0" smtClean="0">
+              <a:rPr lang="en-US" sz="2400" dirty="0">
                 <a:latin typeface="Lucida Console" pitchFamily="49" charset="0"/>
               </a:rPr>
               <a:t>)</a:t>
             </a:r>
-            <a:endParaRPr lang="en-US" sz="2400" dirty="0">
-              <a:latin typeface="Lucida Console" pitchFamily="49" charset="0"/>
-            </a:endParaRPr>
           </a:p>
         </p:txBody>
       </p:sp>
     </p:spTree>
     <p:extLst>
       <p:ext uri="{BB962C8B-B14F-4D97-AF65-F5344CB8AC3E}">
-        <p14:creationId xmlns="" xmlns:p14="http://schemas.microsoft.com/office/powerpoint/2010/main" val="282538741"/>
+        <p14:creationId xmlns:p14="http://schemas.microsoft.com/office/powerpoint/2010/main" val="282538741"/>
       </p:ext>
     </p:extLst>
   </p:cSld>
   <p:clrMapOvr>
     <a:masterClrMapping/>
   </p:clrMapOvr>
-  <p:timing>
-    <p:tnLst>
-      <p:par>
-        <p:cTn id="1" dur="indefinite" restart="never" nodeType="tmRoot"/>
-      </p:par>
-    </p:tnLst>
-  </p:timing>
 </p:sld>
 </file>
 
